--- a/lec1/lec1.pptx
+++ b/lec1/lec1.pptx
@@ -22758,7 +22758,7 @@
         </p:nvSpPr>
         <p:spPr>
           <a:xfrm>
-            <a:off x="5154075" y="6365875"/>
+            <a:off x="5154075" y="6257836"/>
             <a:ext cx="1883849" cy="430887"/>
           </a:xfrm>
           <a:prstGeom prst="rect">

--- a/lec1/lec1.pptx
+++ b/lec1/lec1.pptx
@@ -5,7 +5,7 @@
     <p:sldMasterId id="2147483648" r:id="rId1"/>
   </p:sldMasterIdLst>
   <p:notesMasterIdLst>
-    <p:notesMasterId r:id="rId27"/>
+    <p:notesMasterId r:id="rId28"/>
   </p:notesMasterIdLst>
   <p:sldIdLst>
     <p:sldId id="281" r:id="rId2"/>
@@ -33,6 +33,7 @@
     <p:sldId id="278" r:id="rId24"/>
     <p:sldId id="279" r:id="rId25"/>
     <p:sldId id="280" r:id="rId26"/>
+    <p:sldId id="282" r:id="rId27"/>
   </p:sldIdLst>
   <p:sldSz cx="12192000" cy="6858000"/>
   <p:notesSz cx="6858000" cy="9144000"/>
@@ -131,6 +132,11 @@
       </a:defRPr>
     </a:lvl9pPr>
   </p:defaultTextStyle>
+  <p:extLst>
+    <p:ext uri="{EFAFB233-063F-42B5-8137-9DF3F51BA10A}">
+      <p15:sldGuideLst xmlns:p15="http://schemas.microsoft.com/office/powerpoint/2012/main"/>
+    </p:ext>
+  </p:extLst>
 </p:presentation>
 </file>
 
@@ -366,7 +372,7 @@
                   <c:v>6.311</c:v>
                 </c:pt>
                 <c:pt idx="3">
-                  <c:v>4.16599999999999</c:v>
+                  <c:v>4.165999999999989</c:v>
                 </c:pt>
                 <c:pt idx="4">
                   <c:v>3.92</c:v>
@@ -392,11 +398,11 @@
         </c:dLbls>
         <c:gapWidth val="100"/>
         <c:overlap val="-24"/>
-        <c:axId val="-1984475952"/>
-        <c:axId val="-1983230528"/>
+        <c:axId val="-1980739120"/>
+        <c:axId val="-1980375264"/>
       </c:barChart>
       <c:catAx>
-        <c:axId val="-1984475952"/>
+        <c:axId val="-1980739120"/>
         <c:scaling>
           <c:orientation val="minMax"/>
         </c:scaling>
@@ -439,7 +445,7 @@
             <a:endParaRPr lang="en-US"/>
           </a:p>
         </c:txPr>
-        <c:crossAx val="-1983230528"/>
+        <c:crossAx val="-1980375264"/>
         <c:crosses val="autoZero"/>
         <c:auto val="1"/>
         <c:lblAlgn val="ctr"/>
@@ -447,7 +453,7 @@
         <c:noMultiLvlLbl val="0"/>
       </c:catAx>
       <c:valAx>
-        <c:axId val="-1983230528"/>
+        <c:axId val="-1980375264"/>
         <c:scaling>
           <c:orientation val="minMax"/>
         </c:scaling>
@@ -498,7 +504,7 @@
             <a:endParaRPr lang="en-US"/>
           </a:p>
         </c:txPr>
-        <c:crossAx val="-1984475952"/>
+        <c:crossAx val="-1980739120"/>
         <c:crosses val="autoZero"/>
         <c:crossBetween val="between"/>
       </c:valAx>
@@ -4740,11 +4746,11 @@
   <p:clrMapOvr>
     <a:masterClrMapping/>
   </p:clrMapOvr>
-  <mc:AlternateContent xmlns:mc="http://schemas.openxmlformats.org/markup-compatibility/2006">
-    <mc:Choice xmlns:p14="http://schemas.microsoft.com/office/powerpoint/2010/main" Requires="p14">
+  <mc:AlternateContent xmlns:mc="http://schemas.openxmlformats.org/markup-compatibility/2006" xmlns:p14="http://schemas.microsoft.com/office/powerpoint/2010/main">
+    <mc:Choice Requires="p14">
       <p:transition p14:dur="0"/>
     </mc:Choice>
-    <mc:Fallback>
+    <mc:Fallback xmlns="">
       <p:transition/>
     </mc:Fallback>
   </mc:AlternateContent>
@@ -5264,11 +5270,11 @@
   <p:clrMapOvr>
     <a:masterClrMapping/>
   </p:clrMapOvr>
-  <mc:AlternateContent xmlns:mc="http://schemas.openxmlformats.org/markup-compatibility/2006">
-    <mc:Choice xmlns:p14="http://schemas.microsoft.com/office/powerpoint/2010/main" Requires="p14">
+  <mc:AlternateContent xmlns:mc="http://schemas.openxmlformats.org/markup-compatibility/2006" xmlns:p14="http://schemas.microsoft.com/office/powerpoint/2010/main">
+    <mc:Choice Requires="p14">
       <p:transition p14:dur="0"/>
     </mc:Choice>
-    <mc:Fallback>
+    <mc:Fallback xmlns="">
       <p:transition/>
     </mc:Fallback>
   </mc:AlternateContent>
@@ -5581,11 +5587,11 @@
   <p:clrMapOvr>
     <a:masterClrMapping/>
   </p:clrMapOvr>
-  <mc:AlternateContent xmlns:mc="http://schemas.openxmlformats.org/markup-compatibility/2006">
-    <mc:Choice xmlns:p14="http://schemas.microsoft.com/office/powerpoint/2010/main" Requires="p14">
+  <mc:AlternateContent xmlns:mc="http://schemas.openxmlformats.org/markup-compatibility/2006" xmlns:p14="http://schemas.microsoft.com/office/powerpoint/2010/main">
+    <mc:Choice Requires="p14">
       <p:transition p14:dur="0"/>
     </mc:Choice>
-    <mc:Fallback>
+    <mc:Fallback xmlns="">
       <p:transition/>
     </mc:Fallback>
   </mc:AlternateContent>
@@ -6613,11 +6619,11 @@
   <p:clrMapOvr>
     <a:masterClrMapping/>
   </p:clrMapOvr>
-  <mc:AlternateContent xmlns:mc="http://schemas.openxmlformats.org/markup-compatibility/2006">
-    <mc:Choice xmlns:p14="http://schemas.microsoft.com/office/powerpoint/2010/main" Requires="p14">
+  <mc:AlternateContent xmlns:mc="http://schemas.openxmlformats.org/markup-compatibility/2006" xmlns:p14="http://schemas.microsoft.com/office/powerpoint/2010/main">
+    <mc:Choice Requires="p14">
       <p:transition p14:dur="0"/>
     </mc:Choice>
-    <mc:Fallback>
+    <mc:Fallback xmlns="">
       <p:transition/>
     </mc:Fallback>
   </mc:AlternateContent>
@@ -7385,11 +7391,11 @@
   <p:clrMapOvr>
     <a:masterClrMapping/>
   </p:clrMapOvr>
-  <mc:AlternateContent xmlns:mc="http://schemas.openxmlformats.org/markup-compatibility/2006">
-    <mc:Choice xmlns:p14="http://schemas.microsoft.com/office/powerpoint/2010/main" Requires="p14">
+  <mc:AlternateContent xmlns:mc="http://schemas.openxmlformats.org/markup-compatibility/2006" xmlns:p14="http://schemas.microsoft.com/office/powerpoint/2010/main">
+    <mc:Choice Requires="p14">
       <p:transition p14:dur="0"/>
     </mc:Choice>
-    <mc:Fallback>
+    <mc:Fallback xmlns="">
       <p:transition/>
     </mc:Fallback>
   </mc:AlternateContent>
@@ -9080,11 +9086,11 @@
   <p:clrMapOvr>
     <a:masterClrMapping/>
   </p:clrMapOvr>
-  <mc:AlternateContent xmlns:mc="http://schemas.openxmlformats.org/markup-compatibility/2006">
-    <mc:Choice xmlns:p14="http://schemas.microsoft.com/office/powerpoint/2010/main" Requires="p14">
+  <mc:AlternateContent xmlns:mc="http://schemas.openxmlformats.org/markup-compatibility/2006" xmlns:p14="http://schemas.microsoft.com/office/powerpoint/2010/main">
+    <mc:Choice Requires="p14">
       <p:transition p14:dur="0"/>
     </mc:Choice>
-    <mc:Fallback>
+    <mc:Fallback xmlns="">
       <p:transition/>
     </mc:Fallback>
   </mc:AlternateContent>
@@ -9474,11 +9480,11 @@
   <p:clrMapOvr>
     <a:masterClrMapping/>
   </p:clrMapOvr>
-  <mc:AlternateContent xmlns:mc="http://schemas.openxmlformats.org/markup-compatibility/2006">
-    <mc:Choice xmlns:p14="http://schemas.microsoft.com/office/powerpoint/2010/main" Requires="p14">
+  <mc:AlternateContent xmlns:mc="http://schemas.openxmlformats.org/markup-compatibility/2006" xmlns:p14="http://schemas.microsoft.com/office/powerpoint/2010/main">
+    <mc:Choice Requires="p14">
       <p:transition p14:dur="0"/>
     </mc:Choice>
-    <mc:Fallback>
+    <mc:Fallback xmlns="">
       <p:transition/>
     </mc:Fallback>
   </mc:AlternateContent>
@@ -10242,11 +10248,11 @@
   <p:clrMapOvr>
     <a:masterClrMapping/>
   </p:clrMapOvr>
-  <mc:AlternateContent xmlns:mc="http://schemas.openxmlformats.org/markup-compatibility/2006">
-    <mc:Choice xmlns:p14="http://schemas.microsoft.com/office/powerpoint/2010/main" Requires="p14">
+  <mc:AlternateContent xmlns:mc="http://schemas.openxmlformats.org/markup-compatibility/2006" xmlns:p14="http://schemas.microsoft.com/office/powerpoint/2010/main">
+    <mc:Choice Requires="p14">
       <p:transition p14:dur="0"/>
     </mc:Choice>
-    <mc:Fallback>
+    <mc:Fallback xmlns="">
       <p:transition/>
     </mc:Fallback>
   </mc:AlternateContent>
@@ -10442,13 +10448,6 @@
                 </a:rPr>
                 <a:t>0</a:t>
               </a:r>
-              <a:endParaRPr lang="en-US" dirty="0">
-                <a:solidFill>
-                  <a:schemeClr val="accent2">
-                    <a:lumMod val="50000"/>
-                  </a:schemeClr>
-                </a:solidFill>
-              </a:endParaRPr>
             </a:p>
           </p:txBody>
         </p:sp>
@@ -10868,13 +10867,6 @@
                 </a:rPr>
                 <a:t>0</a:t>
               </a:r>
-              <a:endParaRPr lang="en-US" dirty="0">
-                <a:solidFill>
-                  <a:schemeClr val="accent2">
-                    <a:lumMod val="50000"/>
-                  </a:schemeClr>
-                </a:solidFill>
-              </a:endParaRPr>
             </a:p>
           </p:txBody>
         </p:sp>
@@ -10927,13 +10919,6 @@
                 </a:rPr>
                 <a:t>0</a:t>
               </a:r>
-              <a:endParaRPr lang="en-US" dirty="0">
-                <a:solidFill>
-                  <a:schemeClr val="accent2">
-                    <a:lumMod val="50000"/>
-                  </a:schemeClr>
-                </a:solidFill>
-              </a:endParaRPr>
             </a:p>
           </p:txBody>
         </p:sp>
@@ -11410,13 +11395,6 @@
                 </a:rPr>
                 <a:t>0</a:t>
               </a:r>
-              <a:endParaRPr lang="en-US" dirty="0">
-                <a:solidFill>
-                  <a:schemeClr val="accent2">
-                    <a:lumMod val="50000"/>
-                  </a:schemeClr>
-                </a:solidFill>
-              </a:endParaRPr>
             </a:p>
           </p:txBody>
         </p:sp>
@@ -11469,13 +11447,6 @@
                 </a:rPr>
                 <a:t>0</a:t>
               </a:r>
-              <a:endParaRPr lang="en-US" dirty="0">
-                <a:solidFill>
-                  <a:schemeClr val="accent2">
-                    <a:lumMod val="50000"/>
-                  </a:schemeClr>
-                </a:solidFill>
-              </a:endParaRPr>
             </a:p>
           </p:txBody>
         </p:sp>
@@ -12219,13 +12190,6 @@
                 </a:rPr>
                 <a:t>0</a:t>
               </a:r>
-              <a:endParaRPr lang="en-US" dirty="0">
-                <a:solidFill>
-                  <a:schemeClr val="accent2">
-                    <a:lumMod val="50000"/>
-                  </a:schemeClr>
-                </a:solidFill>
-              </a:endParaRPr>
             </a:p>
           </p:txBody>
         </p:sp>
@@ -12645,13 +12609,6 @@
                 </a:rPr>
                 <a:t>0</a:t>
               </a:r>
-              <a:endParaRPr lang="en-US" dirty="0">
-                <a:solidFill>
-                  <a:schemeClr val="accent2">
-                    <a:lumMod val="50000"/>
-                  </a:schemeClr>
-                </a:solidFill>
-              </a:endParaRPr>
             </a:p>
           </p:txBody>
         </p:sp>
@@ -12704,13 +12661,6 @@
                 </a:rPr>
                 <a:t>0</a:t>
               </a:r>
-              <a:endParaRPr lang="en-US" dirty="0">
-                <a:solidFill>
-                  <a:schemeClr val="accent2">
-                    <a:lumMod val="50000"/>
-                  </a:schemeClr>
-                </a:solidFill>
-              </a:endParaRPr>
             </a:p>
           </p:txBody>
         </p:sp>
@@ -13249,13 +13199,6 @@
                 </a:rPr>
                 <a:t>0</a:t>
               </a:r>
-              <a:endParaRPr lang="en-US" dirty="0">
-                <a:solidFill>
-                  <a:schemeClr val="accent2">
-                    <a:lumMod val="50000"/>
-                  </a:schemeClr>
-                </a:solidFill>
-              </a:endParaRPr>
             </a:p>
           </p:txBody>
         </p:sp>
@@ -14101,11 +14044,11 @@
   <p:clrMapOvr>
     <a:masterClrMapping/>
   </p:clrMapOvr>
-  <mc:AlternateContent xmlns:mc="http://schemas.openxmlformats.org/markup-compatibility/2006">
-    <mc:Choice xmlns:p14="http://schemas.microsoft.com/office/powerpoint/2010/main" Requires="p14">
+  <mc:AlternateContent xmlns:mc="http://schemas.openxmlformats.org/markup-compatibility/2006" xmlns:p14="http://schemas.microsoft.com/office/powerpoint/2010/main">
+    <mc:Choice Requires="p14">
       <p:transition p14:dur="0"/>
     </mc:Choice>
-    <mc:Fallback>
+    <mc:Fallback xmlns="">
       <p:transition/>
     </mc:Fallback>
   </mc:AlternateContent>
@@ -14301,13 +14244,6 @@
                 </a:rPr>
                 <a:t>0</a:t>
               </a:r>
-              <a:endParaRPr lang="en-US" dirty="0">
-                <a:solidFill>
-                  <a:schemeClr val="accent2">
-                    <a:lumMod val="50000"/>
-                  </a:schemeClr>
-                </a:solidFill>
-              </a:endParaRPr>
             </a:p>
           </p:txBody>
         </p:sp>
@@ -14727,13 +14663,6 @@
                 </a:rPr>
                 <a:t>0</a:t>
               </a:r>
-              <a:endParaRPr lang="en-US" dirty="0">
-                <a:solidFill>
-                  <a:schemeClr val="accent2">
-                    <a:lumMod val="50000"/>
-                  </a:schemeClr>
-                </a:solidFill>
-              </a:endParaRPr>
             </a:p>
           </p:txBody>
         </p:sp>
@@ -14786,13 +14715,6 @@
                 </a:rPr>
                 <a:t>0</a:t>
               </a:r>
-              <a:endParaRPr lang="en-US" dirty="0">
-                <a:solidFill>
-                  <a:schemeClr val="accent2">
-                    <a:lumMod val="50000"/>
-                  </a:schemeClr>
-                </a:solidFill>
-              </a:endParaRPr>
             </a:p>
           </p:txBody>
         </p:sp>
@@ -15336,13 +15258,6 @@
                 </a:rPr>
                 <a:t>0</a:t>
               </a:r>
-              <a:endParaRPr lang="en-US" dirty="0">
-                <a:solidFill>
-                  <a:schemeClr val="accent2">
-                    <a:lumMod val="50000"/>
-                  </a:schemeClr>
-                </a:solidFill>
-              </a:endParaRPr>
             </a:p>
           </p:txBody>
         </p:sp>
@@ -16095,13 +16010,6 @@
                 </a:rPr>
                 <a:t>0</a:t>
               </a:r>
-              <a:endParaRPr lang="en-US" dirty="0">
-                <a:solidFill>
-                  <a:schemeClr val="accent2">
-                    <a:lumMod val="50000"/>
-                  </a:schemeClr>
-                </a:solidFill>
-              </a:endParaRPr>
             </a:p>
           </p:txBody>
         </p:sp>
@@ -16521,13 +16429,6 @@
                 </a:rPr>
                 <a:t>0</a:t>
               </a:r>
-              <a:endParaRPr lang="en-US" dirty="0">
-                <a:solidFill>
-                  <a:schemeClr val="accent2">
-                    <a:lumMod val="50000"/>
-                  </a:schemeClr>
-                </a:solidFill>
-              </a:endParaRPr>
             </a:p>
           </p:txBody>
         </p:sp>
@@ -16580,13 +16481,6 @@
                 </a:rPr>
                 <a:t>0</a:t>
               </a:r>
-              <a:endParaRPr lang="en-US" dirty="0">
-                <a:solidFill>
-                  <a:schemeClr val="accent2">
-                    <a:lumMod val="50000"/>
-                  </a:schemeClr>
-                </a:solidFill>
-              </a:endParaRPr>
             </a:p>
           </p:txBody>
         </p:sp>
@@ -17315,11 +17209,6 @@
               </a:rPr>
               <a:t>b = a &gt;&gt; 2;</a:t>
             </a:r>
-            <a:endParaRPr lang="en-US" dirty="0">
-              <a:latin typeface="Lucida Console" charset="0"/>
-              <a:ea typeface="Lucida Console" charset="0"/>
-              <a:cs typeface="Lucida Console" charset="0"/>
-            </a:endParaRPr>
           </a:p>
         </p:txBody>
       </p:sp>
@@ -17431,11 +17320,11 @@
   <p:clrMapOvr>
     <a:masterClrMapping/>
   </p:clrMapOvr>
-  <mc:AlternateContent xmlns:mc="http://schemas.openxmlformats.org/markup-compatibility/2006">
-    <mc:Choice xmlns:p14="http://schemas.microsoft.com/office/powerpoint/2010/main" Requires="p14">
+  <mc:AlternateContent xmlns:mc="http://schemas.openxmlformats.org/markup-compatibility/2006" xmlns:p14="http://schemas.microsoft.com/office/powerpoint/2010/main">
+    <mc:Choice Requires="p14">
       <p:transition p14:dur="0"/>
     </mc:Choice>
-    <mc:Fallback>
+    <mc:Fallback xmlns="">
       <p:transition/>
     </mc:Fallback>
   </mc:AlternateContent>
@@ -17631,13 +17520,6 @@
                 </a:rPr>
                 <a:t>0</a:t>
               </a:r>
-              <a:endParaRPr lang="en-US" dirty="0">
-                <a:solidFill>
-                  <a:schemeClr val="accent2">
-                    <a:lumMod val="50000"/>
-                  </a:schemeClr>
-                </a:solidFill>
-              </a:endParaRPr>
             </a:p>
           </p:txBody>
         </p:sp>
@@ -18485,13 +18367,6 @@
               </a:rPr>
               <a:t>0</a:t>
             </a:r>
-            <a:endParaRPr lang="en-US" dirty="0">
-              <a:solidFill>
-                <a:schemeClr val="accent2">
-                  <a:lumMod val="50000"/>
-                </a:schemeClr>
-              </a:solidFill>
-            </a:endParaRPr>
           </a:p>
         </p:txBody>
       </p:sp>
@@ -18842,6 +18717,80 @@
           </a:p>
         </p:txBody>
       </p:sp>
+      <p:sp>
+        <p:nvSpPr>
+          <p:cNvPr id="5" name="TextBox 4"/>
+          <p:cNvSpPr txBox="1"/>
+          <p:nvPr/>
+        </p:nvSpPr>
+        <p:spPr>
+          <a:xfrm>
+            <a:off x="5154075" y="6365875"/>
+            <a:ext cx="2138727" cy="261610"/>
+          </a:xfrm>
+          <a:prstGeom prst="rect">
+            <a:avLst/>
+          </a:prstGeom>
+          <a:noFill/>
+        </p:spPr>
+        <p:txBody>
+          <a:bodyPr wrap="none" rtlCol="0">
+            <a:spAutoFit/>
+          </a:bodyPr>
+          <a:lstStyle/>
+          <a:p>
+            <a:r>
+              <a:rPr lang="en-US" sz="1100" dirty="0" smtClean="0">
+                <a:solidFill>
+                  <a:schemeClr val="accent2">
+                    <a:lumMod val="75000"/>
+                  </a:schemeClr>
+                </a:solidFill>
+                <a:latin typeface="Lucida Console" charset="0"/>
+                <a:ea typeface="Lucida Console" charset="0"/>
+                <a:cs typeface="Lucida Console" charset="0"/>
+              </a:rPr>
+              <a:t>Files: </a:t>
+            </a:r>
+            <a:r>
+              <a:rPr lang="en-US" sz="1100" dirty="0" err="1" smtClean="0">
+                <a:solidFill>
+                  <a:schemeClr val="accent2">
+                    <a:lumMod val="75000"/>
+                  </a:schemeClr>
+                </a:solidFill>
+                <a:latin typeface="Lucida Console" charset="0"/>
+                <a:ea typeface="Lucida Console" charset="0"/>
+                <a:cs typeface="Lucida Console" charset="0"/>
+              </a:rPr>
+              <a:t>bitwise.c</a:t>
+            </a:r>
+            <a:r>
+              <a:rPr lang="en-US" sz="1100" dirty="0" smtClean="0">
+                <a:solidFill>
+                  <a:schemeClr val="accent2">
+                    <a:lumMod val="75000"/>
+                  </a:schemeClr>
+                </a:solidFill>
+                <a:latin typeface="Lucida Console" charset="0"/>
+                <a:ea typeface="Lucida Console" charset="0"/>
+                <a:cs typeface="Lucida Console" charset="0"/>
+              </a:rPr>
+              <a:t>       </a:t>
+            </a:r>
+            <a:endParaRPr lang="en-US" sz="1100" dirty="0">
+              <a:solidFill>
+                <a:schemeClr val="accent2">
+                  <a:lumMod val="75000"/>
+                </a:schemeClr>
+              </a:solidFill>
+              <a:latin typeface="Lucida Console" charset="0"/>
+              <a:ea typeface="Lucida Console" charset="0"/>
+              <a:cs typeface="Lucida Console" charset="0"/>
+            </a:endParaRPr>
+          </a:p>
+        </p:txBody>
+      </p:sp>
     </p:spTree>
     <p:extLst>
       <p:ext uri="{BB962C8B-B14F-4D97-AF65-F5344CB8AC3E}">
@@ -19298,11 +19247,11 @@
   <p:clrMapOvr>
     <a:masterClrMapping/>
   </p:clrMapOvr>
-  <mc:AlternateContent xmlns:mc="http://schemas.openxmlformats.org/markup-compatibility/2006">
-    <mc:Choice xmlns:p14="http://schemas.microsoft.com/office/powerpoint/2010/main" Requires="p14">
+  <mc:AlternateContent xmlns:mc="http://schemas.openxmlformats.org/markup-compatibility/2006" xmlns:p14="http://schemas.microsoft.com/office/powerpoint/2010/main">
+    <mc:Choice Requires="p14">
       <p:transition p14:dur="0"/>
     </mc:Choice>
-    <mc:Fallback>
+    <mc:Fallback xmlns="">
       <p:transition/>
     </mc:Fallback>
   </mc:AlternateContent>
@@ -20180,6 +20129,240 @@
 </p:sld>
 </file>
 
+<file path=ppt/slides/slide26.xml><?xml version="1.0" encoding="utf-8"?>
+<p:sld xmlns:a="http://schemas.openxmlformats.org/drawingml/2006/main" xmlns:r="http://schemas.openxmlformats.org/officeDocument/2006/relationships" xmlns:p="http://schemas.openxmlformats.org/presentationml/2006/main">
+  <p:cSld>
+    <p:spTree>
+      <p:nvGrpSpPr>
+        <p:cNvPr id="1" name=""/>
+        <p:cNvGrpSpPr/>
+        <p:nvPr/>
+      </p:nvGrpSpPr>
+      <p:grpSpPr>
+        <a:xfrm>
+          <a:off x="0" y="0"/>
+          <a:ext cx="0" cy="0"/>
+          <a:chOff x="0" y="0"/>
+          <a:chExt cx="0" cy="0"/>
+        </a:xfrm>
+      </p:grpSpPr>
+      <p:sp>
+        <p:nvSpPr>
+          <p:cNvPr id="2" name="Title 1"/>
+          <p:cNvSpPr>
+            <a:spLocks noGrp="1"/>
+          </p:cNvSpPr>
+          <p:nvPr>
+            <p:ph type="title"/>
+          </p:nvPr>
+        </p:nvSpPr>
+        <p:spPr/>
+        <p:txBody>
+          <a:bodyPr>
+            <a:normAutofit/>
+          </a:bodyPr>
+          <a:lstStyle/>
+          <a:p>
+            <a:r>
+              <a:rPr lang="ru-RU" dirty="0" smtClean="0"/>
+              <a:t>Задания</a:t>
+            </a:r>
+            <a:br>
+              <a:rPr lang="ru-RU" dirty="0" smtClean="0"/>
+            </a:br>
+            <a:r>
+              <a:rPr lang="ru-RU" dirty="0" smtClean="0"/>
+              <a:t>------------------------------------------------------------</a:t>
+            </a:r>
+            <a:endParaRPr lang="en-US" dirty="0"/>
+          </a:p>
+        </p:txBody>
+      </p:sp>
+      <p:sp>
+        <p:nvSpPr>
+          <p:cNvPr id="4" name="TextBox 3"/>
+          <p:cNvSpPr txBox="1"/>
+          <p:nvPr/>
+        </p:nvSpPr>
+        <p:spPr>
+          <a:xfrm>
+            <a:off x="2604440" y="3143250"/>
+            <a:ext cx="8477257" cy="1477328"/>
+          </a:xfrm>
+          <a:prstGeom prst="rect">
+            <a:avLst/>
+          </a:prstGeom>
+          <a:noFill/>
+        </p:spPr>
+        <p:txBody>
+          <a:bodyPr wrap="none" rtlCol="0">
+            <a:spAutoFit/>
+          </a:bodyPr>
+          <a:lstStyle/>
+          <a:p>
+            <a:pPr marL="342900" indent="-342900">
+              <a:buAutoNum type="arabicPeriod"/>
+            </a:pPr>
+            <a:r>
+              <a:rPr lang="ru-RU" dirty="0" smtClean="0"/>
+              <a:t>Вывести </a:t>
+            </a:r>
+            <a:r>
+              <a:rPr lang="en-US" dirty="0" smtClean="0"/>
+              <a:t>Hello, &lt;</a:t>
+            </a:r>
+            <a:r>
+              <a:rPr lang="ru-RU" dirty="0" err="1" smtClean="0"/>
+              <a:t>Ваше_Имя</a:t>
+            </a:r>
+            <a:r>
+              <a:rPr lang="en-US" dirty="0" smtClean="0"/>
+              <a:t>&gt;, </a:t>
+            </a:r>
+            <a:r>
+              <a:rPr lang="ru-RU" dirty="0" smtClean="0"/>
+              <a:t>вывести последовательность </a:t>
+            </a:r>
+            <a:r>
+              <a:rPr lang="en-US" dirty="0" smtClean="0"/>
+              <a:t>”\n”</a:t>
+            </a:r>
+            <a:endParaRPr lang="ru-RU" dirty="0" smtClean="0"/>
+          </a:p>
+          <a:p>
+            <a:pPr marL="342900" indent="-342900">
+              <a:buAutoNum type="arabicPeriod"/>
+            </a:pPr>
+            <a:r>
+              <a:rPr lang="ru-RU" dirty="0" smtClean="0"/>
+              <a:t>Вывести любое число типа </a:t>
+            </a:r>
+            <a:r>
+              <a:rPr lang="en-US" dirty="0" err="1" smtClean="0">
+                <a:solidFill>
+                  <a:schemeClr val="accent2">
+                    <a:lumMod val="75000"/>
+                  </a:schemeClr>
+                </a:solidFill>
+              </a:rPr>
+              <a:t>int</a:t>
+            </a:r>
+            <a:r>
+              <a:rPr lang="en-US" dirty="0" smtClean="0">
+                <a:solidFill>
+                  <a:schemeClr val="accent2">
+                    <a:lumMod val="75000"/>
+                  </a:schemeClr>
+                </a:solidFill>
+              </a:rPr>
+              <a:t> </a:t>
+            </a:r>
+            <a:r>
+              <a:rPr lang="ru-RU" dirty="0" smtClean="0"/>
+              <a:t>как </a:t>
+            </a:r>
+            <a:r>
+              <a:rPr lang="en-US" dirty="0" smtClean="0">
+                <a:solidFill>
+                  <a:schemeClr val="accent2">
+                    <a:lumMod val="75000"/>
+                  </a:schemeClr>
+                </a:solidFill>
+              </a:rPr>
+              <a:t>float</a:t>
+            </a:r>
+            <a:r>
+              <a:rPr lang="ru-RU" dirty="0" smtClean="0"/>
+              <a:t>. Вывести число -1 типа </a:t>
+            </a:r>
+            <a:r>
+              <a:rPr lang="en-US" dirty="0" err="1" smtClean="0">
+                <a:solidFill>
+                  <a:schemeClr val="accent2">
+                    <a:lumMod val="75000"/>
+                  </a:schemeClr>
+                </a:solidFill>
+              </a:rPr>
+              <a:t>int</a:t>
+            </a:r>
+            <a:r>
+              <a:rPr lang="en-US" dirty="0" smtClean="0">
+                <a:solidFill>
+                  <a:schemeClr val="accent2">
+                    <a:lumMod val="75000"/>
+                  </a:schemeClr>
+                </a:solidFill>
+              </a:rPr>
+              <a:t> </a:t>
+            </a:r>
+            <a:r>
+              <a:rPr lang="ru-RU" dirty="0" smtClean="0"/>
+              <a:t>как </a:t>
+            </a:r>
+            <a:r>
+              <a:rPr lang="en-US" dirty="0" smtClean="0">
+                <a:solidFill>
+                  <a:schemeClr val="accent2">
+                    <a:lumMod val="75000"/>
+                  </a:schemeClr>
+                </a:solidFill>
+              </a:rPr>
+              <a:t>unsigned</a:t>
+            </a:r>
+            <a:r>
+              <a:rPr lang="en-US" dirty="0" smtClean="0"/>
+              <a:t>.</a:t>
+            </a:r>
+            <a:endParaRPr lang="ru-RU" dirty="0" smtClean="0"/>
+          </a:p>
+          <a:p>
+            <a:pPr marL="342900" indent="-342900">
+              <a:buAutoNum type="arabicPeriod"/>
+            </a:pPr>
+            <a:r>
+              <a:rPr lang="ru-RU" dirty="0"/>
+              <a:t>Узнать сколько занимает байт занимают базовые типы Си на вашей </a:t>
+            </a:r>
+            <a:r>
+              <a:rPr lang="ru-RU" dirty="0" smtClean="0"/>
+              <a:t>ОС</a:t>
+            </a:r>
+            <a:r>
+              <a:rPr lang="en-US" dirty="0"/>
+              <a:t>;</a:t>
+            </a:r>
+            <a:endParaRPr lang="ru-RU" dirty="0" smtClean="0"/>
+          </a:p>
+          <a:p>
+            <a:pPr marL="342900" indent="-342900">
+              <a:buAutoNum type="arabicPeriod"/>
+            </a:pPr>
+            <a:r>
+              <a:rPr lang="ru-RU" dirty="0" smtClean="0"/>
+              <a:t>Написать программу для перевода введенной цифры в символ</a:t>
+            </a:r>
+          </a:p>
+          <a:p>
+            <a:pPr marL="342900" indent="-342900">
+              <a:buAutoNum type="arabicPeriod"/>
+            </a:pPr>
+            <a:endParaRPr lang="en-US" dirty="0"/>
+          </a:p>
+        </p:txBody>
+      </p:sp>
+    </p:spTree>
+    <p:extLst>
+      <p:ext uri="{BB962C8B-B14F-4D97-AF65-F5344CB8AC3E}">
+        <p14:creationId xmlns:p14="http://schemas.microsoft.com/office/powerpoint/2010/main" val="1348688548"/>
+      </p:ext>
+    </p:extLst>
+  </p:cSld>
+  <p:clrMapOvr>
+    <a:masterClrMapping/>
+  </p:clrMapOvr>
+</p:sld>
+</file>
+
 <file path=ppt/slides/slide3.xml><?xml version="1.0" encoding="utf-8"?>
 <p:sld xmlns:a="http://schemas.openxmlformats.org/drawingml/2006/main" xmlns:r="http://schemas.openxmlformats.org/officeDocument/2006/relationships" xmlns:p="http://schemas.openxmlformats.org/presentationml/2006/main">
   <p:cSld>
@@ -20347,11 +20530,11 @@
   <p:clrMapOvr>
     <a:masterClrMapping/>
   </p:clrMapOvr>
-  <mc:AlternateContent xmlns:mc="http://schemas.openxmlformats.org/markup-compatibility/2006">
-    <mc:Choice xmlns:p14="http://schemas.microsoft.com/office/powerpoint/2010/main" Requires="p14">
+  <mc:AlternateContent xmlns:mc="http://schemas.openxmlformats.org/markup-compatibility/2006" xmlns:p14="http://schemas.microsoft.com/office/powerpoint/2010/main">
+    <mc:Choice Requires="p14">
       <p:transition p14:dur="0"/>
     </mc:Choice>
-    <mc:Fallback>
+    <mc:Fallback xmlns="">
       <p:transition/>
     </mc:Fallback>
   </mc:AlternateContent>
@@ -21550,11 +21733,11 @@
   <p:clrMapOvr>
     <a:masterClrMapping/>
   </p:clrMapOvr>
-  <mc:AlternateContent xmlns:mc="http://schemas.openxmlformats.org/markup-compatibility/2006">
-    <mc:Choice xmlns:p14="http://schemas.microsoft.com/office/powerpoint/2010/main" Requires="p14">
+  <mc:AlternateContent xmlns:mc="http://schemas.openxmlformats.org/markup-compatibility/2006" xmlns:p14="http://schemas.microsoft.com/office/powerpoint/2010/main">
+    <mc:Choice Requires="p14">
       <p:transition p14:dur="0"/>
     </mc:Choice>
-    <mc:Fallback>
+    <mc:Fallback xmlns="">
       <p:transition/>
     </mc:Fallback>
   </mc:AlternateContent>
@@ -22655,11 +22838,11 @@
   <p:clrMapOvr>
     <a:masterClrMapping/>
   </p:clrMapOvr>
-  <mc:AlternateContent xmlns:mc="http://schemas.openxmlformats.org/markup-compatibility/2006">
-    <mc:Choice xmlns:p14="http://schemas.microsoft.com/office/powerpoint/2010/main" Requires="p14">
+  <mc:AlternateContent xmlns:mc="http://schemas.openxmlformats.org/markup-compatibility/2006" xmlns:p14="http://schemas.microsoft.com/office/powerpoint/2010/main">
+    <mc:Choice Requires="p14">
       <p:transition p14:dur="0"/>
     </mc:Choice>
-    <mc:Fallback>
+    <mc:Fallback xmlns="">
       <p:transition/>
     </mc:Fallback>
   </mc:AlternateContent>
@@ -22859,11 +23042,11 @@
   <p:clrMapOvr>
     <a:masterClrMapping/>
   </p:clrMapOvr>
-  <mc:AlternateContent xmlns:mc="http://schemas.openxmlformats.org/markup-compatibility/2006">
-    <mc:Choice xmlns:p14="http://schemas.microsoft.com/office/powerpoint/2010/main" Requires="p14">
+  <mc:AlternateContent xmlns:mc="http://schemas.openxmlformats.org/markup-compatibility/2006" xmlns:p14="http://schemas.microsoft.com/office/powerpoint/2010/main">
+    <mc:Choice Requires="p14">
       <p:transition p14:dur="0"/>
     </mc:Choice>
-    <mc:Fallback>
+    <mc:Fallback xmlns="">
       <p:transition/>
     </mc:Fallback>
   </mc:AlternateContent>
@@ -23538,11 +23721,11 @@
   <p:clrMapOvr>
     <a:masterClrMapping/>
   </p:clrMapOvr>
-  <mc:AlternateContent xmlns:mc="http://schemas.openxmlformats.org/markup-compatibility/2006">
-    <mc:Choice xmlns:p14="http://schemas.microsoft.com/office/powerpoint/2010/main" Requires="p14">
+  <mc:AlternateContent xmlns:mc="http://schemas.openxmlformats.org/markup-compatibility/2006" xmlns:p14="http://schemas.microsoft.com/office/powerpoint/2010/main">
+    <mc:Choice Requires="p14">
       <p:transition p14:dur="0"/>
     </mc:Choice>
-    <mc:Fallback>
+    <mc:Fallback xmlns="">
       <p:transition/>
     </mc:Fallback>
   </mc:AlternateContent>
@@ -24309,11 +24492,11 @@
   <p:clrMapOvr>
     <a:masterClrMapping/>
   </p:clrMapOvr>
-  <mc:AlternateContent xmlns:mc="http://schemas.openxmlformats.org/markup-compatibility/2006">
-    <mc:Choice xmlns:p14="http://schemas.microsoft.com/office/powerpoint/2010/main" Requires="p14">
+  <mc:AlternateContent xmlns:mc="http://schemas.openxmlformats.org/markup-compatibility/2006" xmlns:p14="http://schemas.microsoft.com/office/powerpoint/2010/main">
+    <mc:Choice Requires="p14">
       <p:transition p14:dur="0"/>
     </mc:Choice>
-    <mc:Fallback>
+    <mc:Fallback xmlns="">
       <p:transition/>
     </mc:Fallback>
   </mc:AlternateContent>
@@ -25163,11 +25346,11 @@
   <p:clrMapOvr>
     <a:masterClrMapping/>
   </p:clrMapOvr>
-  <mc:AlternateContent xmlns:mc="http://schemas.openxmlformats.org/markup-compatibility/2006">
-    <mc:Choice xmlns:p14="http://schemas.microsoft.com/office/powerpoint/2010/main" Requires="p14">
+  <mc:AlternateContent xmlns:mc="http://schemas.openxmlformats.org/markup-compatibility/2006" xmlns:p14="http://schemas.microsoft.com/office/powerpoint/2010/main">
+    <mc:Choice Requires="p14">
       <p:transition p14:dur="0"/>
     </mc:Choice>
-    <mc:Fallback>
+    <mc:Fallback xmlns="">
       <p:transition/>
     </mc:Fallback>
   </mc:AlternateContent>

--- a/lec1/lec1.pptx
+++ b/lec1/lec1.pptx
@@ -5,35 +5,38 @@
     <p:sldMasterId id="2147483648" r:id="rId1"/>
   </p:sldMasterIdLst>
   <p:notesMasterIdLst>
-    <p:notesMasterId r:id="rId28"/>
+    <p:notesMasterId r:id="rId31"/>
   </p:notesMasterIdLst>
   <p:sldIdLst>
-    <p:sldId id="281" r:id="rId2"/>
-    <p:sldId id="257" r:id="rId3"/>
-    <p:sldId id="258" r:id="rId4"/>
-    <p:sldId id="259" r:id="rId5"/>
-    <p:sldId id="260" r:id="rId6"/>
-    <p:sldId id="261" r:id="rId7"/>
-    <p:sldId id="262" r:id="rId8"/>
-    <p:sldId id="263" r:id="rId9"/>
-    <p:sldId id="264" r:id="rId10"/>
-    <p:sldId id="265" r:id="rId11"/>
-    <p:sldId id="266" r:id="rId12"/>
-    <p:sldId id="267" r:id="rId13"/>
-    <p:sldId id="268" r:id="rId14"/>
-    <p:sldId id="269" r:id="rId15"/>
-    <p:sldId id="270" r:id="rId16"/>
-    <p:sldId id="271" r:id="rId17"/>
-    <p:sldId id="272" r:id="rId18"/>
-    <p:sldId id="273" r:id="rId19"/>
-    <p:sldId id="274" r:id="rId20"/>
-    <p:sldId id="275" r:id="rId21"/>
-    <p:sldId id="276" r:id="rId22"/>
-    <p:sldId id="277" r:id="rId23"/>
-    <p:sldId id="278" r:id="rId24"/>
-    <p:sldId id="279" r:id="rId25"/>
-    <p:sldId id="280" r:id="rId26"/>
-    <p:sldId id="282" r:id="rId27"/>
+    <p:sldId id="287" r:id="rId2"/>
+    <p:sldId id="281" r:id="rId3"/>
+    <p:sldId id="257" r:id="rId4"/>
+    <p:sldId id="258" r:id="rId5"/>
+    <p:sldId id="259" r:id="rId6"/>
+    <p:sldId id="260" r:id="rId7"/>
+    <p:sldId id="261" r:id="rId8"/>
+    <p:sldId id="262" r:id="rId9"/>
+    <p:sldId id="263" r:id="rId10"/>
+    <p:sldId id="264" r:id="rId11"/>
+    <p:sldId id="265" r:id="rId12"/>
+    <p:sldId id="266" r:id="rId13"/>
+    <p:sldId id="267" r:id="rId14"/>
+    <p:sldId id="268" r:id="rId15"/>
+    <p:sldId id="269" r:id="rId16"/>
+    <p:sldId id="270" r:id="rId17"/>
+    <p:sldId id="271" r:id="rId18"/>
+    <p:sldId id="272" r:id="rId19"/>
+    <p:sldId id="273" r:id="rId20"/>
+    <p:sldId id="274" r:id="rId21"/>
+    <p:sldId id="275" r:id="rId22"/>
+    <p:sldId id="276" r:id="rId23"/>
+    <p:sldId id="277" r:id="rId24"/>
+    <p:sldId id="278" r:id="rId25"/>
+    <p:sldId id="279" r:id="rId26"/>
+    <p:sldId id="280" r:id="rId27"/>
+    <p:sldId id="284" r:id="rId28"/>
+    <p:sldId id="288" r:id="rId29"/>
+    <p:sldId id="282" r:id="rId30"/>
   </p:sldIdLst>
   <p:sldSz cx="12192000" cy="6858000"/>
   <p:notesSz cx="6858000" cy="9144000"/>
@@ -180,7 +183,6 @@
           </a:p>
         </c:rich>
       </c:tx>
-      <c:layout/>
       <c:overlay val="0"/>
       <c:spPr>
         <a:noFill/>
@@ -309,7 +311,6 @@
             <c:showLeaderLines val="0"/>
             <c:extLst>
               <c:ext xmlns:c15="http://schemas.microsoft.com/office/drawing/2012/chart" uri="{CE6537A1-D6FC-4f65-9D91-7224C49458BB}">
-                <c15:layout/>
                 <c15:showLeaderLines val="1"/>
                 <c15:leaderLines>
                   <c:spPr>
@@ -372,7 +373,7 @@
                   <c:v>6.311</c:v>
                 </c:pt>
                 <c:pt idx="3">
-                  <c:v>4.165999999999989</c:v>
+                  <c:v>4.165999999999987</c:v>
                 </c:pt>
                 <c:pt idx="4">
                   <c:v>3.92</c:v>
@@ -398,11 +399,11 @@
         </c:dLbls>
         <c:gapWidth val="100"/>
         <c:overlap val="-24"/>
-        <c:axId val="-1980739120"/>
-        <c:axId val="-1980375264"/>
+        <c:axId val="816000496"/>
+        <c:axId val="900701456"/>
       </c:barChart>
       <c:catAx>
-        <c:axId val="-1980739120"/>
+        <c:axId val="816000496"/>
         <c:scaling>
           <c:orientation val="minMax"/>
         </c:scaling>
@@ -445,7 +446,7 @@
             <a:endParaRPr lang="en-US"/>
           </a:p>
         </c:txPr>
-        <c:crossAx val="-1980375264"/>
+        <c:crossAx val="900701456"/>
         <c:crosses val="autoZero"/>
         <c:auto val="1"/>
         <c:lblAlgn val="ctr"/>
@@ -453,7 +454,7 @@
         <c:noMultiLvlLbl val="0"/>
       </c:catAx>
       <c:valAx>
-        <c:axId val="-1980375264"/>
+        <c:axId val="900701456"/>
         <c:scaling>
           <c:orientation val="minMax"/>
         </c:scaling>
@@ -504,7 +505,7 @@
             <a:endParaRPr lang="en-US"/>
           </a:p>
         </c:txPr>
-        <c:crossAx val="-1980739120"/>
+        <c:crossAx val="816000496"/>
         <c:crosses val="autoZero"/>
         <c:crossBetween val="between"/>
       </c:valAx>
@@ -1156,7 +1157,7 @@
           <a:p>
             <a:fld id="{2DC631C1-44AE-2E4D-A925-044A06DA3E6D}" type="datetimeFigureOut">
               <a:rPr lang="en-US" smtClean="0"/>
-              <a:t>8/24/16</a:t>
+              <a:t>8/25/16</a:t>
             </a:fld>
             <a:endParaRPr lang="en-US"/>
           </a:p>
@@ -1468,21 +1469,6 @@
           <a:bodyPr/>
           <a:lstStyle/>
           <a:p>
-            <a:r>
-              <a:rPr lang="ru-RU" dirty="0" smtClean="0"/>
-              <a:t>кол-во</a:t>
-            </a:r>
-            <a:r>
-              <a:rPr lang="ru-RU" baseline="0" dirty="0" smtClean="0"/>
-              <a:t> ключевых слов в </a:t>
-            </a:r>
-            <a:r>
-              <a:rPr lang="en-US" baseline="0" dirty="0" smtClean="0"/>
-              <a:t>Java, C&lt; </a:t>
-            </a:r>
-            <a:endParaRPr lang="ru-RU" baseline="0" dirty="0" smtClean="0"/>
-          </a:p>
-          <a:p>
             <a:endParaRPr lang="en-US" dirty="0"/>
           </a:p>
         </p:txBody>
@@ -1504,7 +1490,7 @@
           <a:p>
             <a:fld id="{359BC295-29C1-7F43-A430-DCB01AEEE727}" type="slidenum">
               <a:rPr lang="en-US" smtClean="0"/>
-              <a:t>3</a:t>
+              <a:t>4</a:t>
             </a:fld>
             <a:endParaRPr lang="en-US"/>
           </a:p>
@@ -1588,7 +1574,7 @@
           <a:p>
             <a:fld id="{359BC295-29C1-7F43-A430-DCB01AEEE727}" type="slidenum">
               <a:rPr lang="en-US" smtClean="0"/>
-              <a:t>6</a:t>
+              <a:t>7</a:t>
             </a:fld>
             <a:endParaRPr lang="en-US"/>
           </a:p>
@@ -1672,7 +1658,7 @@
           <a:p>
             <a:fld id="{359BC295-29C1-7F43-A430-DCB01AEEE727}" type="slidenum">
               <a:rPr lang="en-US" smtClean="0"/>
-              <a:t>8</a:t>
+              <a:t>9</a:t>
             </a:fld>
             <a:endParaRPr lang="en-US"/>
           </a:p>
@@ -1822,7 +1808,7 @@
           <a:p>
             <a:fld id="{35870F1A-7F8A-F14D-819A-8F66C693C7C4}" type="datetimeFigureOut">
               <a:rPr lang="en-US" smtClean="0"/>
-              <a:t>8/24/16</a:t>
+              <a:t>8/25/16</a:t>
             </a:fld>
             <a:endParaRPr lang="en-US"/>
           </a:p>
@@ -1992,7 +1978,7 @@
           <a:p>
             <a:fld id="{35870F1A-7F8A-F14D-819A-8F66C693C7C4}" type="datetimeFigureOut">
               <a:rPr lang="en-US" smtClean="0"/>
-              <a:t>8/24/16</a:t>
+              <a:t>8/25/16</a:t>
             </a:fld>
             <a:endParaRPr lang="en-US"/>
           </a:p>
@@ -2172,7 +2158,7 @@
           <a:p>
             <a:fld id="{35870F1A-7F8A-F14D-819A-8F66C693C7C4}" type="datetimeFigureOut">
               <a:rPr lang="en-US" smtClean="0"/>
-              <a:t>8/24/16</a:t>
+              <a:t>8/25/16</a:t>
             </a:fld>
             <a:endParaRPr lang="en-US"/>
           </a:p>
@@ -2342,7 +2328,7 @@
           <a:p>
             <a:fld id="{35870F1A-7F8A-F14D-819A-8F66C693C7C4}" type="datetimeFigureOut">
               <a:rPr lang="en-US" smtClean="0"/>
-              <a:t>8/24/16</a:t>
+              <a:t>8/25/16</a:t>
             </a:fld>
             <a:endParaRPr lang="en-US"/>
           </a:p>
@@ -2588,7 +2574,7 @@
           <a:p>
             <a:fld id="{35870F1A-7F8A-F14D-819A-8F66C693C7C4}" type="datetimeFigureOut">
               <a:rPr lang="en-US" smtClean="0"/>
-              <a:t>8/24/16</a:t>
+              <a:t>8/25/16</a:t>
             </a:fld>
             <a:endParaRPr lang="en-US"/>
           </a:p>
@@ -2820,7 +2806,7 @@
           <a:p>
             <a:fld id="{35870F1A-7F8A-F14D-819A-8F66C693C7C4}" type="datetimeFigureOut">
               <a:rPr lang="en-US" smtClean="0"/>
-              <a:t>8/24/16</a:t>
+              <a:t>8/25/16</a:t>
             </a:fld>
             <a:endParaRPr lang="en-US"/>
           </a:p>
@@ -3187,7 +3173,7 @@
           <a:p>
             <a:fld id="{35870F1A-7F8A-F14D-819A-8F66C693C7C4}" type="datetimeFigureOut">
               <a:rPr lang="en-US" smtClean="0"/>
-              <a:t>8/24/16</a:t>
+              <a:t>8/25/16</a:t>
             </a:fld>
             <a:endParaRPr lang="en-US"/>
           </a:p>
@@ -3305,7 +3291,7 @@
           <a:p>
             <a:fld id="{35870F1A-7F8A-F14D-819A-8F66C693C7C4}" type="datetimeFigureOut">
               <a:rPr lang="en-US" smtClean="0"/>
-              <a:t>8/24/16</a:t>
+              <a:t>8/25/16</a:t>
             </a:fld>
             <a:endParaRPr lang="en-US"/>
           </a:p>
@@ -3400,7 +3386,7 @@
           <a:p>
             <a:fld id="{35870F1A-7F8A-F14D-819A-8F66C693C7C4}" type="datetimeFigureOut">
               <a:rPr lang="en-US" smtClean="0"/>
-              <a:t>8/24/16</a:t>
+              <a:t>8/25/16</a:t>
             </a:fld>
             <a:endParaRPr lang="en-US"/>
           </a:p>
@@ -3677,7 +3663,7 @@
           <a:p>
             <a:fld id="{35870F1A-7F8A-F14D-819A-8F66C693C7C4}" type="datetimeFigureOut">
               <a:rPr lang="en-US" smtClean="0"/>
-              <a:t>8/24/16</a:t>
+              <a:t>8/25/16</a:t>
             </a:fld>
             <a:endParaRPr lang="en-US"/>
           </a:p>
@@ -3930,7 +3916,7 @@
           <a:p>
             <a:fld id="{35870F1A-7F8A-F14D-819A-8F66C693C7C4}" type="datetimeFigureOut">
               <a:rPr lang="en-US" smtClean="0"/>
-              <a:t>8/24/16</a:t>
+              <a:t>8/25/16</a:t>
             </a:fld>
             <a:endParaRPr lang="en-US"/>
           </a:p>
@@ -4143,7 +4129,7 @@
           <a:p>
             <a:fld id="{35870F1A-7F8A-F14D-819A-8F66C693C7C4}" type="datetimeFigureOut">
               <a:rPr lang="en-US" smtClean="0"/>
-              <a:t>8/24/16</a:t>
+              <a:t>8/25/16</a:t>
             </a:fld>
             <a:endParaRPr lang="en-US"/>
           </a:p>
@@ -4550,31 +4536,44 @@
       </p:grpSpPr>
       <p:sp>
         <p:nvSpPr>
-          <p:cNvPr id="2" name="Title 1"/>
+          <p:cNvPr id="5" name="Content Placeholder 4"/>
           <p:cNvSpPr>
             <a:spLocks noGrp="1"/>
           </p:cNvSpPr>
           <p:nvPr>
-            <p:ph type="title"/>
+            <p:ph idx="1"/>
           </p:nvPr>
         </p:nvSpPr>
-        <p:spPr/>
+        <p:spPr>
+          <a:xfrm>
+            <a:off x="2724149" y="3125788"/>
+            <a:ext cx="6048375" cy="660400"/>
+          </a:xfrm>
+        </p:spPr>
         <p:txBody>
-          <a:bodyPr>
-            <a:normAutofit/>
-          </a:bodyPr>
+          <a:bodyPr/>
           <a:lstStyle/>
           <a:p>
+            <a:pPr marL="0" marR="0" lvl="0" indent="0" defTabSz="914400" eaLnBrk="1" fontAlgn="auto" latinLnBrk="0" hangingPunct="1">
+              <a:lnSpc>
+                <a:spcPct val="100000"/>
+              </a:lnSpc>
+              <a:spcBef>
+                <a:spcPts val="0"/>
+              </a:spcBef>
+              <a:spcAft>
+                <a:spcPts val="0"/>
+              </a:spcAft>
+              <a:buClrTx/>
+              <a:buSzTx/>
+              <a:buFontTx/>
+              <a:buNone/>
+              <a:tabLst/>
+              <a:defRPr/>
+            </a:pPr>
             <a:r>
               <a:rPr lang="ru-RU" dirty="0" smtClean="0"/>
-              <a:t>О курсе</a:t>
-            </a:r>
-            <a:br>
-              <a:rPr lang="ru-RU" dirty="0" smtClean="0"/>
-            </a:br>
-            <a:r>
-              <a:rPr lang="ru-RU" dirty="0" smtClean="0"/>
-              <a:t>------------------------------------------------------------</a:t>
+              <a:t>Курс по языку программирования Си</a:t>
             </a:r>
             <a:endParaRPr lang="en-US" dirty="0"/>
           </a:p>
@@ -4582,14 +4581,46 @@
       </p:sp>
       <p:sp>
         <p:nvSpPr>
-          <p:cNvPr id="4" name="TextBox 3"/>
+          <p:cNvPr id="7" name="Rectangle 6"/>
+          <p:cNvSpPr/>
+          <p:nvPr/>
+        </p:nvSpPr>
+        <p:spPr>
+          <a:xfrm>
+            <a:off x="8382674" y="3008313"/>
+            <a:ext cx="389850" cy="584775"/>
+          </a:xfrm>
+          <a:prstGeom prst="rect">
+            <a:avLst/>
+          </a:prstGeom>
+        </p:spPr>
+        <p:txBody>
+          <a:bodyPr wrap="none">
+            <a:spAutoFit/>
+          </a:bodyPr>
+          <a:lstStyle/>
+          <a:p>
+            <a:pPr lvl="0">
+              <a:defRPr/>
+            </a:pPr>
+            <a:r>
+              <a:rPr lang="ru-RU" sz="3200" dirty="0"/>
+              <a:t>_</a:t>
+            </a:r>
+            <a:endParaRPr lang="en-US" sz="3200" dirty="0"/>
+          </a:p>
+        </p:txBody>
+      </p:sp>
+      <p:sp>
+        <p:nvSpPr>
+          <p:cNvPr id="2" name="TextBox 1"/>
           <p:cNvSpPr txBox="1"/>
           <p:nvPr/>
         </p:nvSpPr>
         <p:spPr>
           <a:xfrm>
-            <a:off x="4829577" y="2923504"/>
-            <a:ext cx="3681008" cy="1200329"/>
+            <a:off x="5209566" y="3601522"/>
+            <a:ext cx="1077539" cy="369332"/>
           </a:xfrm>
           <a:prstGeom prst="rect">
             <a:avLst/>
@@ -4602,45 +4633,10 @@
           </a:bodyPr>
           <a:lstStyle/>
           <a:p>
-            <a:pPr marL="342900" indent="-342900">
-              <a:buFont typeface="Wingdings" charset="2"/>
-              <a:buChar char="§"/>
-            </a:pPr>
             <a:r>
               <a:rPr lang="ru-RU" dirty="0" smtClean="0"/>
-              <a:t>10 занятий</a:t>
-            </a:r>
-          </a:p>
-          <a:p>
-            <a:pPr marL="342900" indent="-342900">
-              <a:buFont typeface="Wingdings" charset="2"/>
-              <a:buChar char="§"/>
-            </a:pPr>
-            <a:r>
-              <a:rPr lang="ru-RU" dirty="0" smtClean="0"/>
-              <a:t>10 </a:t>
-            </a:r>
-            <a:r>
-              <a:rPr lang="ru-RU" dirty="0" err="1" smtClean="0"/>
-              <a:t>домашек</a:t>
-            </a:r>
-            <a:endParaRPr lang="ru-RU" dirty="0" smtClean="0"/>
-          </a:p>
-          <a:p>
-            <a:pPr marL="342900" indent="-342900">
-              <a:buFont typeface="Wingdings" charset="2"/>
-              <a:buChar char="§"/>
-            </a:pPr>
-            <a:r>
-              <a:rPr lang="ru-RU" dirty="0" smtClean="0"/>
-              <a:t>В конце курса большое задание</a:t>
-            </a:r>
-          </a:p>
-          <a:p>
-            <a:pPr marL="342900" indent="-342900">
-              <a:buFont typeface="Wingdings" charset="2"/>
-              <a:buChar char="§"/>
-            </a:pPr>
+              <a:t>Лекция 1</a:t>
+            </a:r>
             <a:endParaRPr lang="en-US" dirty="0"/>
           </a:p>
         </p:txBody>
@@ -4648,17 +4644,963 @@
     </p:spTree>
     <p:extLst>
       <p:ext uri="{BB962C8B-B14F-4D97-AF65-F5344CB8AC3E}">
-        <p14:creationId xmlns:p14="http://schemas.microsoft.com/office/powerpoint/2010/main" val="229933561"/>
+        <p14:creationId xmlns:p14="http://schemas.microsoft.com/office/powerpoint/2010/main" val="415978523"/>
       </p:ext>
     </p:extLst>
   </p:cSld>
   <p:clrMapOvr>
     <a:masterClrMapping/>
   </p:clrMapOvr>
+  <p:timing>
+    <p:tnLst>
+      <p:par>
+        <p:cTn id="1" dur="indefinite" restart="never" nodeType="tmRoot">
+          <p:childTnLst>
+            <p:seq concurrent="1" nextAc="seek">
+              <p:cTn id="2" dur="indefinite" nodeType="mainSeq">
+                <p:childTnLst>
+                  <p:par>
+                    <p:cTn id="3" fill="hold">
+                      <p:stCondLst>
+                        <p:cond delay="indefinite"/>
+                        <p:cond evt="onBegin" delay="0">
+                          <p:tn val="2"/>
+                        </p:cond>
+                      </p:stCondLst>
+                      <p:childTnLst>
+                        <p:par>
+                          <p:cTn id="4" fill="hold">
+                            <p:stCondLst>
+                              <p:cond delay="0"/>
+                            </p:stCondLst>
+                            <p:childTnLst>
+                              <p:par>
+                                <p:cTn id="5" presetID="26" presetClass="emph" presetSubtype="0" repeatCount="indefinite" fill="hold" nodeType="withEffect">
+                                  <p:stCondLst>
+                                    <p:cond delay="0"/>
+                                  </p:stCondLst>
+                                  <p:endCondLst>
+                                    <p:cond evt="onNext" delay="0">
+                                      <p:tgtEl>
+                                        <p:sldTgt/>
+                                      </p:tgtEl>
+                                    </p:cond>
+                                  </p:endCondLst>
+                                  <p:childTnLst>
+                                    <p:animEffect transition="out" filter="fade">
+                                      <p:cBhvr>
+                                        <p:cTn id="6" dur="1000" tmFilter="0, 0; .2, .5; .8, .5; 1, 0"/>
+                                        <p:tgtEl>
+                                          <p:spTgt spid="7">
+                                            <p:txEl>
+                                              <p:pRg st="0" end="0"/>
+                                            </p:txEl>
+                                          </p:spTgt>
+                                        </p:tgtEl>
+                                      </p:cBhvr>
+                                    </p:animEffect>
+                                    <p:animScale>
+                                      <p:cBhvr>
+                                        <p:cTn id="7" dur="500" autoRev="1" fill="hold"/>
+                                        <p:tgtEl>
+                                          <p:spTgt spid="7">
+                                            <p:txEl>
+                                              <p:pRg st="0" end="0"/>
+                                            </p:txEl>
+                                          </p:spTgt>
+                                        </p:tgtEl>
+                                      </p:cBhvr>
+                                      <p:by x="105000" y="105000"/>
+                                    </p:animScale>
+                                  </p:childTnLst>
+                                </p:cTn>
+                              </p:par>
+                            </p:childTnLst>
+                          </p:cTn>
+                        </p:par>
+                      </p:childTnLst>
+                    </p:cTn>
+                  </p:par>
+                </p:childTnLst>
+              </p:cTn>
+              <p:prevCondLst>
+                <p:cond evt="onPrev" delay="0">
+                  <p:tgtEl>
+                    <p:sldTgt/>
+                  </p:tgtEl>
+                </p:cond>
+              </p:prevCondLst>
+              <p:nextCondLst>
+                <p:cond evt="onNext" delay="0">
+                  <p:tgtEl>
+                    <p:sldTgt/>
+                  </p:tgtEl>
+                </p:cond>
+              </p:nextCondLst>
+            </p:seq>
+          </p:childTnLst>
+        </p:cTn>
+      </p:par>
+    </p:tnLst>
+  </p:timing>
 </p:sld>
 </file>
 
 <file path=ppt/slides/slide10.xml><?xml version="1.0" encoding="utf-8"?>
+<p:sld xmlns:a="http://schemas.openxmlformats.org/drawingml/2006/main" xmlns:r="http://schemas.openxmlformats.org/officeDocument/2006/relationships" xmlns:p="http://schemas.openxmlformats.org/presentationml/2006/main">
+  <p:cSld>
+    <p:spTree>
+      <p:nvGrpSpPr>
+        <p:cNvPr id="1" name=""/>
+        <p:cNvGrpSpPr/>
+        <p:nvPr/>
+      </p:nvGrpSpPr>
+      <p:grpSpPr>
+        <a:xfrm>
+          <a:off x="0" y="0"/>
+          <a:ext cx="0" cy="0"/>
+          <a:chOff x="0" y="0"/>
+          <a:chExt cx="0" cy="0"/>
+        </a:xfrm>
+      </p:grpSpPr>
+      <p:sp>
+        <p:nvSpPr>
+          <p:cNvPr id="2" name="Title 1"/>
+          <p:cNvSpPr>
+            <a:spLocks noGrp="1"/>
+          </p:cNvSpPr>
+          <p:nvPr>
+            <p:ph type="title"/>
+          </p:nvPr>
+        </p:nvSpPr>
+        <p:spPr/>
+        <p:txBody>
+          <a:bodyPr/>
+          <a:lstStyle/>
+          <a:p>
+            <a:r>
+              <a:rPr lang="ru-RU" dirty="0" smtClean="0"/>
+              <a:t>Типы данных</a:t>
+            </a:r>
+            <a:r>
+              <a:rPr lang="en-US" dirty="0" smtClean="0"/>
+              <a:t>::</a:t>
+            </a:r>
+            <a:r>
+              <a:rPr lang="ru-RU" dirty="0" smtClean="0"/>
+              <a:t>Целые константы</a:t>
+            </a:r>
+            <a:r>
+              <a:rPr lang="en-US" dirty="0" smtClean="0"/>
+              <a:t/>
+            </a:r>
+            <a:br>
+              <a:rPr lang="en-US" dirty="0" smtClean="0"/>
+            </a:br>
+            <a:r>
+              <a:rPr lang="en-US" dirty="0" smtClean="0"/>
+              <a:t>------------------------------------------------------------</a:t>
+            </a:r>
+            <a:endParaRPr lang="en-US" dirty="0"/>
+          </a:p>
+        </p:txBody>
+      </p:sp>
+      <p:graphicFrame>
+        <p:nvGraphicFramePr>
+          <p:cNvPr id="7" name="Table 6"/>
+          <p:cNvGraphicFramePr>
+            <a:graphicFrameLocks noGrp="1"/>
+          </p:cNvGraphicFramePr>
+          <p:nvPr>
+            <p:extLst/>
+          </p:nvPr>
+        </p:nvGraphicFramePr>
+        <p:xfrm>
+          <a:off x="1100890" y="2051160"/>
+          <a:ext cx="9990220" cy="3708400"/>
+        </p:xfrm>
+        <a:graphic>
+          <a:graphicData uri="http://schemas.openxmlformats.org/drawingml/2006/table">
+            <a:tbl>
+              <a:tblPr firstRow="1" bandRow="1">
+                <a:tableStyleId>{5DA37D80-6434-44D0-A028-1B22A696006F}</a:tableStyleId>
+              </a:tblPr>
+              <a:tblGrid>
+                <a:gridCol w="2482515"/>
+                <a:gridCol w="3537907"/>
+                <a:gridCol w="3969798"/>
+              </a:tblGrid>
+              <a:tr h="370840">
+                <a:tc>
+                  <a:txBody>
+                    <a:bodyPr/>
+                    <a:lstStyle/>
+                    <a:p>
+                      <a:pPr algn="ctr"/>
+                      <a:r>
+                        <a:rPr lang="ru-RU" dirty="0" smtClean="0"/>
+                        <a:t>Пример константы</a:t>
+                      </a:r>
+                      <a:endParaRPr lang="en-US" dirty="0"/>
+                    </a:p>
+                  </a:txBody>
+                  <a:tcPr/>
+                </a:tc>
+                <a:tc>
+                  <a:txBody>
+                    <a:bodyPr/>
+                    <a:lstStyle/>
+                    <a:p>
+                      <a:pPr algn="ctr"/>
+                      <a:r>
+                        <a:rPr lang="ru-RU" dirty="0" smtClean="0"/>
+                        <a:t>Типы</a:t>
+                      </a:r>
+                      <a:r>
+                        <a:rPr lang="en-US" dirty="0" smtClean="0"/>
+                        <a:t> </a:t>
+                      </a:r>
+                      <a:r>
+                        <a:rPr lang="ru-RU" dirty="0" err="1" smtClean="0"/>
+                        <a:t>по-умолчанию</a:t>
+                      </a:r>
+                      <a:endParaRPr lang="en-US" dirty="0"/>
+                    </a:p>
+                  </a:txBody>
+                  <a:tcPr/>
+                </a:tc>
+                <a:tc>
+                  <a:txBody>
+                    <a:bodyPr/>
+                    <a:lstStyle/>
+                    <a:p>
+                      <a:pPr algn="ctr"/>
+                      <a:r>
+                        <a:rPr lang="ru-RU" dirty="0" smtClean="0"/>
+                        <a:t>Описание</a:t>
+                      </a:r>
+                      <a:endParaRPr lang="en-US" dirty="0"/>
+                    </a:p>
+                  </a:txBody>
+                  <a:tcPr/>
+                </a:tc>
+              </a:tr>
+              <a:tr h="370840">
+                <a:tc>
+                  <a:txBody>
+                    <a:bodyPr/>
+                    <a:lstStyle/>
+                    <a:p>
+                      <a:pPr algn="ctr"/>
+                      <a:r>
+                        <a:rPr lang="ru-RU" dirty="0" smtClean="0">
+                          <a:latin typeface="Lucida Console" charset="0"/>
+                          <a:ea typeface="Lucida Console" charset="0"/>
+                          <a:cs typeface="Lucida Console" charset="0"/>
+                        </a:rPr>
+                        <a:t>1234567890</a:t>
+                      </a:r>
+                      <a:endParaRPr lang="en-US" dirty="0">
+                        <a:latin typeface="Lucida Console" charset="0"/>
+                        <a:ea typeface="Lucida Console" charset="0"/>
+                        <a:cs typeface="Lucida Console" charset="0"/>
+                      </a:endParaRPr>
+                    </a:p>
+                  </a:txBody>
+                  <a:tcPr/>
+                </a:tc>
+                <a:tc>
+                  <a:txBody>
+                    <a:bodyPr/>
+                    <a:lstStyle/>
+                    <a:p>
+                      <a:pPr algn="ctr"/>
+                      <a:r>
+                        <a:rPr lang="en-US" dirty="0" err="1" smtClean="0">
+                          <a:latin typeface="Lucida Console" charset="0"/>
+                          <a:ea typeface="Lucida Console" charset="0"/>
+                          <a:cs typeface="Lucida Console" charset="0"/>
+                        </a:rPr>
+                        <a:t>int</a:t>
+                      </a:r>
+                      <a:r>
+                        <a:rPr lang="en-US" baseline="0" dirty="0" smtClean="0">
+                          <a:latin typeface="Lucida Console" charset="0"/>
+                          <a:ea typeface="Lucida Console" charset="0"/>
+                          <a:cs typeface="Lucida Console" charset="0"/>
+                        </a:rPr>
+                        <a:t>, long, unsigned long</a:t>
+                      </a:r>
+                      <a:endParaRPr lang="en-US" dirty="0">
+                        <a:latin typeface="Lucida Console" charset="0"/>
+                        <a:ea typeface="Lucida Console" charset="0"/>
+                        <a:cs typeface="Lucida Console" charset="0"/>
+                      </a:endParaRPr>
+                    </a:p>
+                  </a:txBody>
+                  <a:tcPr/>
+                </a:tc>
+                <a:tc>
+                  <a:txBody>
+                    <a:bodyPr/>
+                    <a:lstStyle/>
+                    <a:p>
+                      <a:pPr algn="ctr"/>
+                      <a:r>
+                        <a:rPr lang="ru-RU" dirty="0" smtClean="0"/>
+                        <a:t>Целое</a:t>
+                      </a:r>
+                      <a:r>
+                        <a:rPr lang="ru-RU" baseline="0" dirty="0" smtClean="0"/>
+                        <a:t> десятичное число</a:t>
+                      </a:r>
+                      <a:endParaRPr lang="en-US" dirty="0"/>
+                    </a:p>
+                  </a:txBody>
+                  <a:tcPr/>
+                </a:tc>
+              </a:tr>
+              <a:tr h="370840">
+                <a:tc>
+                  <a:txBody>
+                    <a:bodyPr/>
+                    <a:lstStyle/>
+                    <a:p>
+                      <a:pPr algn="ctr"/>
+                      <a:r>
+                        <a:rPr lang="ru-RU" dirty="0" smtClean="0">
+                          <a:latin typeface="Lucida Console" charset="0"/>
+                          <a:ea typeface="Lucida Console" charset="0"/>
+                          <a:cs typeface="Lucida Console" charset="0"/>
+                        </a:rPr>
+                        <a:t>0</a:t>
+                      </a:r>
+                      <a:r>
+                        <a:rPr lang="en-US" dirty="0" smtClean="0">
+                          <a:latin typeface="Lucida Console" charset="0"/>
+                          <a:ea typeface="Lucida Console" charset="0"/>
+                          <a:cs typeface="Lucida Console" charset="0"/>
+                        </a:rPr>
+                        <a:t>735</a:t>
+                      </a:r>
+                      <a:endParaRPr lang="en-US" dirty="0">
+                        <a:latin typeface="Lucida Console" charset="0"/>
+                        <a:ea typeface="Lucida Console" charset="0"/>
+                        <a:cs typeface="Lucida Console" charset="0"/>
+                      </a:endParaRPr>
+                    </a:p>
+                  </a:txBody>
+                  <a:tcPr/>
+                </a:tc>
+                <a:tc>
+                  <a:txBody>
+                    <a:bodyPr/>
+                    <a:lstStyle/>
+                    <a:p>
+                      <a:pPr algn="ctr"/>
+                      <a:r>
+                        <a:rPr lang="en-US" dirty="0" err="1" smtClean="0">
+                          <a:latin typeface="Lucida Console" charset="0"/>
+                          <a:ea typeface="Lucida Console" charset="0"/>
+                          <a:cs typeface="Lucida Console" charset="0"/>
+                        </a:rPr>
+                        <a:t>int</a:t>
+                      </a:r>
+                      <a:r>
+                        <a:rPr lang="en-US" baseline="0" dirty="0" smtClean="0">
+                          <a:latin typeface="Lucida Console" charset="0"/>
+                          <a:ea typeface="Lucida Console" charset="0"/>
+                          <a:cs typeface="Lucida Console" charset="0"/>
+                        </a:rPr>
+                        <a:t>, long, unsigned long</a:t>
+                      </a:r>
+                      <a:endParaRPr lang="en-US" dirty="0">
+                        <a:latin typeface="Lucida Console" charset="0"/>
+                        <a:ea typeface="Lucida Console" charset="0"/>
+                        <a:cs typeface="Lucida Console" charset="0"/>
+                      </a:endParaRPr>
+                    </a:p>
+                  </a:txBody>
+                  <a:tcPr/>
+                </a:tc>
+                <a:tc>
+                  <a:txBody>
+                    <a:bodyPr/>
+                    <a:lstStyle/>
+                    <a:p>
+                      <a:pPr algn="ctr"/>
+                      <a:r>
+                        <a:rPr lang="ru-RU" dirty="0" smtClean="0"/>
+                        <a:t>Целое</a:t>
+                      </a:r>
+                      <a:r>
+                        <a:rPr lang="ru-RU" baseline="0" dirty="0" smtClean="0"/>
+                        <a:t> восьмеричное число</a:t>
+                      </a:r>
+                      <a:endParaRPr lang="en-US" dirty="0"/>
+                    </a:p>
+                  </a:txBody>
+                  <a:tcPr/>
+                </a:tc>
+              </a:tr>
+              <a:tr h="370840">
+                <a:tc>
+                  <a:txBody>
+                    <a:bodyPr/>
+                    <a:lstStyle/>
+                    <a:p>
+                      <a:pPr algn="ctr"/>
+                      <a:r>
+                        <a:rPr lang="ru-RU" dirty="0" smtClean="0">
+                          <a:latin typeface="Lucida Console" charset="0"/>
+                          <a:ea typeface="Lucida Console" charset="0"/>
+                          <a:cs typeface="Lucida Console" charset="0"/>
+                        </a:rPr>
+                        <a:t>0</a:t>
+                      </a:r>
+                      <a:r>
+                        <a:rPr lang="en-US" dirty="0" smtClean="0">
+                          <a:latin typeface="Lucida Console" charset="0"/>
+                          <a:ea typeface="Lucida Console" charset="0"/>
+                          <a:cs typeface="Lucida Console" charset="0"/>
+                        </a:rPr>
+                        <a:t>xDEDA007</a:t>
+                      </a:r>
+                      <a:endParaRPr lang="en-US" dirty="0">
+                        <a:latin typeface="Lucida Console" charset="0"/>
+                        <a:ea typeface="Lucida Console" charset="0"/>
+                        <a:cs typeface="Lucida Console" charset="0"/>
+                      </a:endParaRPr>
+                    </a:p>
+                  </a:txBody>
+                  <a:tcPr/>
+                </a:tc>
+                <a:tc>
+                  <a:txBody>
+                    <a:bodyPr/>
+                    <a:lstStyle/>
+                    <a:p>
+                      <a:pPr algn="ctr"/>
+                      <a:r>
+                        <a:rPr lang="en-US" dirty="0" err="1" smtClean="0">
+                          <a:latin typeface="Lucida Console" charset="0"/>
+                          <a:ea typeface="Lucida Console" charset="0"/>
+                          <a:cs typeface="Lucida Console" charset="0"/>
+                        </a:rPr>
+                        <a:t>int</a:t>
+                      </a:r>
+                      <a:r>
+                        <a:rPr lang="en-US" baseline="0" dirty="0" smtClean="0">
+                          <a:latin typeface="Lucida Console" charset="0"/>
+                          <a:ea typeface="Lucida Console" charset="0"/>
+                          <a:cs typeface="Lucida Console" charset="0"/>
+                        </a:rPr>
+                        <a:t>, long, unsigned long</a:t>
+                      </a:r>
+                      <a:endParaRPr lang="en-US" dirty="0">
+                        <a:latin typeface="Lucida Console" charset="0"/>
+                        <a:ea typeface="Lucida Console" charset="0"/>
+                        <a:cs typeface="Lucida Console" charset="0"/>
+                      </a:endParaRPr>
+                    </a:p>
+                  </a:txBody>
+                  <a:tcPr/>
+                </a:tc>
+                <a:tc>
+                  <a:txBody>
+                    <a:bodyPr/>
+                    <a:lstStyle/>
+                    <a:p>
+                      <a:pPr algn="ctr"/>
+                      <a:r>
+                        <a:rPr lang="ru-RU" dirty="0" smtClean="0"/>
+                        <a:t>Целое</a:t>
+                      </a:r>
+                      <a:r>
+                        <a:rPr lang="ru-RU" baseline="0" dirty="0" smtClean="0"/>
+                        <a:t> </a:t>
+                      </a:r>
+                      <a:r>
+                        <a:rPr lang="ru-RU" baseline="0" dirty="0" err="1" smtClean="0"/>
+                        <a:t>шестнацатеричные</a:t>
+                      </a:r>
+                      <a:r>
+                        <a:rPr lang="ru-RU" baseline="0" dirty="0" smtClean="0"/>
+                        <a:t> число</a:t>
+                      </a:r>
+                      <a:endParaRPr lang="en-US" dirty="0"/>
+                    </a:p>
+                  </a:txBody>
+                  <a:tcPr/>
+                </a:tc>
+              </a:tr>
+              <a:tr h="370840">
+                <a:tc>
+                  <a:txBody>
+                    <a:bodyPr/>
+                    <a:lstStyle/>
+                    <a:p>
+                      <a:pPr algn="ctr"/>
+                      <a:r>
+                        <a:rPr lang="ru-RU" dirty="0" smtClean="0">
+                          <a:latin typeface="Lucida Console" charset="0"/>
+                          <a:ea typeface="Lucida Console" charset="0"/>
+                          <a:cs typeface="Lucida Console" charset="0"/>
+                        </a:rPr>
+                        <a:t>2016</a:t>
+                      </a:r>
+                      <a:r>
+                        <a:rPr lang="en-US" dirty="0" smtClean="0">
+                          <a:latin typeface="Lucida Console" charset="0"/>
+                          <a:ea typeface="Lucida Console" charset="0"/>
+                          <a:cs typeface="Lucida Console" charset="0"/>
+                        </a:rPr>
+                        <a:t>u</a:t>
+                      </a:r>
+                      <a:endParaRPr lang="en-US" dirty="0">
+                        <a:latin typeface="Lucida Console" charset="0"/>
+                        <a:ea typeface="Lucida Console" charset="0"/>
+                        <a:cs typeface="Lucida Console" charset="0"/>
+                      </a:endParaRPr>
+                    </a:p>
+                  </a:txBody>
+                  <a:tcPr/>
+                </a:tc>
+                <a:tc>
+                  <a:txBody>
+                    <a:bodyPr/>
+                    <a:lstStyle/>
+                    <a:p>
+                      <a:pPr algn="ctr"/>
+                      <a:r>
+                        <a:rPr lang="en-US" dirty="0" smtClean="0">
+                          <a:latin typeface="Lucida Console" charset="0"/>
+                          <a:ea typeface="Lucida Console" charset="0"/>
+                          <a:cs typeface="Lucida Console" charset="0"/>
+                        </a:rPr>
+                        <a:t>unsigned, unsigned</a:t>
+                      </a:r>
+                      <a:r>
+                        <a:rPr lang="en-US" baseline="0" dirty="0" smtClean="0">
+                          <a:latin typeface="Lucida Console" charset="0"/>
+                          <a:ea typeface="Lucida Console" charset="0"/>
+                          <a:cs typeface="Lucida Console" charset="0"/>
+                        </a:rPr>
+                        <a:t> </a:t>
+                      </a:r>
+                      <a:r>
+                        <a:rPr lang="en-US" dirty="0" smtClean="0">
+                          <a:latin typeface="Lucida Console" charset="0"/>
+                          <a:ea typeface="Lucida Console" charset="0"/>
+                          <a:cs typeface="Lucida Console" charset="0"/>
+                        </a:rPr>
+                        <a:t>long</a:t>
+                      </a:r>
+                      <a:endParaRPr lang="en-US" dirty="0">
+                        <a:latin typeface="Lucida Console" charset="0"/>
+                        <a:ea typeface="Lucida Console" charset="0"/>
+                        <a:cs typeface="Lucida Console" charset="0"/>
+                      </a:endParaRPr>
+                    </a:p>
+                  </a:txBody>
+                  <a:tcPr/>
+                </a:tc>
+                <a:tc>
+                  <a:txBody>
+                    <a:bodyPr/>
+                    <a:lstStyle/>
+                    <a:p>
+                      <a:pPr algn="ctr"/>
+                      <a:r>
+                        <a:rPr lang="ru-RU" dirty="0" smtClean="0"/>
+                        <a:t>Целое </a:t>
+                      </a:r>
+                      <a:r>
+                        <a:rPr lang="ru-RU" dirty="0" err="1" smtClean="0"/>
+                        <a:t>десятич</a:t>
+                      </a:r>
+                      <a:r>
+                        <a:rPr lang="ru-RU" dirty="0" smtClean="0"/>
+                        <a:t>. </a:t>
+                      </a:r>
+                      <a:r>
+                        <a:rPr lang="ru-RU" dirty="0" err="1" smtClean="0"/>
+                        <a:t>беззнаковое</a:t>
+                      </a:r>
+                      <a:r>
+                        <a:rPr lang="ru-RU" baseline="0" dirty="0" smtClean="0"/>
+                        <a:t> число</a:t>
+                      </a:r>
+                      <a:endParaRPr lang="en-US" dirty="0"/>
+                    </a:p>
+                  </a:txBody>
+                  <a:tcPr/>
+                </a:tc>
+              </a:tr>
+              <a:tr h="370840">
+                <a:tc>
+                  <a:txBody>
+                    <a:bodyPr/>
+                    <a:lstStyle/>
+                    <a:p>
+                      <a:pPr algn="ctr"/>
+                      <a:r>
+                        <a:rPr lang="en-US" dirty="0" smtClean="0">
+                          <a:latin typeface="Lucida Console" charset="0"/>
+                          <a:ea typeface="Lucida Console" charset="0"/>
+                          <a:cs typeface="Lucida Console" charset="0"/>
+                        </a:rPr>
+                        <a:t>89312929632l</a:t>
+                      </a:r>
+                      <a:endParaRPr lang="en-US" dirty="0">
+                        <a:latin typeface="Lucida Console" charset="0"/>
+                        <a:ea typeface="Lucida Console" charset="0"/>
+                        <a:cs typeface="Lucida Console" charset="0"/>
+                      </a:endParaRPr>
+                    </a:p>
+                  </a:txBody>
+                  <a:tcPr/>
+                </a:tc>
+                <a:tc>
+                  <a:txBody>
+                    <a:bodyPr/>
+                    <a:lstStyle/>
+                    <a:p>
+                      <a:pPr algn="ctr"/>
+                      <a:r>
+                        <a:rPr lang="en-US" baseline="0" dirty="0" smtClean="0">
+                          <a:latin typeface="Lucida Console" charset="0"/>
+                          <a:ea typeface="Lucida Console" charset="0"/>
+                          <a:cs typeface="Lucida Console" charset="0"/>
+                        </a:rPr>
+                        <a:t>long, unsigned long</a:t>
+                      </a:r>
+                      <a:endParaRPr lang="en-US" dirty="0">
+                        <a:latin typeface="Lucida Console" charset="0"/>
+                        <a:ea typeface="Lucida Console" charset="0"/>
+                        <a:cs typeface="Lucida Console" charset="0"/>
+                      </a:endParaRPr>
+                    </a:p>
+                  </a:txBody>
+                  <a:tcPr/>
+                </a:tc>
+                <a:tc>
+                  <a:txBody>
+                    <a:bodyPr/>
+                    <a:lstStyle/>
+                    <a:p>
+                      <a:pPr algn="ctr"/>
+                      <a:r>
+                        <a:rPr lang="ru-RU" dirty="0" smtClean="0"/>
+                        <a:t>Целое</a:t>
+                      </a:r>
+                      <a:r>
+                        <a:rPr lang="ru-RU" baseline="0" dirty="0" smtClean="0"/>
+                        <a:t> десятичное число</a:t>
+                      </a:r>
+                      <a:endParaRPr lang="en-US" dirty="0"/>
+                    </a:p>
+                  </a:txBody>
+                  <a:tcPr/>
+                </a:tc>
+              </a:tr>
+              <a:tr h="370840">
+                <a:tc>
+                  <a:txBody>
+                    <a:bodyPr/>
+                    <a:lstStyle/>
+                    <a:p>
+                      <a:pPr algn="ctr"/>
+                      <a:r>
+                        <a:rPr lang="en-US" dirty="0" smtClean="0">
+                          <a:latin typeface="Lucida Console" charset="0"/>
+                          <a:ea typeface="Lucida Console" charset="0"/>
+                          <a:cs typeface="Lucida Console" charset="0"/>
+                        </a:rPr>
+                        <a:t>3.1415f</a:t>
+                      </a:r>
+                      <a:endParaRPr lang="en-US" dirty="0">
+                        <a:latin typeface="Lucida Console" charset="0"/>
+                        <a:ea typeface="Lucida Console" charset="0"/>
+                        <a:cs typeface="Lucida Console" charset="0"/>
+                      </a:endParaRPr>
+                    </a:p>
+                  </a:txBody>
+                  <a:tcPr/>
+                </a:tc>
+                <a:tc>
+                  <a:txBody>
+                    <a:bodyPr/>
+                    <a:lstStyle/>
+                    <a:p>
+                      <a:pPr algn="ctr"/>
+                      <a:r>
+                        <a:rPr lang="en-US" dirty="0" smtClean="0">
+                          <a:latin typeface="Lucida Console" charset="0"/>
+                          <a:ea typeface="Lucida Console" charset="0"/>
+                          <a:cs typeface="Lucida Console" charset="0"/>
+                        </a:rPr>
+                        <a:t>float</a:t>
+                      </a:r>
+                      <a:endParaRPr lang="en-US" dirty="0">
+                        <a:latin typeface="Lucida Console" charset="0"/>
+                        <a:ea typeface="Lucida Console" charset="0"/>
+                        <a:cs typeface="Lucida Console" charset="0"/>
+                      </a:endParaRPr>
+                    </a:p>
+                  </a:txBody>
+                  <a:tcPr/>
+                </a:tc>
+                <a:tc>
+                  <a:txBody>
+                    <a:bodyPr/>
+                    <a:lstStyle/>
+                    <a:p>
+                      <a:pPr algn="ctr"/>
+                      <a:r>
+                        <a:rPr lang="ru-RU" dirty="0" smtClean="0"/>
+                        <a:t>Вещественное одинарной точности</a:t>
+                      </a:r>
+                      <a:endParaRPr lang="en-US" dirty="0"/>
+                    </a:p>
+                  </a:txBody>
+                  <a:tcPr/>
+                </a:tc>
+              </a:tr>
+              <a:tr h="370840">
+                <a:tc>
+                  <a:txBody>
+                    <a:bodyPr/>
+                    <a:lstStyle/>
+                    <a:p>
+                      <a:pPr algn="ctr"/>
+                      <a:r>
+                        <a:rPr lang="en-US" dirty="0" smtClean="0">
+                          <a:latin typeface="Lucida Console" charset="0"/>
+                          <a:ea typeface="Lucida Console" charset="0"/>
+                          <a:cs typeface="Lucida Console" charset="0"/>
+                        </a:rPr>
+                        <a:t>3.1415</a:t>
+                      </a:r>
+                      <a:endParaRPr lang="en-US" dirty="0">
+                        <a:latin typeface="Lucida Console" charset="0"/>
+                        <a:ea typeface="Lucida Console" charset="0"/>
+                        <a:cs typeface="Lucida Console" charset="0"/>
+                      </a:endParaRPr>
+                    </a:p>
+                  </a:txBody>
+                  <a:tcPr/>
+                </a:tc>
+                <a:tc>
+                  <a:txBody>
+                    <a:bodyPr/>
+                    <a:lstStyle/>
+                    <a:p>
+                      <a:pPr algn="ctr"/>
+                      <a:r>
+                        <a:rPr lang="en-US" dirty="0" smtClean="0">
+                          <a:latin typeface="Lucida Console" charset="0"/>
+                          <a:ea typeface="Lucida Console" charset="0"/>
+                          <a:cs typeface="Lucida Console" charset="0"/>
+                        </a:rPr>
+                        <a:t>double</a:t>
+                      </a:r>
+                      <a:endParaRPr lang="en-US" dirty="0">
+                        <a:latin typeface="Lucida Console" charset="0"/>
+                        <a:ea typeface="Lucida Console" charset="0"/>
+                        <a:cs typeface="Lucida Console" charset="0"/>
+                      </a:endParaRPr>
+                    </a:p>
+                  </a:txBody>
+                  <a:tcPr/>
+                </a:tc>
+                <a:tc>
+                  <a:txBody>
+                    <a:bodyPr/>
+                    <a:lstStyle/>
+                    <a:p>
+                      <a:pPr algn="ctr"/>
+                      <a:r>
+                        <a:rPr lang="ru-RU" dirty="0" smtClean="0"/>
+                        <a:t>Вещественное двойной</a:t>
+                      </a:r>
+                      <a:r>
+                        <a:rPr lang="ru-RU" baseline="0" dirty="0" smtClean="0"/>
+                        <a:t> точности</a:t>
+                      </a:r>
+                      <a:endParaRPr lang="en-US" dirty="0"/>
+                    </a:p>
+                  </a:txBody>
+                  <a:tcPr/>
+                </a:tc>
+              </a:tr>
+              <a:tr h="370840">
+                <a:tc>
+                  <a:txBody>
+                    <a:bodyPr/>
+                    <a:lstStyle/>
+                    <a:p>
+                      <a:pPr algn="ctr"/>
+                      <a:r>
+                        <a:rPr lang="en-US" dirty="0" smtClean="0">
+                          <a:latin typeface="Lucida Console" charset="0"/>
+                          <a:ea typeface="Lucida Console" charset="0"/>
+                          <a:cs typeface="Lucida Console" charset="0"/>
+                        </a:rPr>
+                        <a:t>’s’</a:t>
+                      </a:r>
+                      <a:endParaRPr lang="en-US" dirty="0">
+                        <a:latin typeface="Lucida Console" charset="0"/>
+                        <a:ea typeface="Lucida Console" charset="0"/>
+                        <a:cs typeface="Lucida Console" charset="0"/>
+                      </a:endParaRPr>
+                    </a:p>
+                  </a:txBody>
+                  <a:tcPr/>
+                </a:tc>
+                <a:tc>
+                  <a:txBody>
+                    <a:bodyPr/>
+                    <a:lstStyle/>
+                    <a:p>
+                      <a:pPr algn="ctr"/>
+                      <a:r>
+                        <a:rPr lang="en-US" dirty="0" smtClean="0">
+                          <a:latin typeface="Lucida Console" charset="0"/>
+                          <a:ea typeface="Lucida Console" charset="0"/>
+                          <a:cs typeface="Lucida Console" charset="0"/>
+                        </a:rPr>
+                        <a:t>char</a:t>
+                      </a:r>
+                      <a:endParaRPr lang="en-US" dirty="0">
+                        <a:latin typeface="Lucida Console" charset="0"/>
+                        <a:ea typeface="Lucida Console" charset="0"/>
+                        <a:cs typeface="Lucida Console" charset="0"/>
+                      </a:endParaRPr>
+                    </a:p>
+                  </a:txBody>
+                  <a:tcPr/>
+                </a:tc>
+                <a:tc>
+                  <a:txBody>
+                    <a:bodyPr/>
+                    <a:lstStyle/>
+                    <a:p>
+                      <a:pPr algn="ctr"/>
+                      <a:r>
+                        <a:rPr lang="ru-RU" dirty="0" smtClean="0"/>
+                        <a:t>Символ</a:t>
+                      </a:r>
+                      <a:endParaRPr lang="en-US" dirty="0"/>
+                    </a:p>
+                  </a:txBody>
+                  <a:tcPr/>
+                </a:tc>
+              </a:tr>
+              <a:tr h="370840">
+                <a:tc>
+                  <a:txBody>
+                    <a:bodyPr/>
+                    <a:lstStyle/>
+                    <a:p>
+                      <a:pPr algn="ctr"/>
+                      <a:r>
+                        <a:rPr lang="en-US" dirty="0" smtClean="0">
+                          <a:latin typeface="Lucida Console" charset="0"/>
+                          <a:ea typeface="Lucida Console" charset="0"/>
+                          <a:cs typeface="Lucida Console" charset="0"/>
+                        </a:rPr>
+                        <a:t>’xF9’</a:t>
+                      </a:r>
+                      <a:endParaRPr lang="en-US" dirty="0">
+                        <a:latin typeface="Lucida Console" charset="0"/>
+                        <a:ea typeface="Lucida Console" charset="0"/>
+                        <a:cs typeface="Lucida Console" charset="0"/>
+                      </a:endParaRPr>
+                    </a:p>
+                  </a:txBody>
+                  <a:tcPr/>
+                </a:tc>
+                <a:tc>
+                  <a:txBody>
+                    <a:bodyPr/>
+                    <a:lstStyle/>
+                    <a:p>
+                      <a:pPr algn="ctr"/>
+                      <a:r>
+                        <a:rPr lang="en-US" dirty="0" smtClean="0">
+                          <a:latin typeface="Lucida Console" charset="0"/>
+                          <a:ea typeface="Lucida Console" charset="0"/>
+                          <a:cs typeface="Lucida Console" charset="0"/>
+                        </a:rPr>
+                        <a:t>char</a:t>
+                      </a:r>
+                      <a:endParaRPr lang="en-US" dirty="0">
+                        <a:latin typeface="Lucida Console" charset="0"/>
+                        <a:ea typeface="Lucida Console" charset="0"/>
+                        <a:cs typeface="Lucida Console" charset="0"/>
+                      </a:endParaRPr>
+                    </a:p>
+                  </a:txBody>
+                  <a:tcPr/>
+                </a:tc>
+                <a:tc>
+                  <a:txBody>
+                    <a:bodyPr/>
+                    <a:lstStyle/>
+                    <a:p>
+                      <a:pPr algn="ctr"/>
+                      <a:r>
+                        <a:rPr lang="ru-RU" dirty="0" smtClean="0"/>
+                        <a:t>Символ</a:t>
+                      </a:r>
+                      <a:r>
+                        <a:rPr lang="ru-RU" baseline="0" dirty="0" smtClean="0"/>
+                        <a:t> с кодом </a:t>
+                      </a:r>
+                      <a:r>
+                        <a:rPr lang="en-US" baseline="0" dirty="0" smtClean="0"/>
+                        <a:t>0xF9</a:t>
+                      </a:r>
+                      <a:endParaRPr lang="en-US" dirty="0"/>
+                    </a:p>
+                  </a:txBody>
+                  <a:tcPr/>
+                </a:tc>
+              </a:tr>
+            </a:tbl>
+          </a:graphicData>
+        </a:graphic>
+      </p:graphicFrame>
+    </p:spTree>
+    <p:extLst>
+      <p:ext uri="{BB962C8B-B14F-4D97-AF65-F5344CB8AC3E}">
+        <p14:creationId xmlns:p14="http://schemas.microsoft.com/office/powerpoint/2010/main" val="626523647"/>
+      </p:ext>
+    </p:extLst>
+  </p:cSld>
+  <p:clrMapOvr>
+    <a:masterClrMapping/>
+  </p:clrMapOvr>
+  <mc:AlternateContent xmlns:mc="http://schemas.openxmlformats.org/markup-compatibility/2006" xmlns:p14="http://schemas.microsoft.com/office/powerpoint/2010/main">
+    <mc:Choice Requires="p14">
+      <p:transition p14:dur="0"/>
+    </mc:Choice>
+    <mc:Fallback xmlns="">
+      <p:transition/>
+    </mc:Fallback>
+  </mc:AlternateContent>
+  <p:timing>
+    <p:tnLst>
+      <p:par>
+        <p:cTn id="1" dur="indefinite" restart="never" nodeType="tmRoot"/>
+      </p:par>
+    </p:tnLst>
+  </p:timing>
+</p:sld>
+</file>
+
+<file path=ppt/slides/slide11.xml><?xml version="1.0" encoding="utf-8"?>
 <p:sld xmlns:a="http://schemas.openxmlformats.org/drawingml/2006/main" xmlns:r="http://schemas.openxmlformats.org/officeDocument/2006/relationships" xmlns:p="http://schemas.openxmlformats.org/presentationml/2006/main">
   <p:cSld>
     <p:spTree>
@@ -5086,208 +6028,6 @@
 </p:sld>
 </file>
 
-<file path=ppt/slides/slide11.xml><?xml version="1.0" encoding="utf-8"?>
-<p:sld xmlns:a="http://schemas.openxmlformats.org/drawingml/2006/main" xmlns:r="http://schemas.openxmlformats.org/officeDocument/2006/relationships" xmlns:p="http://schemas.openxmlformats.org/presentationml/2006/main">
-  <p:cSld>
-    <p:spTree>
-      <p:nvGrpSpPr>
-        <p:cNvPr id="1" name=""/>
-        <p:cNvGrpSpPr/>
-        <p:nvPr/>
-      </p:nvGrpSpPr>
-      <p:grpSpPr>
-        <a:xfrm>
-          <a:off x="0" y="0"/>
-          <a:ext cx="0" cy="0"/>
-          <a:chOff x="0" y="0"/>
-          <a:chExt cx="0" cy="0"/>
-        </a:xfrm>
-      </p:grpSpPr>
-      <p:sp>
-        <p:nvSpPr>
-          <p:cNvPr id="2" name="Title 1"/>
-          <p:cNvSpPr>
-            <a:spLocks noGrp="1"/>
-          </p:cNvSpPr>
-          <p:nvPr>
-            <p:ph type="title"/>
-          </p:nvPr>
-        </p:nvSpPr>
-        <p:spPr/>
-        <p:txBody>
-          <a:bodyPr>
-            <a:normAutofit/>
-          </a:bodyPr>
-          <a:lstStyle/>
-          <a:p>
-            <a:r>
-              <a:rPr lang="ru-RU" dirty="0" smtClean="0"/>
-              <a:t>Типы данных</a:t>
-            </a:r>
-            <a:br>
-              <a:rPr lang="ru-RU" dirty="0" smtClean="0"/>
-            </a:br>
-            <a:r>
-              <a:rPr lang="ru-RU" dirty="0" smtClean="0"/>
-              <a:t>------------------------------------------------------------</a:t>
-            </a:r>
-            <a:endParaRPr lang="en-US" dirty="0"/>
-          </a:p>
-        </p:txBody>
-      </p:sp>
-      <p:sp>
-        <p:nvSpPr>
-          <p:cNvPr id="3" name="Content Placeholder 2"/>
-          <p:cNvSpPr>
-            <a:spLocks noGrp="1"/>
-          </p:cNvSpPr>
-          <p:nvPr>
-            <p:ph idx="1"/>
-          </p:nvPr>
-        </p:nvSpPr>
-        <p:spPr/>
-        <p:txBody>
-          <a:bodyPr anchor="ctr"/>
-          <a:lstStyle/>
-          <a:p>
-            <a:pPr marL="0" indent="0" algn="ctr">
-              <a:buNone/>
-            </a:pPr>
-            <a:r>
-              <a:rPr lang="ru-RU" sz="5400" dirty="0" err="1" smtClean="0"/>
-              <a:t>Демо</a:t>
-            </a:r>
-            <a:endParaRPr lang="en-US" dirty="0"/>
-          </a:p>
-        </p:txBody>
-      </p:sp>
-      <p:sp>
-        <p:nvSpPr>
-          <p:cNvPr id="5" name="TextBox 4"/>
-          <p:cNvSpPr txBox="1"/>
-          <p:nvPr/>
-        </p:nvSpPr>
-        <p:spPr>
-          <a:xfrm>
-            <a:off x="5154075" y="6365875"/>
-            <a:ext cx="1968809" cy="430887"/>
-          </a:xfrm>
-          <a:prstGeom prst="rect">
-            <a:avLst/>
-          </a:prstGeom>
-          <a:noFill/>
-        </p:spPr>
-        <p:txBody>
-          <a:bodyPr wrap="none" rtlCol="0">
-            <a:spAutoFit/>
-          </a:bodyPr>
-          <a:lstStyle/>
-          <a:p>
-            <a:r>
-              <a:rPr lang="en-US" sz="1100" dirty="0" smtClean="0">
-                <a:solidFill>
-                  <a:schemeClr val="accent2">
-                    <a:lumMod val="75000"/>
-                  </a:schemeClr>
-                </a:solidFill>
-                <a:latin typeface="Lucida Console" charset="0"/>
-                <a:ea typeface="Lucida Console" charset="0"/>
-                <a:cs typeface="Lucida Console" charset="0"/>
-              </a:rPr>
-              <a:t>Files: </a:t>
-            </a:r>
-            <a:r>
-              <a:rPr lang="en-US" sz="1100" dirty="0" err="1" smtClean="0">
-                <a:solidFill>
-                  <a:schemeClr val="accent2">
-                    <a:lumMod val="75000"/>
-                  </a:schemeClr>
-                </a:solidFill>
-                <a:latin typeface="Lucida Console" charset="0"/>
-                <a:ea typeface="Lucida Console" charset="0"/>
-                <a:cs typeface="Lucida Console" charset="0"/>
-              </a:rPr>
-              <a:t>types.c</a:t>
-            </a:r>
-            <a:endParaRPr lang="en-US" sz="1100" dirty="0" smtClean="0">
-              <a:solidFill>
-                <a:schemeClr val="accent2">
-                  <a:lumMod val="75000"/>
-                </a:schemeClr>
-              </a:solidFill>
-              <a:latin typeface="Lucida Console" charset="0"/>
-              <a:ea typeface="Lucida Console" charset="0"/>
-              <a:cs typeface="Lucida Console" charset="0"/>
-            </a:endParaRPr>
-          </a:p>
-          <a:p>
-            <a:r>
-              <a:rPr lang="en-US" sz="1100" dirty="0" smtClean="0">
-                <a:solidFill>
-                  <a:schemeClr val="accent2">
-                    <a:lumMod val="75000"/>
-                  </a:schemeClr>
-                </a:solidFill>
-                <a:latin typeface="Lucida Console" charset="0"/>
-                <a:ea typeface="Lucida Console" charset="0"/>
-                <a:cs typeface="Lucida Console" charset="0"/>
-              </a:rPr>
-              <a:t>       </a:t>
-            </a:r>
-            <a:r>
-              <a:rPr lang="en-US" sz="1100" dirty="0" err="1" smtClean="0">
-                <a:solidFill>
-                  <a:schemeClr val="accent2">
-                    <a:lumMod val="75000"/>
-                  </a:schemeClr>
-                </a:solidFill>
-                <a:latin typeface="Lucida Console" charset="0"/>
-                <a:ea typeface="Lucida Console" charset="0"/>
-                <a:cs typeface="Lucida Console" charset="0"/>
-              </a:rPr>
-              <a:t>sizeof_types.c</a:t>
-            </a:r>
-            <a:endParaRPr lang="en-US" sz="1100" dirty="0">
-              <a:solidFill>
-                <a:schemeClr val="accent2">
-                  <a:lumMod val="75000"/>
-                </a:schemeClr>
-              </a:solidFill>
-              <a:latin typeface="Lucida Console" charset="0"/>
-              <a:ea typeface="Lucida Console" charset="0"/>
-              <a:cs typeface="Lucida Console" charset="0"/>
-            </a:endParaRPr>
-          </a:p>
-        </p:txBody>
-      </p:sp>
-    </p:spTree>
-    <p:extLst>
-      <p:ext uri="{BB962C8B-B14F-4D97-AF65-F5344CB8AC3E}">
-        <p14:creationId xmlns:p14="http://schemas.microsoft.com/office/powerpoint/2010/main" val="1601528605"/>
-      </p:ext>
-    </p:extLst>
-  </p:cSld>
-  <p:clrMapOvr>
-    <a:masterClrMapping/>
-  </p:clrMapOvr>
-  <mc:AlternateContent xmlns:mc="http://schemas.openxmlformats.org/markup-compatibility/2006" xmlns:p14="http://schemas.microsoft.com/office/powerpoint/2010/main">
-    <mc:Choice Requires="p14">
-      <p:transition p14:dur="0"/>
-    </mc:Choice>
-    <mc:Fallback xmlns="">
-      <p:transition/>
-    </mc:Fallback>
-  </mc:AlternateContent>
-  <p:timing>
-    <p:tnLst>
-      <p:par>
-        <p:cTn id="1" dur="indefinite" restart="never" nodeType="tmRoot"/>
-      </p:par>
-    </p:tnLst>
-  </p:timing>
-</p:sld>
-</file>
-
 <file path=ppt/slides/slide12.xml><?xml version="1.0" encoding="utf-8"?>
 <p:sld xmlns:a="http://schemas.openxmlformats.org/drawingml/2006/main" xmlns:r="http://schemas.openxmlformats.org/officeDocument/2006/relationships" xmlns:p="http://schemas.openxmlformats.org/presentationml/2006/main">
   <p:cSld>
@@ -5326,6 +6066,208 @@
               <a:rPr lang="ru-RU" dirty="0" smtClean="0"/>
               <a:t>Типы данных</a:t>
             </a:r>
+            <a:br>
+              <a:rPr lang="ru-RU" dirty="0" smtClean="0"/>
+            </a:br>
+            <a:r>
+              <a:rPr lang="ru-RU" dirty="0" smtClean="0"/>
+              <a:t>------------------------------------------------------------</a:t>
+            </a:r>
+            <a:endParaRPr lang="en-US" dirty="0"/>
+          </a:p>
+        </p:txBody>
+      </p:sp>
+      <p:sp>
+        <p:nvSpPr>
+          <p:cNvPr id="3" name="Content Placeholder 2"/>
+          <p:cNvSpPr>
+            <a:spLocks noGrp="1"/>
+          </p:cNvSpPr>
+          <p:nvPr>
+            <p:ph idx="1"/>
+          </p:nvPr>
+        </p:nvSpPr>
+        <p:spPr/>
+        <p:txBody>
+          <a:bodyPr anchor="ctr"/>
+          <a:lstStyle/>
+          <a:p>
+            <a:pPr marL="0" indent="0" algn="ctr">
+              <a:buNone/>
+            </a:pPr>
+            <a:r>
+              <a:rPr lang="ru-RU" sz="5400" dirty="0" err="1" smtClean="0"/>
+              <a:t>Демо</a:t>
+            </a:r>
+            <a:endParaRPr lang="en-US" dirty="0"/>
+          </a:p>
+        </p:txBody>
+      </p:sp>
+      <p:sp>
+        <p:nvSpPr>
+          <p:cNvPr id="5" name="TextBox 4"/>
+          <p:cNvSpPr txBox="1"/>
+          <p:nvPr/>
+        </p:nvSpPr>
+        <p:spPr>
+          <a:xfrm>
+            <a:off x="5154075" y="6365875"/>
+            <a:ext cx="1968809" cy="430887"/>
+          </a:xfrm>
+          <a:prstGeom prst="rect">
+            <a:avLst/>
+          </a:prstGeom>
+          <a:noFill/>
+        </p:spPr>
+        <p:txBody>
+          <a:bodyPr wrap="none" rtlCol="0">
+            <a:spAutoFit/>
+          </a:bodyPr>
+          <a:lstStyle/>
+          <a:p>
+            <a:r>
+              <a:rPr lang="en-US" sz="1100" dirty="0" smtClean="0">
+                <a:solidFill>
+                  <a:schemeClr val="accent2">
+                    <a:lumMod val="75000"/>
+                  </a:schemeClr>
+                </a:solidFill>
+                <a:latin typeface="Lucida Console" charset="0"/>
+                <a:ea typeface="Lucida Console" charset="0"/>
+                <a:cs typeface="Lucida Console" charset="0"/>
+              </a:rPr>
+              <a:t>Files: </a:t>
+            </a:r>
+            <a:r>
+              <a:rPr lang="en-US" sz="1100" dirty="0" err="1" smtClean="0">
+                <a:solidFill>
+                  <a:schemeClr val="accent2">
+                    <a:lumMod val="75000"/>
+                  </a:schemeClr>
+                </a:solidFill>
+                <a:latin typeface="Lucida Console" charset="0"/>
+                <a:ea typeface="Lucida Console" charset="0"/>
+                <a:cs typeface="Lucida Console" charset="0"/>
+              </a:rPr>
+              <a:t>types.c</a:t>
+            </a:r>
+            <a:endParaRPr lang="en-US" sz="1100" dirty="0" smtClean="0">
+              <a:solidFill>
+                <a:schemeClr val="accent2">
+                  <a:lumMod val="75000"/>
+                </a:schemeClr>
+              </a:solidFill>
+              <a:latin typeface="Lucida Console" charset="0"/>
+              <a:ea typeface="Lucida Console" charset="0"/>
+              <a:cs typeface="Lucida Console" charset="0"/>
+            </a:endParaRPr>
+          </a:p>
+          <a:p>
+            <a:r>
+              <a:rPr lang="en-US" sz="1100" dirty="0" smtClean="0">
+                <a:solidFill>
+                  <a:schemeClr val="accent2">
+                    <a:lumMod val="75000"/>
+                  </a:schemeClr>
+                </a:solidFill>
+                <a:latin typeface="Lucida Console" charset="0"/>
+                <a:ea typeface="Lucida Console" charset="0"/>
+                <a:cs typeface="Lucida Console" charset="0"/>
+              </a:rPr>
+              <a:t>       </a:t>
+            </a:r>
+            <a:r>
+              <a:rPr lang="en-US" sz="1100" dirty="0" err="1" smtClean="0">
+                <a:solidFill>
+                  <a:schemeClr val="accent2">
+                    <a:lumMod val="75000"/>
+                  </a:schemeClr>
+                </a:solidFill>
+                <a:latin typeface="Lucida Console" charset="0"/>
+                <a:ea typeface="Lucida Console" charset="0"/>
+                <a:cs typeface="Lucida Console" charset="0"/>
+              </a:rPr>
+              <a:t>sizeof_types.c</a:t>
+            </a:r>
+            <a:endParaRPr lang="en-US" sz="1100" dirty="0">
+              <a:solidFill>
+                <a:schemeClr val="accent2">
+                  <a:lumMod val="75000"/>
+                </a:schemeClr>
+              </a:solidFill>
+              <a:latin typeface="Lucida Console" charset="0"/>
+              <a:ea typeface="Lucida Console" charset="0"/>
+              <a:cs typeface="Lucida Console" charset="0"/>
+            </a:endParaRPr>
+          </a:p>
+        </p:txBody>
+      </p:sp>
+    </p:spTree>
+    <p:extLst>
+      <p:ext uri="{BB962C8B-B14F-4D97-AF65-F5344CB8AC3E}">
+        <p14:creationId xmlns:p14="http://schemas.microsoft.com/office/powerpoint/2010/main" val="1601528605"/>
+      </p:ext>
+    </p:extLst>
+  </p:cSld>
+  <p:clrMapOvr>
+    <a:masterClrMapping/>
+  </p:clrMapOvr>
+  <mc:AlternateContent xmlns:mc="http://schemas.openxmlformats.org/markup-compatibility/2006" xmlns:p14="http://schemas.microsoft.com/office/powerpoint/2010/main">
+    <mc:Choice Requires="p14">
+      <p:transition p14:dur="0"/>
+    </mc:Choice>
+    <mc:Fallback xmlns="">
+      <p:transition/>
+    </mc:Fallback>
+  </mc:AlternateContent>
+  <p:timing>
+    <p:tnLst>
+      <p:par>
+        <p:cTn id="1" dur="indefinite" restart="never" nodeType="tmRoot"/>
+      </p:par>
+    </p:tnLst>
+  </p:timing>
+</p:sld>
+</file>
+
+<file path=ppt/slides/slide13.xml><?xml version="1.0" encoding="utf-8"?>
+<p:sld xmlns:a="http://schemas.openxmlformats.org/drawingml/2006/main" xmlns:r="http://schemas.openxmlformats.org/officeDocument/2006/relationships" xmlns:p="http://schemas.openxmlformats.org/presentationml/2006/main">
+  <p:cSld>
+    <p:spTree>
+      <p:nvGrpSpPr>
+        <p:cNvPr id="1" name=""/>
+        <p:cNvGrpSpPr/>
+        <p:nvPr/>
+      </p:nvGrpSpPr>
+      <p:grpSpPr>
+        <a:xfrm>
+          <a:off x="0" y="0"/>
+          <a:ext cx="0" cy="0"/>
+          <a:chOff x="0" y="0"/>
+          <a:chExt cx="0" cy="0"/>
+        </a:xfrm>
+      </p:grpSpPr>
+      <p:sp>
+        <p:nvSpPr>
+          <p:cNvPr id="2" name="Title 1"/>
+          <p:cNvSpPr>
+            <a:spLocks noGrp="1"/>
+          </p:cNvSpPr>
+          <p:nvPr>
+            <p:ph type="title"/>
+          </p:nvPr>
+        </p:nvSpPr>
+        <p:spPr/>
+        <p:txBody>
+          <a:bodyPr>
+            <a:normAutofit/>
+          </a:bodyPr>
+          <a:lstStyle/>
+          <a:p>
+            <a:r>
+              <a:rPr lang="ru-RU" dirty="0" smtClean="0"/>
+              <a:t>Типы данных</a:t>
+            </a:r>
             <a:r>
               <a:rPr lang="en-US" dirty="0" smtClean="0"/>
               <a:t>::</a:t>
@@ -5605,7 +6547,7 @@
 </p:sld>
 </file>
 
-<file path=ppt/slides/slide13.xml><?xml version="1.0" encoding="utf-8"?>
+<file path=ppt/slides/slide14.xml><?xml version="1.0" encoding="utf-8"?>
 <p:sld xmlns:a="http://schemas.openxmlformats.org/drawingml/2006/main" xmlns:r="http://schemas.openxmlformats.org/officeDocument/2006/relationships" xmlns:p="http://schemas.openxmlformats.org/presentationml/2006/main">
   <p:cSld>
     <p:spTree>
@@ -6708,7 +7650,7 @@
 </p:sld>
 </file>
 
-<file path=ppt/slides/slide14.xml><?xml version="1.0" encoding="utf-8"?>
+<file path=ppt/slides/slide15.xml><?xml version="1.0" encoding="utf-8"?>
 <p:sld xmlns:a="http://schemas.openxmlformats.org/drawingml/2006/main" xmlns:r="http://schemas.openxmlformats.org/officeDocument/2006/relationships" xmlns:p="http://schemas.openxmlformats.org/presentationml/2006/main">
   <p:cSld>
     <p:spTree>
@@ -7409,7 +8351,7 @@
 </p:sld>
 </file>
 
-<file path=ppt/slides/slide15.xml><?xml version="1.0" encoding="utf-8"?>
+<file path=ppt/slides/slide16.xml><?xml version="1.0" encoding="utf-8"?>
 <p:sld xmlns:a="http://schemas.openxmlformats.org/drawingml/2006/main" xmlns:r="http://schemas.openxmlformats.org/officeDocument/2006/relationships" xmlns:p="http://schemas.openxmlformats.org/presentationml/2006/main">
   <p:cSld>
     <p:spTree>
@@ -9250,7 +10192,7 @@
 </p:sld>
 </file>
 
-<file path=ppt/slides/slide16.xml><?xml version="1.0" encoding="utf-8"?>
+<file path=ppt/slides/slide17.xml><?xml version="1.0" encoding="utf-8"?>
 <p:sld xmlns:a="http://schemas.openxmlformats.org/drawingml/2006/main" xmlns:r="http://schemas.openxmlformats.org/officeDocument/2006/relationships" xmlns:p="http://schemas.openxmlformats.org/presentationml/2006/main">
   <p:cSld>
     <p:spTree>
@@ -9498,7 +10440,7 @@
 </p:sld>
 </file>
 
-<file path=ppt/slides/slide17.xml><?xml version="1.0" encoding="utf-8"?>
+<file path=ppt/slides/slide18.xml><?xml version="1.0" encoding="utf-8"?>
 <p:sld xmlns:a="http://schemas.openxmlformats.org/drawingml/2006/main" xmlns:r="http://schemas.openxmlformats.org/officeDocument/2006/relationships" xmlns:p="http://schemas.openxmlformats.org/presentationml/2006/main">
   <p:cSld>
     <p:spTree>
@@ -10266,7 +11208,7 @@
 </p:sld>
 </file>
 
-<file path=ppt/slides/slide18.xml><?xml version="1.0" encoding="utf-8"?>
+<file path=ppt/slides/slide19.xml><?xml version="1.0" encoding="utf-8"?>
 <p:sld xmlns:a="http://schemas.openxmlformats.org/drawingml/2006/main" xmlns:r="http://schemas.openxmlformats.org/officeDocument/2006/relationships" xmlns:p="http://schemas.openxmlformats.org/presentationml/2006/main">
   <p:cSld>
     <p:spTree>
@@ -12008,7 +12950,344 @@
 </p:sld>
 </file>
 
-<file path=ppt/slides/slide19.xml><?xml version="1.0" encoding="utf-8"?>
+<file path=ppt/slides/slide2.xml><?xml version="1.0" encoding="utf-8"?>
+<p:sld xmlns:a="http://schemas.openxmlformats.org/drawingml/2006/main" xmlns:r="http://schemas.openxmlformats.org/officeDocument/2006/relationships" xmlns:p="http://schemas.openxmlformats.org/presentationml/2006/main">
+  <p:cSld>
+    <p:spTree>
+      <p:nvGrpSpPr>
+        <p:cNvPr id="1" name=""/>
+        <p:cNvGrpSpPr/>
+        <p:nvPr/>
+      </p:nvGrpSpPr>
+      <p:grpSpPr>
+        <a:xfrm>
+          <a:off x="0" y="0"/>
+          <a:ext cx="0" cy="0"/>
+          <a:chOff x="0" y="0"/>
+          <a:chExt cx="0" cy="0"/>
+        </a:xfrm>
+      </p:grpSpPr>
+      <p:sp>
+        <p:nvSpPr>
+          <p:cNvPr id="2" name="Title 1"/>
+          <p:cNvSpPr>
+            <a:spLocks noGrp="1"/>
+          </p:cNvSpPr>
+          <p:nvPr>
+            <p:ph type="title"/>
+          </p:nvPr>
+        </p:nvSpPr>
+        <p:spPr/>
+        <p:txBody>
+          <a:bodyPr>
+            <a:normAutofit/>
+          </a:bodyPr>
+          <a:lstStyle/>
+          <a:p>
+            <a:r>
+              <a:rPr lang="ru-RU" dirty="0" smtClean="0"/>
+              <a:t>О курсе</a:t>
+            </a:r>
+            <a:br>
+              <a:rPr lang="ru-RU" dirty="0" smtClean="0"/>
+            </a:br>
+            <a:r>
+              <a:rPr lang="ru-RU" dirty="0" smtClean="0"/>
+              <a:t>------------------------------------------------------------</a:t>
+            </a:r>
+            <a:endParaRPr lang="en-US" dirty="0"/>
+          </a:p>
+        </p:txBody>
+      </p:sp>
+      <p:sp>
+        <p:nvSpPr>
+          <p:cNvPr id="4" name="TextBox 3"/>
+          <p:cNvSpPr txBox="1"/>
+          <p:nvPr/>
+        </p:nvSpPr>
+        <p:spPr>
+          <a:xfrm>
+            <a:off x="2975626" y="2966367"/>
+            <a:ext cx="6191054" cy="923330"/>
+          </a:xfrm>
+          <a:prstGeom prst="rect">
+            <a:avLst/>
+          </a:prstGeom>
+          <a:noFill/>
+        </p:spPr>
+        <p:txBody>
+          <a:bodyPr wrap="none" rtlCol="0">
+            <a:spAutoFit/>
+          </a:bodyPr>
+          <a:lstStyle/>
+          <a:p>
+            <a:pPr marL="342900" indent="-342900">
+              <a:buFont typeface="Wingdings" charset="2"/>
+              <a:buChar char="§"/>
+            </a:pPr>
+            <a:r>
+              <a:rPr lang="ru-RU" dirty="0" smtClean="0"/>
+              <a:t>Курс по языку С с акцентом на практическое применение</a:t>
+            </a:r>
+          </a:p>
+          <a:p>
+            <a:pPr marL="342900" indent="-342900">
+              <a:buFont typeface="Wingdings" charset="2"/>
+              <a:buChar char="§"/>
+            </a:pPr>
+            <a:r>
+              <a:rPr lang="ru-RU" dirty="0" smtClean="0"/>
+              <a:t>10 лекций, 10 заданий после лекции, 10 </a:t>
+            </a:r>
+            <a:r>
+              <a:rPr lang="ru-RU" dirty="0" err="1" smtClean="0"/>
+              <a:t>домашек</a:t>
+            </a:r>
+            <a:endParaRPr lang="ru-RU" dirty="0" smtClean="0"/>
+          </a:p>
+          <a:p>
+            <a:pPr marL="342900" indent="-342900">
+              <a:buFont typeface="Wingdings" charset="2"/>
+              <a:buChar char="§"/>
+            </a:pPr>
+            <a:r>
+              <a:rPr lang="ru-RU" dirty="0" smtClean="0"/>
+              <a:t>В конце курса большое задание</a:t>
+            </a:r>
+            <a:endParaRPr lang="en-US" dirty="0"/>
+          </a:p>
+        </p:txBody>
+      </p:sp>
+    </p:spTree>
+    <p:extLst>
+      <p:ext uri="{BB962C8B-B14F-4D97-AF65-F5344CB8AC3E}">
+        <p14:creationId xmlns:p14="http://schemas.microsoft.com/office/powerpoint/2010/main" val="229933561"/>
+      </p:ext>
+    </p:extLst>
+  </p:cSld>
+  <p:clrMapOvr>
+    <a:masterClrMapping/>
+  </p:clrMapOvr>
+  <p:timing>
+    <p:tnLst>
+      <p:par>
+        <p:cTn id="1" dur="indefinite" restart="never" nodeType="tmRoot">
+          <p:childTnLst>
+            <p:seq concurrent="1" nextAc="seek">
+              <p:cTn id="2" dur="indefinite" nodeType="mainSeq">
+                <p:childTnLst>
+                  <p:par>
+                    <p:cTn id="3" fill="hold">
+                      <p:stCondLst>
+                        <p:cond delay="indefinite"/>
+                        <p:cond evt="onBegin" delay="0">
+                          <p:tn val="2"/>
+                        </p:cond>
+                      </p:stCondLst>
+                      <p:childTnLst>
+                        <p:par>
+                          <p:cTn id="4" fill="hold">
+                            <p:stCondLst>
+                              <p:cond delay="0"/>
+                            </p:stCondLst>
+                            <p:childTnLst>
+                              <p:par>
+                                <p:cTn id="5" presetID="10" presetClass="entr" presetSubtype="0" fill="hold" nodeType="withEffect">
+                                  <p:stCondLst>
+                                    <p:cond delay="0"/>
+                                  </p:stCondLst>
+                                  <p:childTnLst>
+                                    <p:set>
+                                      <p:cBhvr>
+                                        <p:cTn id="6" dur="1" fill="hold">
+                                          <p:stCondLst>
+                                            <p:cond delay="0"/>
+                                          </p:stCondLst>
+                                        </p:cTn>
+                                        <p:tgtEl>
+                                          <p:spTgt spid="4">
+                                            <p:txEl>
+                                              <p:pRg st="0" end="0"/>
+                                            </p:txEl>
+                                          </p:spTgt>
+                                        </p:tgtEl>
+                                        <p:attrNameLst>
+                                          <p:attrName>style.visibility</p:attrName>
+                                        </p:attrNameLst>
+                                      </p:cBhvr>
+                                      <p:to>
+                                        <p:strVal val="visible"/>
+                                      </p:to>
+                                    </p:set>
+                                    <p:animEffect transition="in" filter="fade">
+                                      <p:cBhvr>
+                                        <p:cTn id="7" dur="200"/>
+                                        <p:tgtEl>
+                                          <p:spTgt spid="4">
+                                            <p:txEl>
+                                              <p:pRg st="0" end="0"/>
+                                            </p:txEl>
+                                          </p:spTgt>
+                                        </p:tgtEl>
+                                      </p:cBhvr>
+                                    </p:animEffect>
+                                  </p:childTnLst>
+                                </p:cTn>
+                              </p:par>
+                            </p:childTnLst>
+                          </p:cTn>
+                        </p:par>
+                      </p:childTnLst>
+                    </p:cTn>
+                  </p:par>
+                  <p:par>
+                    <p:cTn id="8" fill="hold">
+                      <p:stCondLst>
+                        <p:cond delay="indefinite"/>
+                      </p:stCondLst>
+                      <p:childTnLst>
+                        <p:par>
+                          <p:cTn id="9" fill="hold">
+                            <p:stCondLst>
+                              <p:cond delay="0"/>
+                            </p:stCondLst>
+                            <p:childTnLst>
+                              <p:par>
+                                <p:cTn id="10" presetID="10" presetClass="entr" presetSubtype="0" fill="hold" nodeType="clickEffect">
+                                  <p:stCondLst>
+                                    <p:cond delay="0"/>
+                                  </p:stCondLst>
+                                  <p:childTnLst>
+                                    <p:set>
+                                      <p:cBhvr>
+                                        <p:cTn id="11" dur="1" fill="hold">
+                                          <p:stCondLst>
+                                            <p:cond delay="0"/>
+                                          </p:stCondLst>
+                                        </p:cTn>
+                                        <p:tgtEl>
+                                          <p:spTgt spid="4">
+                                            <p:txEl>
+                                              <p:pRg st="1" end="1"/>
+                                            </p:txEl>
+                                          </p:spTgt>
+                                        </p:tgtEl>
+                                        <p:attrNameLst>
+                                          <p:attrName>style.visibility</p:attrName>
+                                        </p:attrNameLst>
+                                      </p:cBhvr>
+                                      <p:to>
+                                        <p:strVal val="visible"/>
+                                      </p:to>
+                                    </p:set>
+                                    <p:animEffect transition="in" filter="fade">
+                                      <p:cBhvr>
+                                        <p:cTn id="12" dur="200"/>
+                                        <p:tgtEl>
+                                          <p:spTgt spid="4">
+                                            <p:txEl>
+                                              <p:pRg st="1" end="1"/>
+                                            </p:txEl>
+                                          </p:spTgt>
+                                        </p:tgtEl>
+                                      </p:cBhvr>
+                                    </p:animEffect>
+                                  </p:childTnLst>
+                                </p:cTn>
+                              </p:par>
+                            </p:childTnLst>
+                          </p:cTn>
+                        </p:par>
+                      </p:childTnLst>
+                    </p:cTn>
+                  </p:par>
+                  <p:par>
+                    <p:cTn id="13" fill="hold">
+                      <p:stCondLst>
+                        <p:cond delay="indefinite"/>
+                      </p:stCondLst>
+                      <p:childTnLst>
+                        <p:par>
+                          <p:cTn id="14" fill="hold">
+                            <p:stCondLst>
+                              <p:cond delay="0"/>
+                            </p:stCondLst>
+                            <p:childTnLst>
+                              <p:par>
+                                <p:cTn id="15" presetID="10" presetClass="entr" presetSubtype="0" fill="hold" nodeType="clickEffect">
+                                  <p:stCondLst>
+                                    <p:cond delay="0"/>
+                                  </p:stCondLst>
+                                  <p:childTnLst>
+                                    <p:set>
+                                      <p:cBhvr>
+                                        <p:cTn id="16" dur="1" fill="hold">
+                                          <p:stCondLst>
+                                            <p:cond delay="0"/>
+                                          </p:stCondLst>
+                                        </p:cTn>
+                                        <p:tgtEl>
+                                          <p:spTgt spid="4">
+                                            <p:txEl>
+                                              <p:pRg st="2" end="2"/>
+                                            </p:txEl>
+                                          </p:spTgt>
+                                        </p:tgtEl>
+                                        <p:attrNameLst>
+                                          <p:attrName>style.visibility</p:attrName>
+                                        </p:attrNameLst>
+                                      </p:cBhvr>
+                                      <p:to>
+                                        <p:strVal val="visible"/>
+                                      </p:to>
+                                    </p:set>
+                                    <p:animEffect transition="in" filter="fade">
+                                      <p:cBhvr>
+                                        <p:cTn id="17" dur="200"/>
+                                        <p:tgtEl>
+                                          <p:spTgt spid="4">
+                                            <p:txEl>
+                                              <p:pRg st="2" end="2"/>
+                                            </p:txEl>
+                                          </p:spTgt>
+                                        </p:tgtEl>
+                                      </p:cBhvr>
+                                    </p:animEffect>
+                                  </p:childTnLst>
+                                </p:cTn>
+                              </p:par>
+                            </p:childTnLst>
+                          </p:cTn>
+                        </p:par>
+                      </p:childTnLst>
+                    </p:cTn>
+                  </p:par>
+                </p:childTnLst>
+              </p:cTn>
+              <p:prevCondLst>
+                <p:cond evt="onPrev" delay="0">
+                  <p:tgtEl>
+                    <p:sldTgt/>
+                  </p:tgtEl>
+                </p:cond>
+              </p:prevCondLst>
+              <p:nextCondLst>
+                <p:cond evt="onNext" delay="0">
+                  <p:tgtEl>
+                    <p:sldTgt/>
+                  </p:tgtEl>
+                </p:cond>
+              </p:nextCondLst>
+            </p:seq>
+          </p:childTnLst>
+        </p:cTn>
+      </p:par>
+    </p:tnLst>
+  </p:timing>
+</p:sld>
+</file>
+
+<file path=ppt/slides/slide20.xml><?xml version="1.0" encoding="utf-8"?>
 <p:sld xmlns:a="http://schemas.openxmlformats.org/drawingml/2006/main" xmlns:r="http://schemas.openxmlformats.org/officeDocument/2006/relationships" xmlns:p="http://schemas.openxmlformats.org/presentationml/2006/main">
   <p:cSld>
     <p:spTree>
@@ -13783,286 +15062,7 @@
 </p:sld>
 </file>
 
-<file path=ppt/slides/slide2.xml><?xml version="1.0" encoding="utf-8"?>
-<p:sld xmlns:a="http://schemas.openxmlformats.org/drawingml/2006/main" xmlns:r="http://schemas.openxmlformats.org/officeDocument/2006/relationships" xmlns:p="http://schemas.openxmlformats.org/presentationml/2006/main">
-  <p:cSld>
-    <p:spTree>
-      <p:nvGrpSpPr>
-        <p:cNvPr id="1" name=""/>
-        <p:cNvGrpSpPr/>
-        <p:nvPr/>
-      </p:nvGrpSpPr>
-      <p:grpSpPr>
-        <a:xfrm>
-          <a:off x="0" y="0"/>
-          <a:ext cx="0" cy="0"/>
-          <a:chOff x="0" y="0"/>
-          <a:chExt cx="0" cy="0"/>
-        </a:xfrm>
-      </p:grpSpPr>
-      <p:sp>
-        <p:nvSpPr>
-          <p:cNvPr id="2" name="Title 1"/>
-          <p:cNvSpPr>
-            <a:spLocks noGrp="1"/>
-          </p:cNvSpPr>
-          <p:nvPr>
-            <p:ph type="title"/>
-          </p:nvPr>
-        </p:nvSpPr>
-        <p:spPr/>
-        <p:txBody>
-          <a:bodyPr/>
-          <a:lstStyle/>
-          <a:p>
-            <a:r>
-              <a:rPr lang="ru-RU" dirty="0" smtClean="0"/>
-              <a:t>Язык программирования С</a:t>
-            </a:r>
-            <a:r>
-              <a:rPr lang="en-US" dirty="0" smtClean="0"/>
-              <a:t/>
-            </a:r>
-            <a:br>
-              <a:rPr lang="en-US" dirty="0" smtClean="0"/>
-            </a:br>
-            <a:r>
-              <a:rPr lang="en-US" dirty="0" smtClean="0"/>
-              <a:t>------------------------------------------------------</a:t>
-            </a:r>
-            <a:r>
-              <a:rPr lang="ru-RU" dirty="0" smtClean="0"/>
-              <a:t>-</a:t>
-            </a:r>
-            <a:r>
-              <a:rPr lang="en-US" dirty="0" smtClean="0"/>
-              <a:t>-----</a:t>
-            </a:r>
-            <a:endParaRPr lang="en-US" dirty="0"/>
-          </a:p>
-        </p:txBody>
-      </p:sp>
-      <p:pic>
-        <p:nvPicPr>
-          <p:cNvPr id="4" name="Content Placeholder 3"/>
-          <p:cNvPicPr>
-            <a:picLocks noGrp="1" noChangeAspect="1"/>
-          </p:cNvPicPr>
-          <p:nvPr>
-            <p:ph idx="1"/>
-          </p:nvPr>
-        </p:nvPicPr>
-        <p:blipFill>
-          <a:blip r:embed="rId2">
-            <a:duotone>
-              <a:schemeClr val="accent2">
-                <a:shade val="45000"/>
-                <a:satMod val="135000"/>
-              </a:schemeClr>
-              <a:prstClr val="white"/>
-            </a:duotone>
-            <a:extLst>
-              <a:ext uri="{28A0092B-C50C-407E-A947-70E740481C1C}">
-                <a14:useLocalDpi xmlns:a14="http://schemas.microsoft.com/office/drawing/2010/main" val="0"/>
-              </a:ext>
-            </a:extLst>
-          </a:blip>
-          <a:stretch>
-            <a:fillRect/>
-          </a:stretch>
-        </p:blipFill>
-        <p:spPr>
-          <a:xfrm>
-            <a:off x="1720516" y="2059658"/>
-            <a:ext cx="3479476" cy="3699879"/>
-          </a:xfrm>
-        </p:spPr>
-      </p:pic>
-      <p:sp>
-        <p:nvSpPr>
-          <p:cNvPr id="6" name="Rectangle 5"/>
-          <p:cNvSpPr/>
-          <p:nvPr/>
-        </p:nvSpPr>
-        <p:spPr>
-          <a:xfrm>
-            <a:off x="7058525" y="2733121"/>
-            <a:ext cx="4920916" cy="2400657"/>
-          </a:xfrm>
-          <a:prstGeom prst="rect">
-            <a:avLst/>
-          </a:prstGeom>
-        </p:spPr>
-        <p:txBody>
-          <a:bodyPr wrap="square">
-            <a:spAutoFit/>
-          </a:bodyPr>
-          <a:lstStyle/>
-          <a:p>
-            <a:pPr marL="285750" indent="-285750" algn="just">
-              <a:lnSpc>
-                <a:spcPct val="150000"/>
-              </a:lnSpc>
-              <a:buFont typeface="Arial" charset="0"/>
-              <a:buChar char="•"/>
-            </a:pPr>
-            <a:r>
-              <a:rPr lang="en-US" sz="2000" dirty="0" err="1"/>
-              <a:t>компилируемый</a:t>
-            </a:r>
-            <a:r>
-              <a:rPr lang="en-US" sz="2000" dirty="0"/>
-              <a:t> </a:t>
-            </a:r>
-            <a:endParaRPr lang="ru-RU" sz="2000" dirty="0" smtClean="0"/>
-          </a:p>
-          <a:p>
-            <a:pPr marL="285750" indent="-285750" algn="just">
-              <a:lnSpc>
-                <a:spcPct val="150000"/>
-              </a:lnSpc>
-              <a:buFont typeface="Arial" charset="0"/>
-              <a:buChar char="•"/>
-            </a:pPr>
-            <a:r>
-              <a:rPr lang="en-US" sz="2000" dirty="0" err="1" smtClean="0"/>
-              <a:t>статически</a:t>
-            </a:r>
-            <a:r>
-              <a:rPr lang="en-US" sz="2000" dirty="0" smtClean="0"/>
-              <a:t> </a:t>
-            </a:r>
-            <a:r>
-              <a:rPr lang="en-US" sz="2000" dirty="0" err="1"/>
-              <a:t>типизированный</a:t>
-            </a:r>
-            <a:r>
-              <a:rPr lang="en-US" sz="2000" dirty="0"/>
-              <a:t> </a:t>
-            </a:r>
-            <a:endParaRPr lang="ru-RU" sz="2000" dirty="0" smtClean="0"/>
-          </a:p>
-          <a:p>
-            <a:pPr marL="285750" indent="-285750" algn="just">
-              <a:lnSpc>
-                <a:spcPct val="150000"/>
-              </a:lnSpc>
-              <a:buFont typeface="Arial" charset="0"/>
-              <a:buChar char="•"/>
-            </a:pPr>
-            <a:r>
-              <a:rPr lang="en-US" sz="2000" dirty="0" err="1" smtClean="0"/>
-              <a:t>общего</a:t>
-            </a:r>
-            <a:r>
-              <a:rPr lang="en-US" sz="2000" dirty="0" smtClean="0"/>
-              <a:t> </a:t>
-            </a:r>
-            <a:r>
-              <a:rPr lang="en-US" sz="2000" dirty="0" err="1" smtClean="0"/>
-              <a:t>назначения</a:t>
-            </a:r>
-            <a:r>
-              <a:rPr lang="en-US" sz="2000" dirty="0" smtClean="0"/>
-              <a:t> </a:t>
-            </a:r>
-            <a:endParaRPr lang="ru-RU" sz="2000" dirty="0" smtClean="0"/>
-          </a:p>
-          <a:p>
-            <a:pPr marL="285750" indent="-285750" algn="just">
-              <a:lnSpc>
-                <a:spcPct val="150000"/>
-              </a:lnSpc>
-              <a:buFont typeface="Arial" charset="0"/>
-              <a:buChar char="•"/>
-            </a:pPr>
-            <a:r>
-              <a:rPr lang="ru-RU" sz="2000" dirty="0" smtClean="0"/>
-              <a:t>создан </a:t>
-            </a:r>
-            <a:r>
-              <a:rPr lang="en-US" sz="2000" dirty="0" smtClean="0"/>
-              <a:t>1969—197</a:t>
-            </a:r>
-            <a:r>
-              <a:rPr lang="ru-RU" sz="2000" dirty="0" smtClean="0"/>
-              <a:t>3 </a:t>
-            </a:r>
-            <a:r>
-              <a:rPr lang="ru-RU" sz="2000" dirty="0" err="1" smtClean="0"/>
-              <a:t>гг</a:t>
-            </a:r>
-            <a:endParaRPr lang="ru-RU" sz="2000" dirty="0" smtClean="0"/>
-          </a:p>
-          <a:p>
-            <a:pPr marL="285750" indent="-285750" algn="just">
-              <a:lnSpc>
-                <a:spcPct val="150000"/>
-              </a:lnSpc>
-              <a:buFont typeface="Arial" charset="0"/>
-              <a:buChar char="•"/>
-            </a:pPr>
-            <a:r>
-              <a:rPr lang="ru-RU" sz="2000" dirty="0" smtClean="0"/>
-              <a:t>автор </a:t>
-            </a:r>
-            <a:r>
-              <a:rPr lang="en-US" sz="2000" dirty="0"/>
-              <a:t>—</a:t>
-            </a:r>
-            <a:r>
-              <a:rPr lang="ru-RU" sz="2000" dirty="0" smtClean="0"/>
-              <a:t> </a:t>
-            </a:r>
-            <a:r>
-              <a:rPr lang="en-US" sz="2000" dirty="0" err="1" smtClean="0"/>
-              <a:t>Деннис</a:t>
-            </a:r>
-            <a:r>
-              <a:rPr lang="ru-RU" sz="2000" dirty="0" smtClean="0"/>
-              <a:t> </a:t>
-            </a:r>
-            <a:r>
-              <a:rPr lang="en-US" sz="2000" dirty="0" err="1" smtClean="0"/>
-              <a:t>Ритч</a:t>
-            </a:r>
-            <a:r>
-              <a:rPr lang="ru-RU" sz="2000" dirty="0" smtClean="0"/>
-              <a:t>и</a:t>
-            </a:r>
-            <a:endParaRPr lang="en-US" sz="2000" dirty="0"/>
-          </a:p>
-        </p:txBody>
-      </p:sp>
-    </p:spTree>
-    <p:extLst>
-      <p:ext uri="{BB962C8B-B14F-4D97-AF65-F5344CB8AC3E}">
-        <p14:creationId xmlns:p14="http://schemas.microsoft.com/office/powerpoint/2010/main" val="533157475"/>
-      </p:ext>
-    </p:extLst>
-  </p:cSld>
-  <p:clrMapOvr>
-    <a:masterClrMapping/>
-  </p:clrMapOvr>
-  <mc:AlternateContent xmlns:mc="http://schemas.openxmlformats.org/markup-compatibility/2006" xmlns:p14="http://schemas.microsoft.com/office/powerpoint/2010/main">
-    <mc:Choice Requires="p14">
-      <p:transition p14:dur="0"/>
-    </mc:Choice>
-    <mc:Fallback xmlns="">
-      <p:transition/>
-    </mc:Fallback>
-  </mc:AlternateContent>
-  <p:timing>
-    <p:tnLst>
-      <p:par>
-        <p:cTn id="1" dur="indefinite" restart="never" nodeType="tmRoot"/>
-      </p:par>
-    </p:tnLst>
-  </p:timing>
-</p:sld>
-</file>
-
-<file path=ppt/slides/slide20.xml><?xml version="1.0" encoding="utf-8"?>
+<file path=ppt/slides/slide21.xml><?xml version="1.0" encoding="utf-8"?>
 <p:sld xmlns:a="http://schemas.openxmlformats.org/drawingml/2006/main" xmlns:r="http://schemas.openxmlformats.org/officeDocument/2006/relationships" xmlns:p="http://schemas.openxmlformats.org/presentationml/2006/main">
   <p:cSld>
     <p:spTree>
@@ -15828,7 +16828,7 @@
 </p:sld>
 </file>
 
-<file path=ppt/slides/slide21.xml><?xml version="1.0" encoding="utf-8"?>
+<file path=ppt/slides/slide22.xml><?xml version="1.0" encoding="utf-8"?>
 <p:sld xmlns:a="http://schemas.openxmlformats.org/drawingml/2006/main" xmlns:r="http://schemas.openxmlformats.org/officeDocument/2006/relationships" xmlns:p="http://schemas.openxmlformats.org/presentationml/2006/main">
   <p:cSld>
     <p:spTree>
@@ -17338,7 +18338,7 @@
 </p:sld>
 </file>
 
-<file path=ppt/slides/slide22.xml><?xml version="1.0" encoding="utf-8"?>
+<file path=ppt/slides/slide23.xml><?xml version="1.0" encoding="utf-8"?>
 <p:sld xmlns:a="http://schemas.openxmlformats.org/drawingml/2006/main" xmlns:r="http://schemas.openxmlformats.org/officeDocument/2006/relationships" xmlns:p="http://schemas.openxmlformats.org/presentationml/2006/main">
   <p:cSld>
     <p:spTree>
@@ -18629,7 +19629,7 @@
 </p:sld>
 </file>
 
-<file path=ppt/slides/slide23.xml><?xml version="1.0" encoding="utf-8"?>
+<file path=ppt/slides/slide24.xml><?xml version="1.0" encoding="utf-8"?>
 <p:sld xmlns:a="http://schemas.openxmlformats.org/drawingml/2006/main" xmlns:r="http://schemas.openxmlformats.org/officeDocument/2006/relationships" xmlns:p="http://schemas.openxmlformats.org/presentationml/2006/main">
   <p:cSld>
     <p:spTree>
@@ -18811,7 +19811,7 @@
 </p:sld>
 </file>
 
-<file path=ppt/slides/slide24.xml><?xml version="1.0" encoding="utf-8"?>
+<file path=ppt/slides/slide25.xml><?xml version="1.0" encoding="utf-8"?>
 <p:sld xmlns:a="http://schemas.openxmlformats.org/drawingml/2006/main" xmlns:r="http://schemas.openxmlformats.org/officeDocument/2006/relationships" xmlns:p="http://schemas.openxmlformats.org/presentationml/2006/main">
   <p:cSld>
     <p:spTree>
@@ -19565,7 +20565,7 @@
 </p:sld>
 </file>
 
-<file path=ppt/slides/slide25.xml><?xml version="1.0" encoding="utf-8"?>
+<file path=ppt/slides/slide26.xml><?xml version="1.0" encoding="utf-8"?>
 <p:sld xmlns:a="http://schemas.openxmlformats.org/drawingml/2006/main" xmlns:r="http://schemas.openxmlformats.org/officeDocument/2006/relationships" xmlns:p="http://schemas.openxmlformats.org/presentationml/2006/main">
   <p:cSld>
     <p:spTree>
@@ -20129,7 +21129,116 @@
 </p:sld>
 </file>
 
-<file path=ppt/slides/slide26.xml><?xml version="1.0" encoding="utf-8"?>
+<file path=ppt/slides/slide27.xml><?xml version="1.0" encoding="utf-8"?>
+<p:sld xmlns:a="http://schemas.openxmlformats.org/drawingml/2006/main" xmlns:r="http://schemas.openxmlformats.org/officeDocument/2006/relationships" xmlns:p="http://schemas.openxmlformats.org/presentationml/2006/main">
+  <p:cSld>
+    <p:spTree>
+      <p:nvGrpSpPr>
+        <p:cNvPr id="1" name=""/>
+        <p:cNvGrpSpPr/>
+        <p:nvPr/>
+      </p:nvGrpSpPr>
+      <p:grpSpPr>
+        <a:xfrm>
+          <a:off x="0" y="0"/>
+          <a:ext cx="0" cy="0"/>
+          <a:chOff x="0" y="0"/>
+          <a:chExt cx="0" cy="0"/>
+        </a:xfrm>
+      </p:grpSpPr>
+      <p:sp>
+        <p:nvSpPr>
+          <p:cNvPr id="2" name="Title 1"/>
+          <p:cNvSpPr>
+            <a:spLocks noGrp="1"/>
+          </p:cNvSpPr>
+          <p:nvPr>
+            <p:ph type="title"/>
+          </p:nvPr>
+        </p:nvSpPr>
+        <p:spPr/>
+        <p:txBody>
+          <a:bodyPr/>
+          <a:lstStyle/>
+          <a:p>
+            <a:r>
+              <a:rPr lang="ru-RU" dirty="0"/>
+              <a:t>Операторы</a:t>
+            </a:r>
+            <a:r>
+              <a:rPr lang="en-US" dirty="0"/>
+              <a:t>::</a:t>
+            </a:r>
+            <a:r>
+              <a:rPr lang="ru-RU" dirty="0"/>
+              <a:t>Приведение типа</a:t>
+            </a:r>
+            <a:r>
+              <a:rPr lang="en-US" dirty="0"/>
+              <a:t/>
+            </a:r>
+            <a:br>
+              <a:rPr lang="en-US" dirty="0"/>
+            </a:br>
+            <a:r>
+              <a:rPr lang="en-US" dirty="0"/>
+              <a:t>------------------------------------------------------------</a:t>
+            </a:r>
+          </a:p>
+        </p:txBody>
+      </p:sp>
+      <p:sp>
+        <p:nvSpPr>
+          <p:cNvPr id="11" name="Content Placeholder 2"/>
+          <p:cNvSpPr>
+            <a:spLocks noGrp="1"/>
+          </p:cNvSpPr>
+          <p:nvPr>
+            <p:ph idx="1"/>
+          </p:nvPr>
+        </p:nvSpPr>
+        <p:spPr>
+          <a:xfrm>
+            <a:off x="838200" y="1825625"/>
+            <a:ext cx="10515600" cy="4351338"/>
+          </a:xfrm>
+        </p:spPr>
+        <p:txBody>
+          <a:bodyPr anchor="ctr"/>
+          <a:lstStyle/>
+          <a:p>
+            <a:pPr marL="0" indent="0" algn="ctr">
+              <a:buNone/>
+            </a:pPr>
+            <a:r>
+              <a:rPr lang="ru-RU" sz="5400" dirty="0" err="1" smtClean="0"/>
+              <a:t>Демо</a:t>
+            </a:r>
+            <a:endParaRPr lang="en-US" dirty="0"/>
+          </a:p>
+        </p:txBody>
+      </p:sp>
+    </p:spTree>
+    <p:extLst>
+      <p:ext uri="{BB962C8B-B14F-4D97-AF65-F5344CB8AC3E}">
+        <p14:creationId xmlns:p14="http://schemas.microsoft.com/office/powerpoint/2010/main" val="1821058924"/>
+      </p:ext>
+    </p:extLst>
+  </p:cSld>
+  <p:clrMapOvr>
+    <a:masterClrMapping/>
+  </p:clrMapOvr>
+  <p:timing>
+    <p:tnLst>
+      <p:par>
+        <p:cTn id="1" dur="indefinite" restart="never" nodeType="tmRoot"/>
+      </p:par>
+    </p:tnLst>
+  </p:timing>
+</p:sld>
+</file>
+
+<file path=ppt/slides/slide28.xml><?xml version="1.0" encoding="utf-8"?>
 <p:sld xmlns:a="http://schemas.openxmlformats.org/drawingml/2006/main" xmlns:r="http://schemas.openxmlformats.org/officeDocument/2006/relationships" xmlns:p="http://schemas.openxmlformats.org/presentationml/2006/main">
   <p:cSld>
     <p:spTree>
@@ -20165,6 +21274,598 @@
           <a:p>
             <a:r>
               <a:rPr lang="ru-RU" dirty="0" smtClean="0"/>
+              <a:t>Итог</a:t>
+            </a:r>
+            <a:br>
+              <a:rPr lang="ru-RU" dirty="0" smtClean="0"/>
+            </a:br>
+            <a:r>
+              <a:rPr lang="ru-RU" dirty="0" smtClean="0"/>
+              <a:t>------------------------------------------------------------</a:t>
+            </a:r>
+            <a:endParaRPr lang="en-US" dirty="0"/>
+          </a:p>
+        </p:txBody>
+      </p:sp>
+      <p:sp>
+        <p:nvSpPr>
+          <p:cNvPr id="7" name="TextBox 6"/>
+          <p:cNvSpPr txBox="1"/>
+          <p:nvPr/>
+        </p:nvSpPr>
+        <p:spPr>
+          <a:xfrm>
+            <a:off x="2538413" y="2557463"/>
+            <a:ext cx="8558212" cy="2246769"/>
+          </a:xfrm>
+          <a:prstGeom prst="rect">
+            <a:avLst/>
+          </a:prstGeom>
+          <a:noFill/>
+        </p:spPr>
+        <p:txBody>
+          <a:bodyPr wrap="square" rtlCol="0">
+            <a:spAutoFit/>
+          </a:bodyPr>
+          <a:lstStyle/>
+          <a:p>
+            <a:pPr marL="285750" indent="-285750">
+              <a:buFont typeface="Wingdings" charset="2"/>
+              <a:buChar char="§"/>
+            </a:pPr>
+            <a:r>
+              <a:rPr lang="ru-RU" sz="2000" dirty="0" smtClean="0"/>
+              <a:t>В Си есть базовые типы и есть модификаторы</a:t>
+            </a:r>
+          </a:p>
+          <a:p>
+            <a:pPr marL="285750" indent="-285750">
+              <a:buFont typeface="Wingdings" charset="2"/>
+              <a:buChar char="§"/>
+            </a:pPr>
+            <a:r>
+              <a:rPr lang="ru-RU" sz="2000" dirty="0" smtClean="0"/>
+              <a:t>Их диапазон зависит от размера типа в байтах</a:t>
+            </a:r>
+            <a:r>
+              <a:rPr lang="en-US" sz="2000" dirty="0" smtClean="0"/>
+              <a:t>  </a:t>
+            </a:r>
+            <a:endParaRPr lang="ru-RU" sz="2000" dirty="0" smtClean="0"/>
+          </a:p>
+          <a:p>
+            <a:pPr marL="285750" indent="-285750">
+              <a:buFont typeface="Wingdings" charset="2"/>
+              <a:buChar char="§"/>
+            </a:pPr>
+            <a:r>
+              <a:rPr lang="ru-RU" sz="2000" dirty="0"/>
+              <a:t>Т</a:t>
+            </a:r>
+            <a:r>
+              <a:rPr lang="ru-RU" sz="2000" dirty="0" smtClean="0"/>
+              <a:t>очный размер в байтах зависит от платформы</a:t>
+            </a:r>
+          </a:p>
+          <a:p>
+            <a:pPr marL="285750" indent="-285750">
+              <a:buFont typeface="Wingdings" charset="2"/>
+              <a:buChar char="§"/>
+            </a:pPr>
+            <a:r>
+              <a:rPr lang="ru-RU" sz="2000" dirty="0" smtClean="0"/>
+              <a:t>В Си имеются арифметические, логические, битовые операции</a:t>
+            </a:r>
+          </a:p>
+          <a:p>
+            <a:pPr marL="285750" indent="-285750">
+              <a:buFont typeface="Wingdings" charset="2"/>
+              <a:buChar char="§"/>
+            </a:pPr>
+            <a:r>
+              <a:rPr lang="ru-RU" sz="2000" dirty="0" smtClean="0"/>
+              <a:t>В операциях с разными типами переменных происходит неявная </a:t>
+            </a:r>
+            <a:r>
+              <a:rPr lang="ru-RU" sz="2000" dirty="0" err="1" smtClean="0"/>
+              <a:t>прикастовка</a:t>
+            </a:r>
+            <a:r>
+              <a:rPr lang="ru-RU" sz="2000" dirty="0" smtClean="0"/>
+              <a:t> к «старшему».</a:t>
+            </a:r>
+          </a:p>
+          <a:p>
+            <a:pPr marL="285750" indent="-285750">
+              <a:buFont typeface="Wingdings" charset="2"/>
+              <a:buChar char="§"/>
+            </a:pPr>
+            <a:r>
+              <a:rPr lang="ru-RU" sz="2000" dirty="0" smtClean="0"/>
+              <a:t>С помощью конструкции </a:t>
+            </a:r>
+            <a:r>
+              <a:rPr lang="ru-RU" sz="1600" dirty="0" smtClean="0">
+                <a:latin typeface="Lucida Console" charset="0"/>
+                <a:ea typeface="Lucida Console" charset="0"/>
+                <a:cs typeface="Lucida Console" charset="0"/>
+              </a:rPr>
+              <a:t>(</a:t>
+            </a:r>
+            <a:r>
+              <a:rPr lang="en-US" sz="1600" dirty="0" smtClean="0">
+                <a:latin typeface="Lucida Console" charset="0"/>
+                <a:ea typeface="Lucida Console" charset="0"/>
+                <a:cs typeface="Lucida Console" charset="0"/>
+              </a:rPr>
+              <a:t>type</a:t>
+            </a:r>
+            <a:r>
+              <a:rPr lang="ru-RU" sz="1600" dirty="0" smtClean="0">
+                <a:latin typeface="Lucida Console" charset="0"/>
+                <a:ea typeface="Lucida Console" charset="0"/>
+                <a:cs typeface="Lucida Console" charset="0"/>
+              </a:rPr>
+              <a:t>) </a:t>
+            </a:r>
+            <a:r>
+              <a:rPr lang="ru-RU" sz="2000" dirty="0" smtClean="0"/>
+              <a:t>можно явно конвертировать типы</a:t>
+            </a:r>
+          </a:p>
+        </p:txBody>
+      </p:sp>
+    </p:spTree>
+    <p:extLst>
+      <p:ext uri="{BB962C8B-B14F-4D97-AF65-F5344CB8AC3E}">
+        <p14:creationId xmlns:p14="http://schemas.microsoft.com/office/powerpoint/2010/main" val="906110823"/>
+      </p:ext>
+    </p:extLst>
+  </p:cSld>
+  <p:clrMapOvr>
+    <a:masterClrMapping/>
+  </p:clrMapOvr>
+  <p:timing>
+    <p:tnLst>
+      <p:par>
+        <p:cTn id="1" dur="indefinite" restart="never" nodeType="tmRoot">
+          <p:childTnLst>
+            <p:seq concurrent="1" nextAc="seek">
+              <p:cTn id="2" dur="indefinite" nodeType="mainSeq">
+                <p:childTnLst>
+                  <p:par>
+                    <p:cTn id="3" fill="hold">
+                      <p:stCondLst>
+                        <p:cond delay="indefinite"/>
+                        <p:cond evt="onBegin" delay="0">
+                          <p:tn val="2"/>
+                        </p:cond>
+                      </p:stCondLst>
+                      <p:childTnLst>
+                        <p:par>
+                          <p:cTn id="4" fill="hold">
+                            <p:stCondLst>
+                              <p:cond delay="0"/>
+                            </p:stCondLst>
+                            <p:childTnLst>
+                              <p:par>
+                                <p:cTn id="5" presetID="10" presetClass="entr" presetSubtype="0" fill="hold" grpId="0" nodeType="withEffect">
+                                  <p:stCondLst>
+                                    <p:cond delay="0"/>
+                                  </p:stCondLst>
+                                  <p:childTnLst>
+                                    <p:set>
+                                      <p:cBhvr>
+                                        <p:cTn id="6" dur="1" fill="hold">
+                                          <p:stCondLst>
+                                            <p:cond delay="0"/>
+                                          </p:stCondLst>
+                                        </p:cTn>
+                                        <p:tgtEl>
+                                          <p:spTgt spid="7">
+                                            <p:txEl>
+                                              <p:pRg st="0" end="0"/>
+                                            </p:txEl>
+                                          </p:spTgt>
+                                        </p:tgtEl>
+                                        <p:attrNameLst>
+                                          <p:attrName>style.visibility</p:attrName>
+                                        </p:attrNameLst>
+                                      </p:cBhvr>
+                                      <p:to>
+                                        <p:strVal val="visible"/>
+                                      </p:to>
+                                    </p:set>
+                                    <p:animEffect transition="in" filter="fade">
+                                      <p:cBhvr>
+                                        <p:cTn id="7" dur="500"/>
+                                        <p:tgtEl>
+                                          <p:spTgt spid="7">
+                                            <p:txEl>
+                                              <p:pRg st="0" end="0"/>
+                                            </p:txEl>
+                                          </p:spTgt>
+                                        </p:tgtEl>
+                                      </p:cBhvr>
+                                    </p:animEffect>
+                                  </p:childTnLst>
+                                </p:cTn>
+                              </p:par>
+                            </p:childTnLst>
+                          </p:cTn>
+                        </p:par>
+                      </p:childTnLst>
+                    </p:cTn>
+                  </p:par>
+                  <p:par>
+                    <p:cTn id="8" fill="hold">
+                      <p:stCondLst>
+                        <p:cond delay="indefinite"/>
+                      </p:stCondLst>
+                      <p:childTnLst>
+                        <p:par>
+                          <p:cTn id="9" fill="hold">
+                            <p:stCondLst>
+                              <p:cond delay="0"/>
+                            </p:stCondLst>
+                            <p:childTnLst>
+                              <p:par>
+                                <p:cTn id="10" presetID="10" presetClass="entr" presetSubtype="0" fill="hold" grpId="0" nodeType="clickEffect">
+                                  <p:stCondLst>
+                                    <p:cond delay="0"/>
+                                  </p:stCondLst>
+                                  <p:childTnLst>
+                                    <p:set>
+                                      <p:cBhvr>
+                                        <p:cTn id="11" dur="1" fill="hold">
+                                          <p:stCondLst>
+                                            <p:cond delay="0"/>
+                                          </p:stCondLst>
+                                        </p:cTn>
+                                        <p:tgtEl>
+                                          <p:spTgt spid="7">
+                                            <p:txEl>
+                                              <p:pRg st="1" end="1"/>
+                                            </p:txEl>
+                                          </p:spTgt>
+                                        </p:tgtEl>
+                                        <p:attrNameLst>
+                                          <p:attrName>style.visibility</p:attrName>
+                                        </p:attrNameLst>
+                                      </p:cBhvr>
+                                      <p:to>
+                                        <p:strVal val="visible"/>
+                                      </p:to>
+                                    </p:set>
+                                    <p:animEffect transition="in" filter="fade">
+                                      <p:cBhvr>
+                                        <p:cTn id="12" dur="200"/>
+                                        <p:tgtEl>
+                                          <p:spTgt spid="7">
+                                            <p:txEl>
+                                              <p:pRg st="1" end="1"/>
+                                            </p:txEl>
+                                          </p:spTgt>
+                                        </p:tgtEl>
+                                      </p:cBhvr>
+                                    </p:animEffect>
+                                  </p:childTnLst>
+                                </p:cTn>
+                              </p:par>
+                            </p:childTnLst>
+                          </p:cTn>
+                        </p:par>
+                      </p:childTnLst>
+                    </p:cTn>
+                  </p:par>
+                  <p:par>
+                    <p:cTn id="13" fill="hold">
+                      <p:stCondLst>
+                        <p:cond delay="indefinite"/>
+                      </p:stCondLst>
+                      <p:childTnLst>
+                        <p:par>
+                          <p:cTn id="14" fill="hold">
+                            <p:stCondLst>
+                              <p:cond delay="0"/>
+                            </p:stCondLst>
+                            <p:childTnLst>
+                              <p:par>
+                                <p:cTn id="15" presetID="10" presetClass="entr" presetSubtype="0" fill="hold" grpId="0" nodeType="clickEffect">
+                                  <p:stCondLst>
+                                    <p:cond delay="0"/>
+                                  </p:stCondLst>
+                                  <p:childTnLst>
+                                    <p:set>
+                                      <p:cBhvr>
+                                        <p:cTn id="16" dur="1" fill="hold">
+                                          <p:stCondLst>
+                                            <p:cond delay="0"/>
+                                          </p:stCondLst>
+                                        </p:cTn>
+                                        <p:tgtEl>
+                                          <p:spTgt spid="7">
+                                            <p:txEl>
+                                              <p:pRg st="2" end="2"/>
+                                            </p:txEl>
+                                          </p:spTgt>
+                                        </p:tgtEl>
+                                        <p:attrNameLst>
+                                          <p:attrName>style.visibility</p:attrName>
+                                        </p:attrNameLst>
+                                      </p:cBhvr>
+                                      <p:to>
+                                        <p:strVal val="visible"/>
+                                      </p:to>
+                                    </p:set>
+                                    <p:animEffect transition="in" filter="fade">
+                                      <p:cBhvr>
+                                        <p:cTn id="17" dur="200"/>
+                                        <p:tgtEl>
+                                          <p:spTgt spid="7">
+                                            <p:txEl>
+                                              <p:pRg st="2" end="2"/>
+                                            </p:txEl>
+                                          </p:spTgt>
+                                        </p:tgtEl>
+                                      </p:cBhvr>
+                                    </p:animEffect>
+                                  </p:childTnLst>
+                                </p:cTn>
+                              </p:par>
+                            </p:childTnLst>
+                          </p:cTn>
+                        </p:par>
+                      </p:childTnLst>
+                    </p:cTn>
+                  </p:par>
+                  <p:par>
+                    <p:cTn id="18" fill="hold">
+                      <p:stCondLst>
+                        <p:cond delay="indefinite"/>
+                      </p:stCondLst>
+                      <p:childTnLst>
+                        <p:par>
+                          <p:cTn id="19" fill="hold">
+                            <p:stCondLst>
+                              <p:cond delay="0"/>
+                            </p:stCondLst>
+                            <p:childTnLst>
+                              <p:par>
+                                <p:cTn id="20" presetID="10" presetClass="entr" presetSubtype="0" fill="hold" grpId="0" nodeType="clickEffect">
+                                  <p:stCondLst>
+                                    <p:cond delay="0"/>
+                                  </p:stCondLst>
+                                  <p:childTnLst>
+                                    <p:set>
+                                      <p:cBhvr>
+                                        <p:cTn id="21" dur="1" fill="hold">
+                                          <p:stCondLst>
+                                            <p:cond delay="0"/>
+                                          </p:stCondLst>
+                                        </p:cTn>
+                                        <p:tgtEl>
+                                          <p:spTgt spid="7">
+                                            <p:txEl>
+                                              <p:pRg st="3" end="3"/>
+                                            </p:txEl>
+                                          </p:spTgt>
+                                        </p:tgtEl>
+                                        <p:attrNameLst>
+                                          <p:attrName>style.visibility</p:attrName>
+                                        </p:attrNameLst>
+                                      </p:cBhvr>
+                                      <p:to>
+                                        <p:strVal val="visible"/>
+                                      </p:to>
+                                    </p:set>
+                                    <p:animEffect transition="in" filter="fade">
+                                      <p:cBhvr>
+                                        <p:cTn id="22" dur="200"/>
+                                        <p:tgtEl>
+                                          <p:spTgt spid="7">
+                                            <p:txEl>
+                                              <p:pRg st="3" end="3"/>
+                                            </p:txEl>
+                                          </p:spTgt>
+                                        </p:tgtEl>
+                                      </p:cBhvr>
+                                    </p:animEffect>
+                                  </p:childTnLst>
+                                </p:cTn>
+                              </p:par>
+                            </p:childTnLst>
+                          </p:cTn>
+                        </p:par>
+                      </p:childTnLst>
+                    </p:cTn>
+                  </p:par>
+                  <p:par>
+                    <p:cTn id="23" fill="hold">
+                      <p:stCondLst>
+                        <p:cond delay="indefinite"/>
+                      </p:stCondLst>
+                      <p:childTnLst>
+                        <p:par>
+                          <p:cTn id="24" fill="hold">
+                            <p:stCondLst>
+                              <p:cond delay="0"/>
+                            </p:stCondLst>
+                            <p:childTnLst>
+                              <p:par>
+                                <p:cTn id="25" presetID="10" presetClass="entr" presetSubtype="0" fill="hold" grpId="0" nodeType="clickEffect">
+                                  <p:stCondLst>
+                                    <p:cond delay="0"/>
+                                  </p:stCondLst>
+                                  <p:childTnLst>
+                                    <p:set>
+                                      <p:cBhvr>
+                                        <p:cTn id="26" dur="1" fill="hold">
+                                          <p:stCondLst>
+                                            <p:cond delay="0"/>
+                                          </p:stCondLst>
+                                        </p:cTn>
+                                        <p:tgtEl>
+                                          <p:spTgt spid="7">
+                                            <p:txEl>
+                                              <p:pRg st="4" end="4"/>
+                                            </p:txEl>
+                                          </p:spTgt>
+                                        </p:tgtEl>
+                                        <p:attrNameLst>
+                                          <p:attrName>style.visibility</p:attrName>
+                                        </p:attrNameLst>
+                                      </p:cBhvr>
+                                      <p:to>
+                                        <p:strVal val="visible"/>
+                                      </p:to>
+                                    </p:set>
+                                    <p:animEffect transition="in" filter="fade">
+                                      <p:cBhvr>
+                                        <p:cTn id="27" dur="200"/>
+                                        <p:tgtEl>
+                                          <p:spTgt spid="7">
+                                            <p:txEl>
+                                              <p:pRg st="4" end="4"/>
+                                            </p:txEl>
+                                          </p:spTgt>
+                                        </p:tgtEl>
+                                      </p:cBhvr>
+                                    </p:animEffect>
+                                  </p:childTnLst>
+                                </p:cTn>
+                              </p:par>
+                            </p:childTnLst>
+                          </p:cTn>
+                        </p:par>
+                      </p:childTnLst>
+                    </p:cTn>
+                  </p:par>
+                  <p:par>
+                    <p:cTn id="28" fill="hold">
+                      <p:stCondLst>
+                        <p:cond delay="indefinite"/>
+                      </p:stCondLst>
+                      <p:childTnLst>
+                        <p:par>
+                          <p:cTn id="29" fill="hold">
+                            <p:stCondLst>
+                              <p:cond delay="0"/>
+                            </p:stCondLst>
+                            <p:childTnLst>
+                              <p:par>
+                                <p:cTn id="30" presetID="10" presetClass="entr" presetSubtype="0" fill="hold" grpId="0" nodeType="clickEffect">
+                                  <p:stCondLst>
+                                    <p:cond delay="0"/>
+                                  </p:stCondLst>
+                                  <p:childTnLst>
+                                    <p:set>
+                                      <p:cBhvr>
+                                        <p:cTn id="31" dur="1" fill="hold">
+                                          <p:stCondLst>
+                                            <p:cond delay="0"/>
+                                          </p:stCondLst>
+                                        </p:cTn>
+                                        <p:tgtEl>
+                                          <p:spTgt spid="7">
+                                            <p:txEl>
+                                              <p:pRg st="5" end="5"/>
+                                            </p:txEl>
+                                          </p:spTgt>
+                                        </p:tgtEl>
+                                        <p:attrNameLst>
+                                          <p:attrName>style.visibility</p:attrName>
+                                        </p:attrNameLst>
+                                      </p:cBhvr>
+                                      <p:to>
+                                        <p:strVal val="visible"/>
+                                      </p:to>
+                                    </p:set>
+                                    <p:animEffect transition="in" filter="fade">
+                                      <p:cBhvr>
+                                        <p:cTn id="32" dur="200"/>
+                                        <p:tgtEl>
+                                          <p:spTgt spid="7">
+                                            <p:txEl>
+                                              <p:pRg st="5" end="5"/>
+                                            </p:txEl>
+                                          </p:spTgt>
+                                        </p:tgtEl>
+                                      </p:cBhvr>
+                                    </p:animEffect>
+                                  </p:childTnLst>
+                                </p:cTn>
+                              </p:par>
+                            </p:childTnLst>
+                          </p:cTn>
+                        </p:par>
+                      </p:childTnLst>
+                    </p:cTn>
+                  </p:par>
+                </p:childTnLst>
+              </p:cTn>
+              <p:prevCondLst>
+                <p:cond evt="onPrev" delay="0">
+                  <p:tgtEl>
+                    <p:sldTgt/>
+                  </p:tgtEl>
+                </p:cond>
+              </p:prevCondLst>
+              <p:nextCondLst>
+                <p:cond evt="onNext" delay="0">
+                  <p:tgtEl>
+                    <p:sldTgt/>
+                  </p:tgtEl>
+                </p:cond>
+              </p:nextCondLst>
+            </p:seq>
+          </p:childTnLst>
+        </p:cTn>
+      </p:par>
+    </p:tnLst>
+    <p:bldLst>
+      <p:bldP spid="7" grpId="0" build="p"/>
+    </p:bldLst>
+  </p:timing>
+</p:sld>
+</file>
+
+<file path=ppt/slides/slide29.xml><?xml version="1.0" encoding="utf-8"?>
+<p:sld xmlns:a="http://schemas.openxmlformats.org/drawingml/2006/main" xmlns:r="http://schemas.openxmlformats.org/officeDocument/2006/relationships" xmlns:p="http://schemas.openxmlformats.org/presentationml/2006/main">
+  <p:cSld>
+    <p:spTree>
+      <p:nvGrpSpPr>
+        <p:cNvPr id="1" name=""/>
+        <p:cNvGrpSpPr/>
+        <p:nvPr/>
+      </p:nvGrpSpPr>
+      <p:grpSpPr>
+        <a:xfrm>
+          <a:off x="0" y="0"/>
+          <a:ext cx="0" cy="0"/>
+          <a:chOff x="0" y="0"/>
+          <a:chExt cx="0" cy="0"/>
+        </a:xfrm>
+      </p:grpSpPr>
+      <p:sp>
+        <p:nvSpPr>
+          <p:cNvPr id="2" name="Title 1"/>
+          <p:cNvSpPr>
+            <a:spLocks noGrp="1"/>
+          </p:cNvSpPr>
+          <p:nvPr>
+            <p:ph type="title"/>
+          </p:nvPr>
+        </p:nvSpPr>
+        <p:spPr/>
+        <p:txBody>
+          <a:bodyPr>
+            <a:normAutofit/>
+          </a:bodyPr>
+          <a:lstStyle/>
+          <a:p>
+            <a:r>
+              <a:rPr lang="ru-RU" dirty="0" smtClean="0"/>
               <a:t>Задания</a:t>
             </a:r>
             <a:br>
@@ -20360,10 +22061,296 @@
   <p:clrMapOvr>
     <a:masterClrMapping/>
   </p:clrMapOvr>
+  <p:timing>
+    <p:tnLst>
+      <p:par>
+        <p:cTn id="1" dur="indefinite" restart="never" nodeType="tmRoot"/>
+      </p:par>
+    </p:tnLst>
+  </p:timing>
 </p:sld>
 </file>
 
 <file path=ppt/slides/slide3.xml><?xml version="1.0" encoding="utf-8"?>
+<p:sld xmlns:a="http://schemas.openxmlformats.org/drawingml/2006/main" xmlns:r="http://schemas.openxmlformats.org/officeDocument/2006/relationships" xmlns:p="http://schemas.openxmlformats.org/presentationml/2006/main">
+  <p:cSld>
+    <p:spTree>
+      <p:nvGrpSpPr>
+        <p:cNvPr id="1" name=""/>
+        <p:cNvGrpSpPr/>
+        <p:nvPr/>
+      </p:nvGrpSpPr>
+      <p:grpSpPr>
+        <a:xfrm>
+          <a:off x="0" y="0"/>
+          <a:ext cx="0" cy="0"/>
+          <a:chOff x="0" y="0"/>
+          <a:chExt cx="0" cy="0"/>
+        </a:xfrm>
+      </p:grpSpPr>
+      <p:sp>
+        <p:nvSpPr>
+          <p:cNvPr id="2" name="Title 1"/>
+          <p:cNvSpPr>
+            <a:spLocks noGrp="1"/>
+          </p:cNvSpPr>
+          <p:nvPr>
+            <p:ph type="title"/>
+          </p:nvPr>
+        </p:nvSpPr>
+        <p:spPr/>
+        <p:txBody>
+          <a:bodyPr/>
+          <a:lstStyle/>
+          <a:p>
+            <a:r>
+              <a:rPr lang="ru-RU" dirty="0" smtClean="0"/>
+              <a:t>Язык программирования С</a:t>
+            </a:r>
+            <a:r>
+              <a:rPr lang="en-US" dirty="0" smtClean="0"/>
+              <a:t/>
+            </a:r>
+            <a:br>
+              <a:rPr lang="en-US" dirty="0" smtClean="0"/>
+            </a:br>
+            <a:r>
+              <a:rPr lang="en-US" dirty="0" smtClean="0"/>
+              <a:t>------------------------------------------------------</a:t>
+            </a:r>
+            <a:r>
+              <a:rPr lang="ru-RU" dirty="0" smtClean="0"/>
+              <a:t>-</a:t>
+            </a:r>
+            <a:r>
+              <a:rPr lang="en-US" dirty="0" smtClean="0"/>
+              <a:t>-----</a:t>
+            </a:r>
+            <a:endParaRPr lang="en-US" dirty="0"/>
+          </a:p>
+        </p:txBody>
+      </p:sp>
+      <p:pic>
+        <p:nvPicPr>
+          <p:cNvPr id="4" name="Content Placeholder 3"/>
+          <p:cNvPicPr>
+            <a:picLocks noGrp="1" noChangeAspect="1"/>
+          </p:cNvPicPr>
+          <p:nvPr>
+            <p:ph idx="1"/>
+          </p:nvPr>
+        </p:nvPicPr>
+        <p:blipFill>
+          <a:blip r:embed="rId2">
+            <a:duotone>
+              <a:schemeClr val="accent2">
+                <a:shade val="45000"/>
+                <a:satMod val="135000"/>
+              </a:schemeClr>
+              <a:prstClr val="white"/>
+            </a:duotone>
+            <a:extLst>
+              <a:ext uri="{28A0092B-C50C-407E-A947-70E740481C1C}">
+                <a14:useLocalDpi xmlns:a14="http://schemas.microsoft.com/office/drawing/2010/main" val="0"/>
+              </a:ext>
+            </a:extLst>
+          </a:blip>
+          <a:stretch>
+            <a:fillRect/>
+          </a:stretch>
+        </p:blipFill>
+        <p:spPr>
+          <a:xfrm>
+            <a:off x="1720516" y="2059658"/>
+            <a:ext cx="3479476" cy="3699879"/>
+          </a:xfrm>
+        </p:spPr>
+      </p:pic>
+      <p:sp>
+        <p:nvSpPr>
+          <p:cNvPr id="6" name="Rectangle 5"/>
+          <p:cNvSpPr/>
+          <p:nvPr/>
+        </p:nvSpPr>
+        <p:spPr>
+          <a:xfrm>
+            <a:off x="7058525" y="2733121"/>
+            <a:ext cx="4920916" cy="2400657"/>
+          </a:xfrm>
+          <a:prstGeom prst="rect">
+            <a:avLst/>
+          </a:prstGeom>
+        </p:spPr>
+        <p:txBody>
+          <a:bodyPr wrap="square">
+            <a:spAutoFit/>
+          </a:bodyPr>
+          <a:lstStyle/>
+          <a:p>
+            <a:pPr marL="285750" indent="-285750" algn="just">
+              <a:lnSpc>
+                <a:spcPct val="150000"/>
+              </a:lnSpc>
+              <a:buFont typeface="Arial" charset="0"/>
+              <a:buChar char="•"/>
+            </a:pPr>
+            <a:r>
+              <a:rPr lang="en-US" sz="2000" dirty="0" err="1"/>
+              <a:t>компилируемый</a:t>
+            </a:r>
+            <a:r>
+              <a:rPr lang="en-US" sz="2000" dirty="0"/>
+              <a:t> </a:t>
+            </a:r>
+            <a:endParaRPr lang="ru-RU" sz="2000" dirty="0" smtClean="0"/>
+          </a:p>
+          <a:p>
+            <a:pPr marL="285750" indent="-285750" algn="just">
+              <a:lnSpc>
+                <a:spcPct val="150000"/>
+              </a:lnSpc>
+              <a:buFont typeface="Arial" charset="0"/>
+              <a:buChar char="•"/>
+            </a:pPr>
+            <a:r>
+              <a:rPr lang="en-US" sz="2000" dirty="0" err="1" smtClean="0"/>
+              <a:t>статически</a:t>
+            </a:r>
+            <a:r>
+              <a:rPr lang="en-US" sz="2000" dirty="0" smtClean="0"/>
+              <a:t> </a:t>
+            </a:r>
+            <a:r>
+              <a:rPr lang="en-US" sz="2000" dirty="0" err="1"/>
+              <a:t>типизированный</a:t>
+            </a:r>
+            <a:r>
+              <a:rPr lang="en-US" sz="2000" dirty="0"/>
+              <a:t> </a:t>
+            </a:r>
+            <a:endParaRPr lang="ru-RU" sz="2000" dirty="0" smtClean="0"/>
+          </a:p>
+          <a:p>
+            <a:pPr marL="285750" indent="-285750" algn="just">
+              <a:lnSpc>
+                <a:spcPct val="150000"/>
+              </a:lnSpc>
+              <a:buFont typeface="Arial" charset="0"/>
+              <a:buChar char="•"/>
+            </a:pPr>
+            <a:r>
+              <a:rPr lang="en-US" sz="2000" dirty="0" err="1" smtClean="0"/>
+              <a:t>общего</a:t>
+            </a:r>
+            <a:r>
+              <a:rPr lang="en-US" sz="2000" dirty="0" smtClean="0"/>
+              <a:t> </a:t>
+            </a:r>
+            <a:r>
+              <a:rPr lang="en-US" sz="2000" dirty="0" err="1" smtClean="0"/>
+              <a:t>назначения</a:t>
+            </a:r>
+            <a:r>
+              <a:rPr lang="en-US" sz="2000" dirty="0" smtClean="0"/>
+              <a:t> </a:t>
+            </a:r>
+            <a:endParaRPr lang="ru-RU" sz="2000" dirty="0" smtClean="0"/>
+          </a:p>
+          <a:p>
+            <a:pPr marL="285750" indent="-285750" algn="just">
+              <a:lnSpc>
+                <a:spcPct val="150000"/>
+              </a:lnSpc>
+              <a:buFont typeface="Arial" charset="0"/>
+              <a:buChar char="•"/>
+            </a:pPr>
+            <a:r>
+              <a:rPr lang="ru-RU" sz="2000" dirty="0" smtClean="0"/>
+              <a:t>создан </a:t>
+            </a:r>
+            <a:r>
+              <a:rPr lang="en-US" sz="2000" dirty="0" smtClean="0"/>
+              <a:t>1969—197</a:t>
+            </a:r>
+            <a:r>
+              <a:rPr lang="ru-RU" sz="2000" dirty="0" smtClean="0"/>
+              <a:t>3 </a:t>
+            </a:r>
+            <a:r>
+              <a:rPr lang="ru-RU" sz="2000" dirty="0" err="1" smtClean="0"/>
+              <a:t>гг</a:t>
+            </a:r>
+            <a:endParaRPr lang="ru-RU" sz="2000" dirty="0" smtClean="0"/>
+          </a:p>
+          <a:p>
+            <a:pPr marL="285750" indent="-285750" algn="just">
+              <a:lnSpc>
+                <a:spcPct val="150000"/>
+              </a:lnSpc>
+              <a:buFont typeface="Arial" charset="0"/>
+              <a:buChar char="•"/>
+            </a:pPr>
+            <a:r>
+              <a:rPr lang="ru-RU" sz="2000" dirty="0" smtClean="0"/>
+              <a:t>автор </a:t>
+            </a:r>
+            <a:r>
+              <a:rPr lang="en-US" sz="2000" dirty="0"/>
+              <a:t>—</a:t>
+            </a:r>
+            <a:r>
+              <a:rPr lang="ru-RU" sz="2000" dirty="0" smtClean="0"/>
+              <a:t> </a:t>
+            </a:r>
+            <a:r>
+              <a:rPr lang="en-US" sz="2000" dirty="0" err="1" smtClean="0"/>
+              <a:t>Деннис</a:t>
+            </a:r>
+            <a:r>
+              <a:rPr lang="ru-RU" sz="2000" dirty="0" smtClean="0"/>
+              <a:t> </a:t>
+            </a:r>
+            <a:r>
+              <a:rPr lang="en-US" sz="2000" dirty="0" err="1" smtClean="0"/>
+              <a:t>Ритч</a:t>
+            </a:r>
+            <a:r>
+              <a:rPr lang="ru-RU" sz="2000" dirty="0" smtClean="0"/>
+              <a:t>и</a:t>
+            </a:r>
+            <a:endParaRPr lang="en-US" sz="2000" dirty="0"/>
+          </a:p>
+        </p:txBody>
+      </p:sp>
+    </p:spTree>
+    <p:extLst>
+      <p:ext uri="{BB962C8B-B14F-4D97-AF65-F5344CB8AC3E}">
+        <p14:creationId xmlns:p14="http://schemas.microsoft.com/office/powerpoint/2010/main" val="533157475"/>
+      </p:ext>
+    </p:extLst>
+  </p:cSld>
+  <p:clrMapOvr>
+    <a:masterClrMapping/>
+  </p:clrMapOvr>
+  <mc:AlternateContent xmlns:mc="http://schemas.openxmlformats.org/markup-compatibility/2006" xmlns:p14="http://schemas.microsoft.com/office/powerpoint/2010/main">
+    <mc:Choice Requires="p14">
+      <p:transition p14:dur="0"/>
+    </mc:Choice>
+    <mc:Fallback xmlns="">
+      <p:transition/>
+    </mc:Fallback>
+  </mc:AlternateContent>
+  <p:timing>
+    <p:tnLst>
+      <p:par>
+        <p:cTn id="1" dur="indefinite" restart="never" nodeType="tmRoot"/>
+      </p:par>
+    </p:tnLst>
+  </p:timing>
+</p:sld>
+</file>
+
+<file path=ppt/slides/slide4.xml><?xml version="1.0" encoding="utf-8"?>
 <p:sld xmlns:a="http://schemas.openxmlformats.org/drawingml/2006/main" xmlns:r="http://schemas.openxmlformats.org/officeDocument/2006/relationships" xmlns:p="http://schemas.openxmlformats.org/presentationml/2006/main">
   <p:cSld>
     <p:spTree>
@@ -20678,7 +22665,7 @@
 </p:sld>
 </file>
 
-<file path=ppt/slides/slide4.xml><?xml version="1.0" encoding="utf-8"?>
+<file path=ppt/slides/slide5.xml><?xml version="1.0" encoding="utf-8"?>
 <p:sld xmlns:a="http://schemas.openxmlformats.org/drawingml/2006/main" xmlns:r="http://schemas.openxmlformats.org/officeDocument/2006/relationships" xmlns:p="http://schemas.openxmlformats.org/presentationml/2006/main">
   <p:cSld>
     <p:spTree>
@@ -22625,237 +24612,6 @@
 </p:sld>
 </file>
 
-<file path=ppt/slides/slide5.xml><?xml version="1.0" encoding="utf-8"?>
-<p:sld xmlns:a="http://schemas.openxmlformats.org/drawingml/2006/main" xmlns:r="http://schemas.openxmlformats.org/officeDocument/2006/relationships" xmlns:p="http://schemas.openxmlformats.org/presentationml/2006/main">
-  <p:cSld>
-    <p:spTree>
-      <p:nvGrpSpPr>
-        <p:cNvPr id="1" name=""/>
-        <p:cNvGrpSpPr/>
-        <p:nvPr/>
-      </p:nvGrpSpPr>
-      <p:grpSpPr>
-        <a:xfrm>
-          <a:off x="0" y="0"/>
-          <a:ext cx="0" cy="0"/>
-          <a:chOff x="0" y="0"/>
-          <a:chExt cx="0" cy="0"/>
-        </a:xfrm>
-      </p:grpSpPr>
-      <p:sp>
-        <p:nvSpPr>
-          <p:cNvPr id="2" name="Title 1"/>
-          <p:cNvSpPr>
-            <a:spLocks noGrp="1"/>
-          </p:cNvSpPr>
-          <p:nvPr>
-            <p:ph type="title"/>
-          </p:nvPr>
-        </p:nvSpPr>
-        <p:spPr/>
-        <p:txBody>
-          <a:bodyPr>
-            <a:normAutofit/>
-          </a:bodyPr>
-          <a:lstStyle/>
-          <a:p>
-            <a:r>
-              <a:rPr lang="ru-RU" dirty="0" smtClean="0"/>
-              <a:t>Первая программа</a:t>
-            </a:r>
-            <a:br>
-              <a:rPr lang="ru-RU" dirty="0" smtClean="0"/>
-            </a:br>
-            <a:r>
-              <a:rPr lang="en-US" dirty="0" smtClean="0"/>
-              <a:t>---------------------------------------------------------</a:t>
-            </a:r>
-            <a:r>
-              <a:rPr lang="ru-RU" dirty="0" smtClean="0"/>
-              <a:t>-</a:t>
-            </a:r>
-            <a:r>
-              <a:rPr lang="en-US" dirty="0" smtClean="0"/>
-              <a:t>--</a:t>
-            </a:r>
-            <a:endParaRPr lang="en-US" dirty="0"/>
-          </a:p>
-        </p:txBody>
-      </p:sp>
-      <p:sp>
-        <p:nvSpPr>
-          <p:cNvPr id="3" name="Content Placeholder 2"/>
-          <p:cNvSpPr>
-            <a:spLocks noGrp="1"/>
-          </p:cNvSpPr>
-          <p:nvPr>
-            <p:ph idx="1"/>
-          </p:nvPr>
-        </p:nvSpPr>
-        <p:spPr>
-          <a:xfrm>
-            <a:off x="2707105" y="2267787"/>
-            <a:ext cx="6777789" cy="3147177"/>
-          </a:xfrm>
-        </p:spPr>
-        <p:txBody>
-          <a:bodyPr/>
-          <a:lstStyle/>
-          <a:p>
-            <a:pPr marL="0" indent="0">
-              <a:buNone/>
-            </a:pPr>
-            <a:r>
-              <a:rPr lang="en-US" dirty="0" smtClean="0">
-                <a:latin typeface="Lucida Console" charset="0"/>
-                <a:ea typeface="Lucida Console" charset="0"/>
-                <a:cs typeface="Lucida Console" charset="0"/>
-              </a:rPr>
-              <a:t>#include &lt;</a:t>
-            </a:r>
-            <a:r>
-              <a:rPr lang="en-US" dirty="0" err="1" smtClean="0">
-                <a:latin typeface="Lucida Console" charset="0"/>
-                <a:ea typeface="Lucida Console" charset="0"/>
-                <a:cs typeface="Lucida Console" charset="0"/>
-              </a:rPr>
-              <a:t>stdio.h</a:t>
-            </a:r>
-            <a:r>
-              <a:rPr lang="en-US" dirty="0" smtClean="0">
-                <a:latin typeface="Lucida Console" charset="0"/>
-                <a:ea typeface="Lucida Console" charset="0"/>
-                <a:cs typeface="Lucida Console" charset="0"/>
-              </a:rPr>
-              <a:t>&gt;</a:t>
-            </a:r>
-            <a:r>
-              <a:rPr lang="ru-RU" dirty="0" smtClean="0">
-                <a:latin typeface="Lucida Console" charset="0"/>
-                <a:ea typeface="Lucida Console" charset="0"/>
-                <a:cs typeface="Lucida Console" charset="0"/>
-              </a:rPr>
-              <a:t> </a:t>
-            </a:r>
-            <a:endParaRPr lang="en-US" dirty="0" smtClean="0">
-              <a:latin typeface="Lucida Console" charset="0"/>
-              <a:ea typeface="Lucida Console" charset="0"/>
-              <a:cs typeface="Lucida Console" charset="0"/>
-            </a:endParaRPr>
-          </a:p>
-          <a:p>
-            <a:pPr marL="0" indent="0">
-              <a:buNone/>
-            </a:pPr>
-            <a:endParaRPr lang="en-US" dirty="0" smtClean="0">
-              <a:latin typeface="Lucida Console" charset="0"/>
-              <a:ea typeface="Lucida Console" charset="0"/>
-              <a:cs typeface="Lucida Console" charset="0"/>
-            </a:endParaRPr>
-          </a:p>
-          <a:p>
-            <a:pPr marL="0" indent="0">
-              <a:buNone/>
-            </a:pPr>
-            <a:r>
-              <a:rPr lang="en-US" dirty="0" smtClean="0">
-                <a:latin typeface="Lucida Console" charset="0"/>
-                <a:ea typeface="Lucida Console" charset="0"/>
-                <a:cs typeface="Lucida Console" charset="0"/>
-              </a:rPr>
-              <a:t>main()</a:t>
-            </a:r>
-          </a:p>
-          <a:p>
-            <a:pPr marL="0" indent="0">
-              <a:buNone/>
-            </a:pPr>
-            <a:r>
-              <a:rPr lang="en-US" dirty="0" smtClean="0">
-                <a:latin typeface="Lucida Console" charset="0"/>
-                <a:ea typeface="Lucida Console" charset="0"/>
-                <a:cs typeface="Lucida Console" charset="0"/>
-              </a:rPr>
-              <a:t>{</a:t>
-            </a:r>
-          </a:p>
-          <a:p>
-            <a:pPr marL="0" indent="0">
-              <a:buNone/>
-            </a:pPr>
-            <a:r>
-              <a:rPr lang="en-US" dirty="0" smtClean="0">
-                <a:latin typeface="Lucida Console" charset="0"/>
-                <a:ea typeface="Lucida Console" charset="0"/>
-                <a:cs typeface="Lucida Console" charset="0"/>
-              </a:rPr>
-              <a:t>	</a:t>
-            </a:r>
-            <a:r>
-              <a:rPr lang="en-US" dirty="0" err="1" smtClean="0">
-                <a:latin typeface="Lucida Console" charset="0"/>
-                <a:ea typeface="Lucida Console" charset="0"/>
-                <a:cs typeface="Lucida Console" charset="0"/>
-              </a:rPr>
-              <a:t>printf</a:t>
-            </a:r>
-            <a:r>
-              <a:rPr lang="en-US" dirty="0" smtClean="0">
-                <a:latin typeface="Lucida Console" charset="0"/>
-                <a:ea typeface="Lucida Console" charset="0"/>
-                <a:cs typeface="Lucida Console" charset="0"/>
-              </a:rPr>
-              <a:t>(”Hello, World\n”);</a:t>
-            </a:r>
-          </a:p>
-          <a:p>
-            <a:pPr marL="0" indent="0">
-              <a:buNone/>
-            </a:pPr>
-            <a:r>
-              <a:rPr lang="en-US" dirty="0" smtClean="0">
-                <a:latin typeface="Lucida Console" charset="0"/>
-                <a:ea typeface="Lucida Console" charset="0"/>
-                <a:cs typeface="Lucida Console" charset="0"/>
-              </a:rPr>
-              <a:t>}</a:t>
-            </a:r>
-            <a:endParaRPr lang="en-US" dirty="0">
-              <a:latin typeface="Lucida Console" charset="0"/>
-              <a:ea typeface="Lucida Console" charset="0"/>
-              <a:cs typeface="Lucida Console" charset="0"/>
-            </a:endParaRPr>
-          </a:p>
-        </p:txBody>
-      </p:sp>
-    </p:spTree>
-    <p:extLst>
-      <p:ext uri="{BB962C8B-B14F-4D97-AF65-F5344CB8AC3E}">
-        <p14:creationId xmlns:p14="http://schemas.microsoft.com/office/powerpoint/2010/main" val="131850505"/>
-      </p:ext>
-    </p:extLst>
-  </p:cSld>
-  <p:clrMapOvr>
-    <a:masterClrMapping/>
-  </p:clrMapOvr>
-  <mc:AlternateContent xmlns:mc="http://schemas.openxmlformats.org/markup-compatibility/2006" xmlns:p14="http://schemas.microsoft.com/office/powerpoint/2010/main">
-    <mc:Choice Requires="p14">
-      <p:transition p14:dur="0"/>
-    </mc:Choice>
-    <mc:Fallback xmlns="">
-      <p:transition/>
-    </mc:Fallback>
-  </mc:AlternateContent>
-  <p:timing>
-    <p:tnLst>
-      <p:par>
-        <p:cTn id="1" dur="indefinite" restart="never" nodeType="tmRoot"/>
-      </p:par>
-    </p:tnLst>
-  </p:timing>
-</p:sld>
-</file>
-
 <file path=ppt/slides/slide6.xml><?xml version="1.0" encoding="utf-8"?>
 <p:sld xmlns:a="http://schemas.openxmlformats.org/drawingml/2006/main" xmlns:r="http://schemas.openxmlformats.org/officeDocument/2006/relationships" xmlns:p="http://schemas.openxmlformats.org/presentationml/2006/main">
   <p:cSld>
@@ -22898,6 +24654,237 @@
               <a:rPr lang="ru-RU" dirty="0" smtClean="0"/>
             </a:br>
             <a:r>
+              <a:rPr lang="en-US" dirty="0" smtClean="0"/>
+              <a:t>---------------------------------------------------------</a:t>
+            </a:r>
+            <a:r>
+              <a:rPr lang="ru-RU" dirty="0" smtClean="0"/>
+              <a:t>-</a:t>
+            </a:r>
+            <a:r>
+              <a:rPr lang="en-US" dirty="0" smtClean="0"/>
+              <a:t>--</a:t>
+            </a:r>
+            <a:endParaRPr lang="en-US" dirty="0"/>
+          </a:p>
+        </p:txBody>
+      </p:sp>
+      <p:sp>
+        <p:nvSpPr>
+          <p:cNvPr id="3" name="Content Placeholder 2"/>
+          <p:cNvSpPr>
+            <a:spLocks noGrp="1"/>
+          </p:cNvSpPr>
+          <p:nvPr>
+            <p:ph idx="1"/>
+          </p:nvPr>
+        </p:nvSpPr>
+        <p:spPr>
+          <a:xfrm>
+            <a:off x="2707105" y="2267787"/>
+            <a:ext cx="6777789" cy="3147177"/>
+          </a:xfrm>
+        </p:spPr>
+        <p:txBody>
+          <a:bodyPr/>
+          <a:lstStyle/>
+          <a:p>
+            <a:pPr marL="0" indent="0">
+              <a:buNone/>
+            </a:pPr>
+            <a:r>
+              <a:rPr lang="en-US" dirty="0" smtClean="0">
+                <a:latin typeface="Lucida Console" charset="0"/>
+                <a:ea typeface="Lucida Console" charset="0"/>
+                <a:cs typeface="Lucida Console" charset="0"/>
+              </a:rPr>
+              <a:t>#include &lt;</a:t>
+            </a:r>
+            <a:r>
+              <a:rPr lang="en-US" dirty="0" err="1" smtClean="0">
+                <a:latin typeface="Lucida Console" charset="0"/>
+                <a:ea typeface="Lucida Console" charset="0"/>
+                <a:cs typeface="Lucida Console" charset="0"/>
+              </a:rPr>
+              <a:t>stdio.h</a:t>
+            </a:r>
+            <a:r>
+              <a:rPr lang="en-US" dirty="0" smtClean="0">
+                <a:latin typeface="Lucida Console" charset="0"/>
+                <a:ea typeface="Lucida Console" charset="0"/>
+                <a:cs typeface="Lucida Console" charset="0"/>
+              </a:rPr>
+              <a:t>&gt;</a:t>
+            </a:r>
+            <a:r>
+              <a:rPr lang="ru-RU" dirty="0" smtClean="0">
+                <a:latin typeface="Lucida Console" charset="0"/>
+                <a:ea typeface="Lucida Console" charset="0"/>
+                <a:cs typeface="Lucida Console" charset="0"/>
+              </a:rPr>
+              <a:t> </a:t>
+            </a:r>
+            <a:endParaRPr lang="en-US" dirty="0" smtClean="0">
+              <a:latin typeface="Lucida Console" charset="0"/>
+              <a:ea typeface="Lucida Console" charset="0"/>
+              <a:cs typeface="Lucida Console" charset="0"/>
+            </a:endParaRPr>
+          </a:p>
+          <a:p>
+            <a:pPr marL="0" indent="0">
+              <a:buNone/>
+            </a:pPr>
+            <a:endParaRPr lang="en-US" dirty="0" smtClean="0">
+              <a:latin typeface="Lucida Console" charset="0"/>
+              <a:ea typeface="Lucida Console" charset="0"/>
+              <a:cs typeface="Lucida Console" charset="0"/>
+            </a:endParaRPr>
+          </a:p>
+          <a:p>
+            <a:pPr marL="0" indent="0">
+              <a:buNone/>
+            </a:pPr>
+            <a:r>
+              <a:rPr lang="en-US" dirty="0" smtClean="0">
+                <a:latin typeface="Lucida Console" charset="0"/>
+                <a:ea typeface="Lucida Console" charset="0"/>
+                <a:cs typeface="Lucida Console" charset="0"/>
+              </a:rPr>
+              <a:t>main()</a:t>
+            </a:r>
+          </a:p>
+          <a:p>
+            <a:pPr marL="0" indent="0">
+              <a:buNone/>
+            </a:pPr>
+            <a:r>
+              <a:rPr lang="en-US" dirty="0" smtClean="0">
+                <a:latin typeface="Lucida Console" charset="0"/>
+                <a:ea typeface="Lucida Console" charset="0"/>
+                <a:cs typeface="Lucida Console" charset="0"/>
+              </a:rPr>
+              <a:t>{</a:t>
+            </a:r>
+          </a:p>
+          <a:p>
+            <a:pPr marL="0" indent="0">
+              <a:buNone/>
+            </a:pPr>
+            <a:r>
+              <a:rPr lang="en-US" dirty="0" smtClean="0">
+                <a:latin typeface="Lucida Console" charset="0"/>
+                <a:ea typeface="Lucida Console" charset="0"/>
+                <a:cs typeface="Lucida Console" charset="0"/>
+              </a:rPr>
+              <a:t>	</a:t>
+            </a:r>
+            <a:r>
+              <a:rPr lang="en-US" dirty="0" err="1" smtClean="0">
+                <a:latin typeface="Lucida Console" charset="0"/>
+                <a:ea typeface="Lucida Console" charset="0"/>
+                <a:cs typeface="Lucida Console" charset="0"/>
+              </a:rPr>
+              <a:t>printf</a:t>
+            </a:r>
+            <a:r>
+              <a:rPr lang="en-US" dirty="0" smtClean="0">
+                <a:latin typeface="Lucida Console" charset="0"/>
+                <a:ea typeface="Lucida Console" charset="0"/>
+                <a:cs typeface="Lucida Console" charset="0"/>
+              </a:rPr>
+              <a:t>(”Hello, World\n”);</a:t>
+            </a:r>
+          </a:p>
+          <a:p>
+            <a:pPr marL="0" indent="0">
+              <a:buNone/>
+            </a:pPr>
+            <a:r>
+              <a:rPr lang="en-US" dirty="0" smtClean="0">
+                <a:latin typeface="Lucida Console" charset="0"/>
+                <a:ea typeface="Lucida Console" charset="0"/>
+                <a:cs typeface="Lucida Console" charset="0"/>
+              </a:rPr>
+              <a:t>}</a:t>
+            </a:r>
+            <a:endParaRPr lang="en-US" dirty="0">
+              <a:latin typeface="Lucida Console" charset="0"/>
+              <a:ea typeface="Lucida Console" charset="0"/>
+              <a:cs typeface="Lucida Console" charset="0"/>
+            </a:endParaRPr>
+          </a:p>
+        </p:txBody>
+      </p:sp>
+    </p:spTree>
+    <p:extLst>
+      <p:ext uri="{BB962C8B-B14F-4D97-AF65-F5344CB8AC3E}">
+        <p14:creationId xmlns:p14="http://schemas.microsoft.com/office/powerpoint/2010/main" val="131850505"/>
+      </p:ext>
+    </p:extLst>
+  </p:cSld>
+  <p:clrMapOvr>
+    <a:masterClrMapping/>
+  </p:clrMapOvr>
+  <mc:AlternateContent xmlns:mc="http://schemas.openxmlformats.org/markup-compatibility/2006" xmlns:p14="http://schemas.microsoft.com/office/powerpoint/2010/main">
+    <mc:Choice Requires="p14">
+      <p:transition p14:dur="0"/>
+    </mc:Choice>
+    <mc:Fallback xmlns="">
+      <p:transition/>
+    </mc:Fallback>
+  </mc:AlternateContent>
+  <p:timing>
+    <p:tnLst>
+      <p:par>
+        <p:cTn id="1" dur="indefinite" restart="never" nodeType="tmRoot"/>
+      </p:par>
+    </p:tnLst>
+  </p:timing>
+</p:sld>
+</file>
+
+<file path=ppt/slides/slide7.xml><?xml version="1.0" encoding="utf-8"?>
+<p:sld xmlns:a="http://schemas.openxmlformats.org/drawingml/2006/main" xmlns:r="http://schemas.openxmlformats.org/officeDocument/2006/relationships" xmlns:p="http://schemas.openxmlformats.org/presentationml/2006/main">
+  <p:cSld>
+    <p:spTree>
+      <p:nvGrpSpPr>
+        <p:cNvPr id="1" name=""/>
+        <p:cNvGrpSpPr/>
+        <p:nvPr/>
+      </p:nvGrpSpPr>
+      <p:grpSpPr>
+        <a:xfrm>
+          <a:off x="0" y="0"/>
+          <a:ext cx="0" cy="0"/>
+          <a:chOff x="0" y="0"/>
+          <a:chExt cx="0" cy="0"/>
+        </a:xfrm>
+      </p:grpSpPr>
+      <p:sp>
+        <p:nvSpPr>
+          <p:cNvPr id="2" name="Title 1"/>
+          <p:cNvSpPr>
+            <a:spLocks noGrp="1"/>
+          </p:cNvSpPr>
+          <p:nvPr>
+            <p:ph type="title"/>
+          </p:nvPr>
+        </p:nvSpPr>
+        <p:spPr/>
+        <p:txBody>
+          <a:bodyPr>
+            <a:normAutofit/>
+          </a:bodyPr>
+          <a:lstStyle/>
+          <a:p>
+            <a:r>
+              <a:rPr lang="ru-RU" dirty="0" smtClean="0"/>
+              <a:t>Первая программа</a:t>
+            </a:r>
+            <a:br>
+              <a:rPr lang="ru-RU" dirty="0" smtClean="0"/>
+            </a:br>
+            <a:r>
               <a:rPr lang="ru-RU" dirty="0" smtClean="0"/>
               <a:t>------------------------------------------------------------</a:t>
             </a:r>
@@ -23060,7 +25047,7 @@
 </p:sld>
 </file>
 
-<file path=ppt/slides/slide7.xml><?xml version="1.0" encoding="utf-8"?>
+<file path=ppt/slides/slide8.xml><?xml version="1.0" encoding="utf-8"?>
 <p:sld xmlns:a="http://schemas.openxmlformats.org/drawingml/2006/main" xmlns:r="http://schemas.openxmlformats.org/officeDocument/2006/relationships" xmlns:p="http://schemas.openxmlformats.org/presentationml/2006/main">
   <p:cSld>
     <p:spTree>
@@ -23739,7 +25726,7 @@
 </p:sld>
 </file>
 
-<file path=ppt/slides/slide8.xml><?xml version="1.0" encoding="utf-8"?>
+<file path=ppt/slides/slide9.xml><?xml version="1.0" encoding="utf-8"?>
 <p:sld xmlns:a="http://schemas.openxmlformats.org/drawingml/2006/main" xmlns:r="http://schemas.openxmlformats.org/officeDocument/2006/relationships" xmlns:p="http://schemas.openxmlformats.org/presentationml/2006/main">
   <p:cSld>
     <p:spTree>
@@ -24510,860 +26497,6 @@
 </p:sld>
 </file>
 
-<file path=ppt/slides/slide9.xml><?xml version="1.0" encoding="utf-8"?>
-<p:sld xmlns:a="http://schemas.openxmlformats.org/drawingml/2006/main" xmlns:r="http://schemas.openxmlformats.org/officeDocument/2006/relationships" xmlns:p="http://schemas.openxmlformats.org/presentationml/2006/main">
-  <p:cSld>
-    <p:spTree>
-      <p:nvGrpSpPr>
-        <p:cNvPr id="1" name=""/>
-        <p:cNvGrpSpPr/>
-        <p:nvPr/>
-      </p:nvGrpSpPr>
-      <p:grpSpPr>
-        <a:xfrm>
-          <a:off x="0" y="0"/>
-          <a:ext cx="0" cy="0"/>
-          <a:chOff x="0" y="0"/>
-          <a:chExt cx="0" cy="0"/>
-        </a:xfrm>
-      </p:grpSpPr>
-      <p:sp>
-        <p:nvSpPr>
-          <p:cNvPr id="2" name="Title 1"/>
-          <p:cNvSpPr>
-            <a:spLocks noGrp="1"/>
-          </p:cNvSpPr>
-          <p:nvPr>
-            <p:ph type="title"/>
-          </p:nvPr>
-        </p:nvSpPr>
-        <p:spPr/>
-        <p:txBody>
-          <a:bodyPr/>
-          <a:lstStyle/>
-          <a:p>
-            <a:r>
-              <a:rPr lang="ru-RU" dirty="0" smtClean="0"/>
-              <a:t>Типы данных</a:t>
-            </a:r>
-            <a:r>
-              <a:rPr lang="en-US" dirty="0" smtClean="0"/>
-              <a:t>::</a:t>
-            </a:r>
-            <a:r>
-              <a:rPr lang="ru-RU" dirty="0" smtClean="0"/>
-              <a:t>Целые константы</a:t>
-            </a:r>
-            <a:r>
-              <a:rPr lang="en-US" dirty="0" smtClean="0"/>
-              <a:t/>
-            </a:r>
-            <a:br>
-              <a:rPr lang="en-US" dirty="0" smtClean="0"/>
-            </a:br>
-            <a:r>
-              <a:rPr lang="en-US" dirty="0" smtClean="0"/>
-              <a:t>------------------------------------------------------------</a:t>
-            </a:r>
-            <a:endParaRPr lang="en-US" dirty="0"/>
-          </a:p>
-        </p:txBody>
-      </p:sp>
-      <p:graphicFrame>
-        <p:nvGraphicFramePr>
-          <p:cNvPr id="7" name="Table 6"/>
-          <p:cNvGraphicFramePr>
-            <a:graphicFrameLocks noGrp="1"/>
-          </p:cNvGraphicFramePr>
-          <p:nvPr>
-            <p:extLst/>
-          </p:nvPr>
-        </p:nvGraphicFramePr>
-        <p:xfrm>
-          <a:off x="1100890" y="2051160"/>
-          <a:ext cx="9990220" cy="3708400"/>
-        </p:xfrm>
-        <a:graphic>
-          <a:graphicData uri="http://schemas.openxmlformats.org/drawingml/2006/table">
-            <a:tbl>
-              <a:tblPr firstRow="1" bandRow="1">
-                <a:tableStyleId>{5DA37D80-6434-44D0-A028-1B22A696006F}</a:tableStyleId>
-              </a:tblPr>
-              <a:tblGrid>
-                <a:gridCol w="2482515"/>
-                <a:gridCol w="3537907"/>
-                <a:gridCol w="3969798"/>
-              </a:tblGrid>
-              <a:tr h="370840">
-                <a:tc>
-                  <a:txBody>
-                    <a:bodyPr/>
-                    <a:lstStyle/>
-                    <a:p>
-                      <a:pPr algn="ctr"/>
-                      <a:r>
-                        <a:rPr lang="ru-RU" dirty="0" smtClean="0"/>
-                        <a:t>Пример константы</a:t>
-                      </a:r>
-                      <a:endParaRPr lang="en-US" dirty="0"/>
-                    </a:p>
-                  </a:txBody>
-                  <a:tcPr/>
-                </a:tc>
-                <a:tc>
-                  <a:txBody>
-                    <a:bodyPr/>
-                    <a:lstStyle/>
-                    <a:p>
-                      <a:pPr algn="ctr"/>
-                      <a:r>
-                        <a:rPr lang="ru-RU" dirty="0" smtClean="0"/>
-                        <a:t>Типы</a:t>
-                      </a:r>
-                      <a:r>
-                        <a:rPr lang="en-US" dirty="0" smtClean="0"/>
-                        <a:t> </a:t>
-                      </a:r>
-                      <a:r>
-                        <a:rPr lang="ru-RU" dirty="0" err="1" smtClean="0"/>
-                        <a:t>по-умолчанию</a:t>
-                      </a:r>
-                      <a:endParaRPr lang="en-US" dirty="0"/>
-                    </a:p>
-                  </a:txBody>
-                  <a:tcPr/>
-                </a:tc>
-                <a:tc>
-                  <a:txBody>
-                    <a:bodyPr/>
-                    <a:lstStyle/>
-                    <a:p>
-                      <a:pPr algn="ctr"/>
-                      <a:r>
-                        <a:rPr lang="ru-RU" dirty="0" smtClean="0"/>
-                        <a:t>Описание</a:t>
-                      </a:r>
-                      <a:endParaRPr lang="en-US" dirty="0"/>
-                    </a:p>
-                  </a:txBody>
-                  <a:tcPr/>
-                </a:tc>
-              </a:tr>
-              <a:tr h="370840">
-                <a:tc>
-                  <a:txBody>
-                    <a:bodyPr/>
-                    <a:lstStyle/>
-                    <a:p>
-                      <a:pPr algn="ctr"/>
-                      <a:r>
-                        <a:rPr lang="ru-RU" dirty="0" smtClean="0">
-                          <a:latin typeface="Lucida Console" charset="0"/>
-                          <a:ea typeface="Lucida Console" charset="0"/>
-                          <a:cs typeface="Lucida Console" charset="0"/>
-                        </a:rPr>
-                        <a:t>1234567890</a:t>
-                      </a:r>
-                      <a:endParaRPr lang="en-US" dirty="0">
-                        <a:latin typeface="Lucida Console" charset="0"/>
-                        <a:ea typeface="Lucida Console" charset="0"/>
-                        <a:cs typeface="Lucida Console" charset="0"/>
-                      </a:endParaRPr>
-                    </a:p>
-                  </a:txBody>
-                  <a:tcPr/>
-                </a:tc>
-                <a:tc>
-                  <a:txBody>
-                    <a:bodyPr/>
-                    <a:lstStyle/>
-                    <a:p>
-                      <a:pPr algn="ctr"/>
-                      <a:r>
-                        <a:rPr lang="en-US" dirty="0" err="1" smtClean="0">
-                          <a:latin typeface="Lucida Console" charset="0"/>
-                          <a:ea typeface="Lucida Console" charset="0"/>
-                          <a:cs typeface="Lucida Console" charset="0"/>
-                        </a:rPr>
-                        <a:t>int</a:t>
-                      </a:r>
-                      <a:r>
-                        <a:rPr lang="en-US" baseline="0" dirty="0" smtClean="0">
-                          <a:latin typeface="Lucida Console" charset="0"/>
-                          <a:ea typeface="Lucida Console" charset="0"/>
-                          <a:cs typeface="Lucida Console" charset="0"/>
-                        </a:rPr>
-                        <a:t>, long, unsigned long</a:t>
-                      </a:r>
-                      <a:endParaRPr lang="en-US" dirty="0">
-                        <a:latin typeface="Lucida Console" charset="0"/>
-                        <a:ea typeface="Lucida Console" charset="0"/>
-                        <a:cs typeface="Lucida Console" charset="0"/>
-                      </a:endParaRPr>
-                    </a:p>
-                  </a:txBody>
-                  <a:tcPr/>
-                </a:tc>
-                <a:tc>
-                  <a:txBody>
-                    <a:bodyPr/>
-                    <a:lstStyle/>
-                    <a:p>
-                      <a:pPr algn="ctr"/>
-                      <a:r>
-                        <a:rPr lang="ru-RU" dirty="0" smtClean="0"/>
-                        <a:t>Целое</a:t>
-                      </a:r>
-                      <a:r>
-                        <a:rPr lang="ru-RU" baseline="0" dirty="0" smtClean="0"/>
-                        <a:t> десятичное число</a:t>
-                      </a:r>
-                      <a:endParaRPr lang="en-US" dirty="0"/>
-                    </a:p>
-                  </a:txBody>
-                  <a:tcPr/>
-                </a:tc>
-              </a:tr>
-              <a:tr h="370840">
-                <a:tc>
-                  <a:txBody>
-                    <a:bodyPr/>
-                    <a:lstStyle/>
-                    <a:p>
-                      <a:pPr algn="ctr"/>
-                      <a:r>
-                        <a:rPr lang="ru-RU" dirty="0" smtClean="0">
-                          <a:latin typeface="Lucida Console" charset="0"/>
-                          <a:ea typeface="Lucida Console" charset="0"/>
-                          <a:cs typeface="Lucida Console" charset="0"/>
-                        </a:rPr>
-                        <a:t>0</a:t>
-                      </a:r>
-                      <a:r>
-                        <a:rPr lang="en-US" dirty="0" smtClean="0">
-                          <a:latin typeface="Lucida Console" charset="0"/>
-                          <a:ea typeface="Lucida Console" charset="0"/>
-                          <a:cs typeface="Lucida Console" charset="0"/>
-                        </a:rPr>
-                        <a:t>735</a:t>
-                      </a:r>
-                      <a:endParaRPr lang="en-US" dirty="0">
-                        <a:latin typeface="Lucida Console" charset="0"/>
-                        <a:ea typeface="Lucida Console" charset="0"/>
-                        <a:cs typeface="Lucida Console" charset="0"/>
-                      </a:endParaRPr>
-                    </a:p>
-                  </a:txBody>
-                  <a:tcPr/>
-                </a:tc>
-                <a:tc>
-                  <a:txBody>
-                    <a:bodyPr/>
-                    <a:lstStyle/>
-                    <a:p>
-                      <a:pPr algn="ctr"/>
-                      <a:r>
-                        <a:rPr lang="en-US" dirty="0" err="1" smtClean="0">
-                          <a:latin typeface="Lucida Console" charset="0"/>
-                          <a:ea typeface="Lucida Console" charset="0"/>
-                          <a:cs typeface="Lucida Console" charset="0"/>
-                        </a:rPr>
-                        <a:t>int</a:t>
-                      </a:r>
-                      <a:r>
-                        <a:rPr lang="en-US" baseline="0" dirty="0" smtClean="0">
-                          <a:latin typeface="Lucida Console" charset="0"/>
-                          <a:ea typeface="Lucida Console" charset="0"/>
-                          <a:cs typeface="Lucida Console" charset="0"/>
-                        </a:rPr>
-                        <a:t>, long, unsigned long</a:t>
-                      </a:r>
-                      <a:endParaRPr lang="en-US" dirty="0">
-                        <a:latin typeface="Lucida Console" charset="0"/>
-                        <a:ea typeface="Lucida Console" charset="0"/>
-                        <a:cs typeface="Lucida Console" charset="0"/>
-                      </a:endParaRPr>
-                    </a:p>
-                  </a:txBody>
-                  <a:tcPr/>
-                </a:tc>
-                <a:tc>
-                  <a:txBody>
-                    <a:bodyPr/>
-                    <a:lstStyle/>
-                    <a:p>
-                      <a:pPr algn="ctr"/>
-                      <a:r>
-                        <a:rPr lang="ru-RU" dirty="0" smtClean="0"/>
-                        <a:t>Целое</a:t>
-                      </a:r>
-                      <a:r>
-                        <a:rPr lang="ru-RU" baseline="0" dirty="0" smtClean="0"/>
-                        <a:t> восьмеричное число</a:t>
-                      </a:r>
-                      <a:endParaRPr lang="en-US" dirty="0"/>
-                    </a:p>
-                  </a:txBody>
-                  <a:tcPr/>
-                </a:tc>
-              </a:tr>
-              <a:tr h="370840">
-                <a:tc>
-                  <a:txBody>
-                    <a:bodyPr/>
-                    <a:lstStyle/>
-                    <a:p>
-                      <a:pPr algn="ctr"/>
-                      <a:r>
-                        <a:rPr lang="ru-RU" dirty="0" smtClean="0">
-                          <a:latin typeface="Lucida Console" charset="0"/>
-                          <a:ea typeface="Lucida Console" charset="0"/>
-                          <a:cs typeface="Lucida Console" charset="0"/>
-                        </a:rPr>
-                        <a:t>0</a:t>
-                      </a:r>
-                      <a:r>
-                        <a:rPr lang="en-US" dirty="0" smtClean="0">
-                          <a:latin typeface="Lucida Console" charset="0"/>
-                          <a:ea typeface="Lucida Console" charset="0"/>
-                          <a:cs typeface="Lucida Console" charset="0"/>
-                        </a:rPr>
-                        <a:t>xDEDA007</a:t>
-                      </a:r>
-                      <a:endParaRPr lang="en-US" dirty="0">
-                        <a:latin typeface="Lucida Console" charset="0"/>
-                        <a:ea typeface="Lucida Console" charset="0"/>
-                        <a:cs typeface="Lucida Console" charset="0"/>
-                      </a:endParaRPr>
-                    </a:p>
-                  </a:txBody>
-                  <a:tcPr/>
-                </a:tc>
-                <a:tc>
-                  <a:txBody>
-                    <a:bodyPr/>
-                    <a:lstStyle/>
-                    <a:p>
-                      <a:pPr algn="ctr"/>
-                      <a:r>
-                        <a:rPr lang="en-US" dirty="0" err="1" smtClean="0">
-                          <a:latin typeface="Lucida Console" charset="0"/>
-                          <a:ea typeface="Lucida Console" charset="0"/>
-                          <a:cs typeface="Lucida Console" charset="0"/>
-                        </a:rPr>
-                        <a:t>int</a:t>
-                      </a:r>
-                      <a:r>
-                        <a:rPr lang="en-US" baseline="0" dirty="0" smtClean="0">
-                          <a:latin typeface="Lucida Console" charset="0"/>
-                          <a:ea typeface="Lucida Console" charset="0"/>
-                          <a:cs typeface="Lucida Console" charset="0"/>
-                        </a:rPr>
-                        <a:t>, long, unsigned long</a:t>
-                      </a:r>
-                      <a:endParaRPr lang="en-US" dirty="0">
-                        <a:latin typeface="Lucida Console" charset="0"/>
-                        <a:ea typeface="Lucida Console" charset="0"/>
-                        <a:cs typeface="Lucida Console" charset="0"/>
-                      </a:endParaRPr>
-                    </a:p>
-                  </a:txBody>
-                  <a:tcPr/>
-                </a:tc>
-                <a:tc>
-                  <a:txBody>
-                    <a:bodyPr/>
-                    <a:lstStyle/>
-                    <a:p>
-                      <a:pPr algn="ctr"/>
-                      <a:r>
-                        <a:rPr lang="ru-RU" dirty="0" smtClean="0"/>
-                        <a:t>Целое</a:t>
-                      </a:r>
-                      <a:r>
-                        <a:rPr lang="ru-RU" baseline="0" dirty="0" smtClean="0"/>
-                        <a:t> </a:t>
-                      </a:r>
-                      <a:r>
-                        <a:rPr lang="ru-RU" baseline="0" dirty="0" err="1" smtClean="0"/>
-                        <a:t>шестнацатеричные</a:t>
-                      </a:r>
-                      <a:r>
-                        <a:rPr lang="ru-RU" baseline="0" dirty="0" smtClean="0"/>
-                        <a:t> число</a:t>
-                      </a:r>
-                      <a:endParaRPr lang="en-US" dirty="0"/>
-                    </a:p>
-                  </a:txBody>
-                  <a:tcPr/>
-                </a:tc>
-              </a:tr>
-              <a:tr h="370840">
-                <a:tc>
-                  <a:txBody>
-                    <a:bodyPr/>
-                    <a:lstStyle/>
-                    <a:p>
-                      <a:pPr algn="ctr"/>
-                      <a:r>
-                        <a:rPr lang="ru-RU" dirty="0" smtClean="0">
-                          <a:latin typeface="Lucida Console" charset="0"/>
-                          <a:ea typeface="Lucida Console" charset="0"/>
-                          <a:cs typeface="Lucida Console" charset="0"/>
-                        </a:rPr>
-                        <a:t>2016</a:t>
-                      </a:r>
-                      <a:r>
-                        <a:rPr lang="en-US" dirty="0" smtClean="0">
-                          <a:latin typeface="Lucida Console" charset="0"/>
-                          <a:ea typeface="Lucida Console" charset="0"/>
-                          <a:cs typeface="Lucida Console" charset="0"/>
-                        </a:rPr>
-                        <a:t>u</a:t>
-                      </a:r>
-                      <a:endParaRPr lang="en-US" dirty="0">
-                        <a:latin typeface="Lucida Console" charset="0"/>
-                        <a:ea typeface="Lucida Console" charset="0"/>
-                        <a:cs typeface="Lucida Console" charset="0"/>
-                      </a:endParaRPr>
-                    </a:p>
-                  </a:txBody>
-                  <a:tcPr/>
-                </a:tc>
-                <a:tc>
-                  <a:txBody>
-                    <a:bodyPr/>
-                    <a:lstStyle/>
-                    <a:p>
-                      <a:pPr algn="ctr"/>
-                      <a:r>
-                        <a:rPr lang="en-US" dirty="0" smtClean="0">
-                          <a:latin typeface="Lucida Console" charset="0"/>
-                          <a:ea typeface="Lucida Console" charset="0"/>
-                          <a:cs typeface="Lucida Console" charset="0"/>
-                        </a:rPr>
-                        <a:t>unsigned, unsigned</a:t>
-                      </a:r>
-                      <a:r>
-                        <a:rPr lang="en-US" baseline="0" dirty="0" smtClean="0">
-                          <a:latin typeface="Lucida Console" charset="0"/>
-                          <a:ea typeface="Lucida Console" charset="0"/>
-                          <a:cs typeface="Lucida Console" charset="0"/>
-                        </a:rPr>
-                        <a:t> </a:t>
-                      </a:r>
-                      <a:r>
-                        <a:rPr lang="en-US" dirty="0" smtClean="0">
-                          <a:latin typeface="Lucida Console" charset="0"/>
-                          <a:ea typeface="Lucida Console" charset="0"/>
-                          <a:cs typeface="Lucida Console" charset="0"/>
-                        </a:rPr>
-                        <a:t>long</a:t>
-                      </a:r>
-                      <a:endParaRPr lang="en-US" dirty="0">
-                        <a:latin typeface="Lucida Console" charset="0"/>
-                        <a:ea typeface="Lucida Console" charset="0"/>
-                        <a:cs typeface="Lucida Console" charset="0"/>
-                      </a:endParaRPr>
-                    </a:p>
-                  </a:txBody>
-                  <a:tcPr/>
-                </a:tc>
-                <a:tc>
-                  <a:txBody>
-                    <a:bodyPr/>
-                    <a:lstStyle/>
-                    <a:p>
-                      <a:pPr algn="ctr"/>
-                      <a:r>
-                        <a:rPr lang="ru-RU" dirty="0" smtClean="0"/>
-                        <a:t>Целое </a:t>
-                      </a:r>
-                      <a:r>
-                        <a:rPr lang="ru-RU" dirty="0" err="1" smtClean="0"/>
-                        <a:t>десятич</a:t>
-                      </a:r>
-                      <a:r>
-                        <a:rPr lang="ru-RU" dirty="0" smtClean="0"/>
-                        <a:t>. </a:t>
-                      </a:r>
-                      <a:r>
-                        <a:rPr lang="ru-RU" dirty="0" err="1" smtClean="0"/>
-                        <a:t>беззнаковое</a:t>
-                      </a:r>
-                      <a:r>
-                        <a:rPr lang="ru-RU" baseline="0" dirty="0" smtClean="0"/>
-                        <a:t> число</a:t>
-                      </a:r>
-                      <a:endParaRPr lang="en-US" dirty="0"/>
-                    </a:p>
-                  </a:txBody>
-                  <a:tcPr/>
-                </a:tc>
-              </a:tr>
-              <a:tr h="370840">
-                <a:tc>
-                  <a:txBody>
-                    <a:bodyPr/>
-                    <a:lstStyle/>
-                    <a:p>
-                      <a:pPr algn="ctr"/>
-                      <a:r>
-                        <a:rPr lang="en-US" dirty="0" smtClean="0">
-                          <a:latin typeface="Lucida Console" charset="0"/>
-                          <a:ea typeface="Lucida Console" charset="0"/>
-                          <a:cs typeface="Lucida Console" charset="0"/>
-                        </a:rPr>
-                        <a:t>89312929632l</a:t>
-                      </a:r>
-                      <a:endParaRPr lang="en-US" dirty="0">
-                        <a:latin typeface="Lucida Console" charset="0"/>
-                        <a:ea typeface="Lucida Console" charset="0"/>
-                        <a:cs typeface="Lucida Console" charset="0"/>
-                      </a:endParaRPr>
-                    </a:p>
-                  </a:txBody>
-                  <a:tcPr/>
-                </a:tc>
-                <a:tc>
-                  <a:txBody>
-                    <a:bodyPr/>
-                    <a:lstStyle/>
-                    <a:p>
-                      <a:pPr algn="ctr"/>
-                      <a:r>
-                        <a:rPr lang="en-US" baseline="0" dirty="0" smtClean="0">
-                          <a:latin typeface="Lucida Console" charset="0"/>
-                          <a:ea typeface="Lucida Console" charset="0"/>
-                          <a:cs typeface="Lucida Console" charset="0"/>
-                        </a:rPr>
-                        <a:t>long, unsigned long</a:t>
-                      </a:r>
-                      <a:endParaRPr lang="en-US" dirty="0">
-                        <a:latin typeface="Lucida Console" charset="0"/>
-                        <a:ea typeface="Lucida Console" charset="0"/>
-                        <a:cs typeface="Lucida Console" charset="0"/>
-                      </a:endParaRPr>
-                    </a:p>
-                  </a:txBody>
-                  <a:tcPr/>
-                </a:tc>
-                <a:tc>
-                  <a:txBody>
-                    <a:bodyPr/>
-                    <a:lstStyle/>
-                    <a:p>
-                      <a:pPr algn="ctr"/>
-                      <a:r>
-                        <a:rPr lang="ru-RU" dirty="0" smtClean="0"/>
-                        <a:t>Целое</a:t>
-                      </a:r>
-                      <a:r>
-                        <a:rPr lang="ru-RU" baseline="0" dirty="0" smtClean="0"/>
-                        <a:t> десятичное число</a:t>
-                      </a:r>
-                      <a:endParaRPr lang="en-US" dirty="0"/>
-                    </a:p>
-                  </a:txBody>
-                  <a:tcPr/>
-                </a:tc>
-              </a:tr>
-              <a:tr h="370840">
-                <a:tc>
-                  <a:txBody>
-                    <a:bodyPr/>
-                    <a:lstStyle/>
-                    <a:p>
-                      <a:pPr algn="ctr"/>
-                      <a:r>
-                        <a:rPr lang="en-US" dirty="0" smtClean="0">
-                          <a:latin typeface="Lucida Console" charset="0"/>
-                          <a:ea typeface="Lucida Console" charset="0"/>
-                          <a:cs typeface="Lucida Console" charset="0"/>
-                        </a:rPr>
-                        <a:t>3.1415f</a:t>
-                      </a:r>
-                      <a:endParaRPr lang="en-US" dirty="0">
-                        <a:latin typeface="Lucida Console" charset="0"/>
-                        <a:ea typeface="Lucida Console" charset="0"/>
-                        <a:cs typeface="Lucida Console" charset="0"/>
-                      </a:endParaRPr>
-                    </a:p>
-                  </a:txBody>
-                  <a:tcPr/>
-                </a:tc>
-                <a:tc>
-                  <a:txBody>
-                    <a:bodyPr/>
-                    <a:lstStyle/>
-                    <a:p>
-                      <a:pPr algn="ctr"/>
-                      <a:r>
-                        <a:rPr lang="en-US" dirty="0" smtClean="0">
-                          <a:latin typeface="Lucida Console" charset="0"/>
-                          <a:ea typeface="Lucida Console" charset="0"/>
-                          <a:cs typeface="Lucida Console" charset="0"/>
-                        </a:rPr>
-                        <a:t>float</a:t>
-                      </a:r>
-                      <a:endParaRPr lang="en-US" dirty="0">
-                        <a:latin typeface="Lucida Console" charset="0"/>
-                        <a:ea typeface="Lucida Console" charset="0"/>
-                        <a:cs typeface="Lucida Console" charset="0"/>
-                      </a:endParaRPr>
-                    </a:p>
-                  </a:txBody>
-                  <a:tcPr/>
-                </a:tc>
-                <a:tc>
-                  <a:txBody>
-                    <a:bodyPr/>
-                    <a:lstStyle/>
-                    <a:p>
-                      <a:pPr algn="ctr"/>
-                      <a:r>
-                        <a:rPr lang="ru-RU" dirty="0" smtClean="0"/>
-                        <a:t>Вещественное одинарной точности</a:t>
-                      </a:r>
-                      <a:endParaRPr lang="en-US" dirty="0"/>
-                    </a:p>
-                  </a:txBody>
-                  <a:tcPr/>
-                </a:tc>
-              </a:tr>
-              <a:tr h="370840">
-                <a:tc>
-                  <a:txBody>
-                    <a:bodyPr/>
-                    <a:lstStyle/>
-                    <a:p>
-                      <a:pPr algn="ctr"/>
-                      <a:r>
-                        <a:rPr lang="en-US" dirty="0" smtClean="0">
-                          <a:latin typeface="Lucida Console" charset="0"/>
-                          <a:ea typeface="Lucida Console" charset="0"/>
-                          <a:cs typeface="Lucida Console" charset="0"/>
-                        </a:rPr>
-                        <a:t>3.1415</a:t>
-                      </a:r>
-                      <a:endParaRPr lang="en-US" dirty="0">
-                        <a:latin typeface="Lucida Console" charset="0"/>
-                        <a:ea typeface="Lucida Console" charset="0"/>
-                        <a:cs typeface="Lucida Console" charset="0"/>
-                      </a:endParaRPr>
-                    </a:p>
-                  </a:txBody>
-                  <a:tcPr/>
-                </a:tc>
-                <a:tc>
-                  <a:txBody>
-                    <a:bodyPr/>
-                    <a:lstStyle/>
-                    <a:p>
-                      <a:pPr algn="ctr"/>
-                      <a:r>
-                        <a:rPr lang="en-US" dirty="0" smtClean="0">
-                          <a:latin typeface="Lucida Console" charset="0"/>
-                          <a:ea typeface="Lucida Console" charset="0"/>
-                          <a:cs typeface="Lucida Console" charset="0"/>
-                        </a:rPr>
-                        <a:t>double</a:t>
-                      </a:r>
-                      <a:endParaRPr lang="en-US" dirty="0">
-                        <a:latin typeface="Lucida Console" charset="0"/>
-                        <a:ea typeface="Lucida Console" charset="0"/>
-                        <a:cs typeface="Lucida Console" charset="0"/>
-                      </a:endParaRPr>
-                    </a:p>
-                  </a:txBody>
-                  <a:tcPr/>
-                </a:tc>
-                <a:tc>
-                  <a:txBody>
-                    <a:bodyPr/>
-                    <a:lstStyle/>
-                    <a:p>
-                      <a:pPr algn="ctr"/>
-                      <a:r>
-                        <a:rPr lang="ru-RU" dirty="0" smtClean="0"/>
-                        <a:t>Вещественное двойной</a:t>
-                      </a:r>
-                      <a:r>
-                        <a:rPr lang="ru-RU" baseline="0" dirty="0" smtClean="0"/>
-                        <a:t> точности</a:t>
-                      </a:r>
-                      <a:endParaRPr lang="en-US" dirty="0"/>
-                    </a:p>
-                  </a:txBody>
-                  <a:tcPr/>
-                </a:tc>
-              </a:tr>
-              <a:tr h="370840">
-                <a:tc>
-                  <a:txBody>
-                    <a:bodyPr/>
-                    <a:lstStyle/>
-                    <a:p>
-                      <a:pPr algn="ctr"/>
-                      <a:r>
-                        <a:rPr lang="en-US" dirty="0" smtClean="0">
-                          <a:latin typeface="Lucida Console" charset="0"/>
-                          <a:ea typeface="Lucida Console" charset="0"/>
-                          <a:cs typeface="Lucida Console" charset="0"/>
-                        </a:rPr>
-                        <a:t>’s’</a:t>
-                      </a:r>
-                      <a:endParaRPr lang="en-US" dirty="0">
-                        <a:latin typeface="Lucida Console" charset="0"/>
-                        <a:ea typeface="Lucida Console" charset="0"/>
-                        <a:cs typeface="Lucida Console" charset="0"/>
-                      </a:endParaRPr>
-                    </a:p>
-                  </a:txBody>
-                  <a:tcPr/>
-                </a:tc>
-                <a:tc>
-                  <a:txBody>
-                    <a:bodyPr/>
-                    <a:lstStyle/>
-                    <a:p>
-                      <a:pPr algn="ctr"/>
-                      <a:r>
-                        <a:rPr lang="en-US" dirty="0" smtClean="0">
-                          <a:latin typeface="Lucida Console" charset="0"/>
-                          <a:ea typeface="Lucida Console" charset="0"/>
-                          <a:cs typeface="Lucida Console" charset="0"/>
-                        </a:rPr>
-                        <a:t>char</a:t>
-                      </a:r>
-                      <a:endParaRPr lang="en-US" dirty="0">
-                        <a:latin typeface="Lucida Console" charset="0"/>
-                        <a:ea typeface="Lucida Console" charset="0"/>
-                        <a:cs typeface="Lucida Console" charset="0"/>
-                      </a:endParaRPr>
-                    </a:p>
-                  </a:txBody>
-                  <a:tcPr/>
-                </a:tc>
-                <a:tc>
-                  <a:txBody>
-                    <a:bodyPr/>
-                    <a:lstStyle/>
-                    <a:p>
-                      <a:pPr algn="ctr"/>
-                      <a:r>
-                        <a:rPr lang="ru-RU" dirty="0" smtClean="0"/>
-                        <a:t>Символ</a:t>
-                      </a:r>
-                      <a:endParaRPr lang="en-US" dirty="0"/>
-                    </a:p>
-                  </a:txBody>
-                  <a:tcPr/>
-                </a:tc>
-              </a:tr>
-              <a:tr h="370840">
-                <a:tc>
-                  <a:txBody>
-                    <a:bodyPr/>
-                    <a:lstStyle/>
-                    <a:p>
-                      <a:pPr algn="ctr"/>
-                      <a:r>
-                        <a:rPr lang="en-US" dirty="0" smtClean="0">
-                          <a:latin typeface="Lucida Console" charset="0"/>
-                          <a:ea typeface="Lucida Console" charset="0"/>
-                          <a:cs typeface="Lucida Console" charset="0"/>
-                        </a:rPr>
-                        <a:t>’xF9’</a:t>
-                      </a:r>
-                      <a:endParaRPr lang="en-US" dirty="0">
-                        <a:latin typeface="Lucida Console" charset="0"/>
-                        <a:ea typeface="Lucida Console" charset="0"/>
-                        <a:cs typeface="Lucida Console" charset="0"/>
-                      </a:endParaRPr>
-                    </a:p>
-                  </a:txBody>
-                  <a:tcPr/>
-                </a:tc>
-                <a:tc>
-                  <a:txBody>
-                    <a:bodyPr/>
-                    <a:lstStyle/>
-                    <a:p>
-                      <a:pPr algn="ctr"/>
-                      <a:r>
-                        <a:rPr lang="en-US" dirty="0" smtClean="0">
-                          <a:latin typeface="Lucida Console" charset="0"/>
-                          <a:ea typeface="Lucida Console" charset="0"/>
-                          <a:cs typeface="Lucida Console" charset="0"/>
-                        </a:rPr>
-                        <a:t>char</a:t>
-                      </a:r>
-                      <a:endParaRPr lang="en-US" dirty="0">
-                        <a:latin typeface="Lucida Console" charset="0"/>
-                        <a:ea typeface="Lucida Console" charset="0"/>
-                        <a:cs typeface="Lucida Console" charset="0"/>
-                      </a:endParaRPr>
-                    </a:p>
-                  </a:txBody>
-                  <a:tcPr/>
-                </a:tc>
-                <a:tc>
-                  <a:txBody>
-                    <a:bodyPr/>
-                    <a:lstStyle/>
-                    <a:p>
-                      <a:pPr algn="ctr"/>
-                      <a:r>
-                        <a:rPr lang="ru-RU" dirty="0" smtClean="0"/>
-                        <a:t>Символ</a:t>
-                      </a:r>
-                      <a:r>
-                        <a:rPr lang="ru-RU" baseline="0" dirty="0" smtClean="0"/>
-                        <a:t> с кодом </a:t>
-                      </a:r>
-                      <a:r>
-                        <a:rPr lang="en-US" baseline="0" dirty="0" smtClean="0"/>
-                        <a:t>0xF9</a:t>
-                      </a:r>
-                      <a:endParaRPr lang="en-US" dirty="0"/>
-                    </a:p>
-                  </a:txBody>
-                  <a:tcPr/>
-                </a:tc>
-              </a:tr>
-            </a:tbl>
-          </a:graphicData>
-        </a:graphic>
-      </p:graphicFrame>
-    </p:spTree>
-    <p:extLst>
-      <p:ext uri="{BB962C8B-B14F-4D97-AF65-F5344CB8AC3E}">
-        <p14:creationId xmlns:p14="http://schemas.microsoft.com/office/powerpoint/2010/main" val="626523647"/>
-      </p:ext>
-    </p:extLst>
-  </p:cSld>
-  <p:clrMapOvr>
-    <a:masterClrMapping/>
-  </p:clrMapOvr>
-  <mc:AlternateContent xmlns:mc="http://schemas.openxmlformats.org/markup-compatibility/2006" xmlns:p14="http://schemas.microsoft.com/office/powerpoint/2010/main">
-    <mc:Choice Requires="p14">
-      <p:transition p14:dur="0"/>
-    </mc:Choice>
-    <mc:Fallback xmlns="">
-      <p:transition/>
-    </mc:Fallback>
-  </mc:AlternateContent>
-  <p:timing>
-    <p:tnLst>
-      <p:par>
-        <p:cTn id="1" dur="indefinite" restart="never" nodeType="tmRoot"/>
-      </p:par>
-    </p:tnLst>
-  </p:timing>
-</p:sld>
-</file>
-
 <file path=ppt/theme/theme1.xml><?xml version="1.0" encoding="utf-8"?>
 <a:theme xmlns:a="http://schemas.openxmlformats.org/drawingml/2006/main" name="Office Theme">
   <a:themeElements>

--- a/lec1/lec1.pptx
+++ b/lec1/lec1.pptx
@@ -373,7 +373,7 @@
                   <c:v>6.311</c:v>
                 </c:pt>
                 <c:pt idx="3">
-                  <c:v>4.165999999999987</c:v>
+                  <c:v>4.165999999999986</c:v>
                 </c:pt>
                 <c:pt idx="4">
                   <c:v>3.92</c:v>
@@ -399,11 +399,11 @@
         </c:dLbls>
         <c:gapWidth val="100"/>
         <c:overlap val="-24"/>
-        <c:axId val="816000496"/>
-        <c:axId val="900701456"/>
+        <c:axId val="657476528"/>
+        <c:axId val="577663616"/>
       </c:barChart>
       <c:catAx>
-        <c:axId val="816000496"/>
+        <c:axId val="657476528"/>
         <c:scaling>
           <c:orientation val="minMax"/>
         </c:scaling>
@@ -446,7 +446,7 @@
             <a:endParaRPr lang="en-US"/>
           </a:p>
         </c:txPr>
-        <c:crossAx val="900701456"/>
+        <c:crossAx val="577663616"/>
         <c:crosses val="autoZero"/>
         <c:auto val="1"/>
         <c:lblAlgn val="ctr"/>
@@ -454,7 +454,7 @@
         <c:noMultiLvlLbl val="0"/>
       </c:catAx>
       <c:valAx>
-        <c:axId val="900701456"/>
+        <c:axId val="577663616"/>
         <c:scaling>
           <c:orientation val="minMax"/>
         </c:scaling>
@@ -505,7 +505,7 @@
             <a:endParaRPr lang="en-US"/>
           </a:p>
         </c:txPr>
-        <c:crossAx val="816000496"/>
+        <c:crossAx val="657476528"/>
         <c:crosses val="autoZero"/>
         <c:crossBetween val="between"/>
       </c:valAx>
@@ -1157,7 +1157,7 @@
           <a:p>
             <a:fld id="{2DC631C1-44AE-2E4D-A925-044A06DA3E6D}" type="datetimeFigureOut">
               <a:rPr lang="en-US" smtClean="0"/>
-              <a:t>8/25/16</a:t>
+              <a:t>9/24/16</a:t>
             </a:fld>
             <a:endParaRPr lang="en-US"/>
           </a:p>
@@ -1808,7 +1808,7 @@
           <a:p>
             <a:fld id="{35870F1A-7F8A-F14D-819A-8F66C693C7C4}" type="datetimeFigureOut">
               <a:rPr lang="en-US" smtClean="0"/>
-              <a:t>8/25/16</a:t>
+              <a:t>9/24/16</a:t>
             </a:fld>
             <a:endParaRPr lang="en-US"/>
           </a:p>
@@ -1978,7 +1978,7 @@
           <a:p>
             <a:fld id="{35870F1A-7F8A-F14D-819A-8F66C693C7C4}" type="datetimeFigureOut">
               <a:rPr lang="en-US" smtClean="0"/>
-              <a:t>8/25/16</a:t>
+              <a:t>9/24/16</a:t>
             </a:fld>
             <a:endParaRPr lang="en-US"/>
           </a:p>
@@ -2158,7 +2158,7 @@
           <a:p>
             <a:fld id="{35870F1A-7F8A-F14D-819A-8F66C693C7C4}" type="datetimeFigureOut">
               <a:rPr lang="en-US" smtClean="0"/>
-              <a:t>8/25/16</a:t>
+              <a:t>9/24/16</a:t>
             </a:fld>
             <a:endParaRPr lang="en-US"/>
           </a:p>
@@ -2328,7 +2328,7 @@
           <a:p>
             <a:fld id="{35870F1A-7F8A-F14D-819A-8F66C693C7C4}" type="datetimeFigureOut">
               <a:rPr lang="en-US" smtClean="0"/>
-              <a:t>8/25/16</a:t>
+              <a:t>9/24/16</a:t>
             </a:fld>
             <a:endParaRPr lang="en-US"/>
           </a:p>
@@ -2574,7 +2574,7 @@
           <a:p>
             <a:fld id="{35870F1A-7F8A-F14D-819A-8F66C693C7C4}" type="datetimeFigureOut">
               <a:rPr lang="en-US" smtClean="0"/>
-              <a:t>8/25/16</a:t>
+              <a:t>9/24/16</a:t>
             </a:fld>
             <a:endParaRPr lang="en-US"/>
           </a:p>
@@ -2806,7 +2806,7 @@
           <a:p>
             <a:fld id="{35870F1A-7F8A-F14D-819A-8F66C693C7C4}" type="datetimeFigureOut">
               <a:rPr lang="en-US" smtClean="0"/>
-              <a:t>8/25/16</a:t>
+              <a:t>9/24/16</a:t>
             </a:fld>
             <a:endParaRPr lang="en-US"/>
           </a:p>
@@ -3173,7 +3173,7 @@
           <a:p>
             <a:fld id="{35870F1A-7F8A-F14D-819A-8F66C693C7C4}" type="datetimeFigureOut">
               <a:rPr lang="en-US" smtClean="0"/>
-              <a:t>8/25/16</a:t>
+              <a:t>9/24/16</a:t>
             </a:fld>
             <a:endParaRPr lang="en-US"/>
           </a:p>
@@ -3291,7 +3291,7 @@
           <a:p>
             <a:fld id="{35870F1A-7F8A-F14D-819A-8F66C693C7C4}" type="datetimeFigureOut">
               <a:rPr lang="en-US" smtClean="0"/>
-              <a:t>8/25/16</a:t>
+              <a:t>9/24/16</a:t>
             </a:fld>
             <a:endParaRPr lang="en-US"/>
           </a:p>
@@ -3386,7 +3386,7 @@
           <a:p>
             <a:fld id="{35870F1A-7F8A-F14D-819A-8F66C693C7C4}" type="datetimeFigureOut">
               <a:rPr lang="en-US" smtClean="0"/>
-              <a:t>8/25/16</a:t>
+              <a:t>9/24/16</a:t>
             </a:fld>
             <a:endParaRPr lang="en-US"/>
           </a:p>
@@ -3663,7 +3663,7 @@
           <a:p>
             <a:fld id="{35870F1A-7F8A-F14D-819A-8F66C693C7C4}" type="datetimeFigureOut">
               <a:rPr lang="en-US" smtClean="0"/>
-              <a:t>8/25/16</a:t>
+              <a:t>9/24/16</a:t>
             </a:fld>
             <a:endParaRPr lang="en-US"/>
           </a:p>
@@ -3916,7 +3916,7 @@
           <a:p>
             <a:fld id="{35870F1A-7F8A-F14D-819A-8F66C693C7C4}" type="datetimeFigureOut">
               <a:rPr lang="en-US" smtClean="0"/>
-              <a:t>8/25/16</a:t>
+              <a:t>9/24/16</a:t>
             </a:fld>
             <a:endParaRPr lang="en-US"/>
           </a:p>
@@ -4129,7 +4129,7 @@
           <a:p>
             <a:fld id="{35870F1A-7F8A-F14D-819A-8F66C693C7C4}" type="datetimeFigureOut">
               <a:rPr lang="en-US" smtClean="0"/>
-              <a:t>8/25/16</a:t>
+              <a:t>9/24/16</a:t>
             </a:fld>
             <a:endParaRPr lang="en-US"/>
           </a:p>

--- a/lec1/lec1.pptx
+++ b/lec1/lec1.pptx
@@ -5,7 +5,7 @@
     <p:sldMasterId id="2147483648" r:id="rId1"/>
   </p:sldMasterIdLst>
   <p:notesMasterIdLst>
-    <p:notesMasterId r:id="rId31"/>
+    <p:notesMasterId r:id="rId32"/>
   </p:notesMasterIdLst>
   <p:sldIdLst>
     <p:sldId id="287" r:id="rId2"/>
@@ -17,26 +17,27 @@
     <p:sldId id="261" r:id="rId8"/>
     <p:sldId id="262" r:id="rId9"/>
     <p:sldId id="263" r:id="rId10"/>
-    <p:sldId id="264" r:id="rId11"/>
-    <p:sldId id="265" r:id="rId12"/>
-    <p:sldId id="266" r:id="rId13"/>
-    <p:sldId id="267" r:id="rId14"/>
-    <p:sldId id="268" r:id="rId15"/>
-    <p:sldId id="269" r:id="rId16"/>
-    <p:sldId id="270" r:id="rId17"/>
-    <p:sldId id="271" r:id="rId18"/>
-    <p:sldId id="272" r:id="rId19"/>
-    <p:sldId id="273" r:id="rId20"/>
-    <p:sldId id="274" r:id="rId21"/>
-    <p:sldId id="275" r:id="rId22"/>
-    <p:sldId id="276" r:id="rId23"/>
-    <p:sldId id="277" r:id="rId24"/>
-    <p:sldId id="278" r:id="rId25"/>
-    <p:sldId id="279" r:id="rId26"/>
-    <p:sldId id="280" r:id="rId27"/>
-    <p:sldId id="284" r:id="rId28"/>
-    <p:sldId id="288" r:id="rId29"/>
-    <p:sldId id="282" r:id="rId30"/>
+    <p:sldId id="289" r:id="rId11"/>
+    <p:sldId id="264" r:id="rId12"/>
+    <p:sldId id="265" r:id="rId13"/>
+    <p:sldId id="266" r:id="rId14"/>
+    <p:sldId id="267" r:id="rId15"/>
+    <p:sldId id="268" r:id="rId16"/>
+    <p:sldId id="269" r:id="rId17"/>
+    <p:sldId id="270" r:id="rId18"/>
+    <p:sldId id="271" r:id="rId19"/>
+    <p:sldId id="272" r:id="rId20"/>
+    <p:sldId id="273" r:id="rId21"/>
+    <p:sldId id="274" r:id="rId22"/>
+    <p:sldId id="275" r:id="rId23"/>
+    <p:sldId id="276" r:id="rId24"/>
+    <p:sldId id="277" r:id="rId25"/>
+    <p:sldId id="278" r:id="rId26"/>
+    <p:sldId id="279" r:id="rId27"/>
+    <p:sldId id="280" r:id="rId28"/>
+    <p:sldId id="284" r:id="rId29"/>
+    <p:sldId id="288" r:id="rId30"/>
+    <p:sldId id="282" r:id="rId31"/>
   </p:sldIdLst>
   <p:sldSz cx="12192000" cy="6858000"/>
   <p:notesSz cx="6858000" cy="9144000"/>
@@ -373,7 +374,7 @@
                   <c:v>6.311</c:v>
                 </c:pt>
                 <c:pt idx="3">
-                  <c:v>4.165999999999986</c:v>
+                  <c:v>4.165999999999984</c:v>
                 </c:pt>
                 <c:pt idx="4">
                   <c:v>3.92</c:v>
@@ -399,11 +400,11 @@
         </c:dLbls>
         <c:gapWidth val="100"/>
         <c:overlap val="-24"/>
-        <c:axId val="657476528"/>
-        <c:axId val="577663616"/>
+        <c:axId val="327888224"/>
+        <c:axId val="327267168"/>
       </c:barChart>
       <c:catAx>
-        <c:axId val="657476528"/>
+        <c:axId val="327888224"/>
         <c:scaling>
           <c:orientation val="minMax"/>
         </c:scaling>
@@ -446,7 +447,7 @@
             <a:endParaRPr lang="en-US"/>
           </a:p>
         </c:txPr>
-        <c:crossAx val="577663616"/>
+        <c:crossAx val="327267168"/>
         <c:crosses val="autoZero"/>
         <c:auto val="1"/>
         <c:lblAlgn val="ctr"/>
@@ -454,7 +455,7 @@
         <c:noMultiLvlLbl val="0"/>
       </c:catAx>
       <c:valAx>
-        <c:axId val="577663616"/>
+        <c:axId val="327267168"/>
         <c:scaling>
           <c:orientation val="minMax"/>
         </c:scaling>
@@ -505,7 +506,7 @@
             <a:endParaRPr lang="en-US"/>
           </a:p>
         </c:txPr>
-        <c:crossAx val="657476528"/>
+        <c:crossAx val="327888224"/>
         <c:crosses val="autoZero"/>
         <c:crossBetween val="between"/>
       </c:valAx>
@@ -1157,7 +1158,7 @@
           <a:p>
             <a:fld id="{2DC631C1-44AE-2E4D-A925-044A06DA3E6D}" type="datetimeFigureOut">
               <a:rPr lang="en-US" smtClean="0"/>
-              <a:t>9/24/16</a:t>
+              <a:t>10/28/16</a:t>
             </a:fld>
             <a:endParaRPr lang="en-US"/>
           </a:p>
@@ -1553,6 +1554,10 @@
           <a:bodyPr/>
           <a:lstStyle/>
           <a:p>
+            <a:r>
+              <a:rPr lang="ru-RU" dirty="0" smtClean="0"/>
+              <a:t>Для Иры</a:t>
+            </a:r>
             <a:endParaRPr lang="en-US" dirty="0"/>
           </a:p>
         </p:txBody>
@@ -1572,6 +1577,90 @@
           <a:bodyPr/>
           <a:lstStyle/>
           <a:p>
+            <a:fld id="{BE2CF3E6-9635-6F4D-9380-A56C443A49C8}" type="slidenum">
+              <a:rPr lang="en-US" smtClean="0"/>
+              <a:t>6</a:t>
+            </a:fld>
+            <a:endParaRPr lang="en-US"/>
+          </a:p>
+        </p:txBody>
+      </p:sp>
+    </p:spTree>
+    <p:extLst>
+      <p:ext uri="{BB962C8B-B14F-4D97-AF65-F5344CB8AC3E}">
+        <p14:creationId xmlns:p14="http://schemas.microsoft.com/office/powerpoint/2010/main" val="1562251629"/>
+      </p:ext>
+    </p:extLst>
+  </p:cSld>
+  <p:clrMapOvr>
+    <a:masterClrMapping/>
+  </p:clrMapOvr>
+</p:notes>
+</file>
+
+<file path=ppt/notesSlides/notesSlide3.xml><?xml version="1.0" encoding="utf-8"?>
+<p:notes xmlns:a="http://schemas.openxmlformats.org/drawingml/2006/main" xmlns:r="http://schemas.openxmlformats.org/officeDocument/2006/relationships" xmlns:p="http://schemas.openxmlformats.org/presentationml/2006/main">
+  <p:cSld>
+    <p:spTree>
+      <p:nvGrpSpPr>
+        <p:cNvPr id="1" name=""/>
+        <p:cNvGrpSpPr/>
+        <p:nvPr/>
+      </p:nvGrpSpPr>
+      <p:grpSpPr>
+        <a:xfrm>
+          <a:off x="0" y="0"/>
+          <a:ext cx="0" cy="0"/>
+          <a:chOff x="0" y="0"/>
+          <a:chExt cx="0" cy="0"/>
+        </a:xfrm>
+      </p:grpSpPr>
+      <p:sp>
+        <p:nvSpPr>
+          <p:cNvPr id="2" name="Slide Image Placeholder 1"/>
+          <p:cNvSpPr>
+            <a:spLocks noGrp="1" noRot="1" noChangeAspect="1"/>
+          </p:cNvSpPr>
+          <p:nvPr>
+            <p:ph type="sldImg"/>
+          </p:nvPr>
+        </p:nvSpPr>
+        <p:spPr/>
+      </p:sp>
+      <p:sp>
+        <p:nvSpPr>
+          <p:cNvPr id="3" name="Notes Placeholder 2"/>
+          <p:cNvSpPr>
+            <a:spLocks noGrp="1"/>
+          </p:cNvSpPr>
+          <p:nvPr>
+            <p:ph type="body" idx="1"/>
+          </p:nvPr>
+        </p:nvSpPr>
+        <p:spPr/>
+        <p:txBody>
+          <a:bodyPr/>
+          <a:lstStyle/>
+          <a:p>
+            <a:endParaRPr lang="en-US" dirty="0"/>
+          </a:p>
+        </p:txBody>
+      </p:sp>
+      <p:sp>
+        <p:nvSpPr>
+          <p:cNvPr id="4" name="Slide Number Placeholder 3"/>
+          <p:cNvSpPr>
+            <a:spLocks noGrp="1"/>
+          </p:cNvSpPr>
+          <p:nvPr>
+            <p:ph type="sldNum" sz="quarter" idx="10"/>
+          </p:nvPr>
+        </p:nvSpPr>
+        <p:spPr/>
+        <p:txBody>
+          <a:bodyPr/>
+          <a:lstStyle/>
+          <a:p>
             <a:fld id="{359BC295-29C1-7F43-A430-DCB01AEEE727}" type="slidenum">
               <a:rPr lang="en-US" smtClean="0"/>
               <a:t>7</a:t>
@@ -1593,7 +1682,7 @@
 </p:notes>
 </file>
 
-<file path=ppt/notesSlides/notesSlide3.xml><?xml version="1.0" encoding="utf-8"?>
+<file path=ppt/notesSlides/notesSlide4.xml><?xml version="1.0" encoding="utf-8"?>
 <p:notes xmlns:a="http://schemas.openxmlformats.org/drawingml/2006/main" xmlns:r="http://schemas.openxmlformats.org/officeDocument/2006/relationships" xmlns:p="http://schemas.openxmlformats.org/presentationml/2006/main">
   <p:cSld>
     <p:spTree>
@@ -1808,7 +1897,7 @@
           <a:p>
             <a:fld id="{35870F1A-7F8A-F14D-819A-8F66C693C7C4}" type="datetimeFigureOut">
               <a:rPr lang="en-US" smtClean="0"/>
-              <a:t>9/24/16</a:t>
+              <a:t>10/28/16</a:t>
             </a:fld>
             <a:endParaRPr lang="en-US"/>
           </a:p>
@@ -1978,7 +2067,7 @@
           <a:p>
             <a:fld id="{35870F1A-7F8A-F14D-819A-8F66C693C7C4}" type="datetimeFigureOut">
               <a:rPr lang="en-US" smtClean="0"/>
-              <a:t>9/24/16</a:t>
+              <a:t>10/28/16</a:t>
             </a:fld>
             <a:endParaRPr lang="en-US"/>
           </a:p>
@@ -2158,7 +2247,7 @@
           <a:p>
             <a:fld id="{35870F1A-7F8A-F14D-819A-8F66C693C7C4}" type="datetimeFigureOut">
               <a:rPr lang="en-US" smtClean="0"/>
-              <a:t>9/24/16</a:t>
+              <a:t>10/28/16</a:t>
             </a:fld>
             <a:endParaRPr lang="en-US"/>
           </a:p>
@@ -2328,7 +2417,7 @@
           <a:p>
             <a:fld id="{35870F1A-7F8A-F14D-819A-8F66C693C7C4}" type="datetimeFigureOut">
               <a:rPr lang="en-US" smtClean="0"/>
-              <a:t>9/24/16</a:t>
+              <a:t>10/28/16</a:t>
             </a:fld>
             <a:endParaRPr lang="en-US"/>
           </a:p>
@@ -2574,7 +2663,7 @@
           <a:p>
             <a:fld id="{35870F1A-7F8A-F14D-819A-8F66C693C7C4}" type="datetimeFigureOut">
               <a:rPr lang="en-US" smtClean="0"/>
-              <a:t>9/24/16</a:t>
+              <a:t>10/28/16</a:t>
             </a:fld>
             <a:endParaRPr lang="en-US"/>
           </a:p>
@@ -2806,7 +2895,7 @@
           <a:p>
             <a:fld id="{35870F1A-7F8A-F14D-819A-8F66C693C7C4}" type="datetimeFigureOut">
               <a:rPr lang="en-US" smtClean="0"/>
-              <a:t>9/24/16</a:t>
+              <a:t>10/28/16</a:t>
             </a:fld>
             <a:endParaRPr lang="en-US"/>
           </a:p>
@@ -3173,7 +3262,7 @@
           <a:p>
             <a:fld id="{35870F1A-7F8A-F14D-819A-8F66C693C7C4}" type="datetimeFigureOut">
               <a:rPr lang="en-US" smtClean="0"/>
-              <a:t>9/24/16</a:t>
+              <a:t>10/28/16</a:t>
             </a:fld>
             <a:endParaRPr lang="en-US"/>
           </a:p>
@@ -3291,7 +3380,7 @@
           <a:p>
             <a:fld id="{35870F1A-7F8A-F14D-819A-8F66C693C7C4}" type="datetimeFigureOut">
               <a:rPr lang="en-US" smtClean="0"/>
-              <a:t>9/24/16</a:t>
+              <a:t>10/28/16</a:t>
             </a:fld>
             <a:endParaRPr lang="en-US"/>
           </a:p>
@@ -3386,7 +3475,7 @@
           <a:p>
             <a:fld id="{35870F1A-7F8A-F14D-819A-8F66C693C7C4}" type="datetimeFigureOut">
               <a:rPr lang="en-US" smtClean="0"/>
-              <a:t>9/24/16</a:t>
+              <a:t>10/28/16</a:t>
             </a:fld>
             <a:endParaRPr lang="en-US"/>
           </a:p>
@@ -3663,7 +3752,7 @@
           <a:p>
             <a:fld id="{35870F1A-7F8A-F14D-819A-8F66C693C7C4}" type="datetimeFigureOut">
               <a:rPr lang="en-US" smtClean="0"/>
-              <a:t>9/24/16</a:t>
+              <a:t>10/28/16</a:t>
             </a:fld>
             <a:endParaRPr lang="en-US"/>
           </a:p>
@@ -3916,7 +4005,7 @@
           <a:p>
             <a:fld id="{35870F1A-7F8A-F14D-819A-8F66C693C7C4}" type="datetimeFigureOut">
               <a:rPr lang="en-US" smtClean="0"/>
-              <a:t>9/24/16</a:t>
+              <a:t>10/28/16</a:t>
             </a:fld>
             <a:endParaRPr lang="en-US"/>
           </a:p>
@@ -4129,7 +4218,7 @@
           <a:p>
             <a:fld id="{35870F1A-7F8A-F14D-819A-8F66C693C7C4}" type="datetimeFigureOut">
               <a:rPr lang="en-US" smtClean="0"/>
-              <a:t>9/24/16</a:t>
+              <a:t>10/28/16</a:t>
             </a:fld>
             <a:endParaRPr lang="en-US"/>
           </a:p>
@@ -4747,6 +4836,208 @@
 </file>
 
 <file path=ppt/slides/slide10.xml><?xml version="1.0" encoding="utf-8"?>
+<p:sld xmlns:a="http://schemas.openxmlformats.org/drawingml/2006/main" xmlns:r="http://schemas.openxmlformats.org/officeDocument/2006/relationships" xmlns:p="http://schemas.openxmlformats.org/presentationml/2006/main">
+  <p:cSld>
+    <p:spTree>
+      <p:nvGrpSpPr>
+        <p:cNvPr id="1" name=""/>
+        <p:cNvGrpSpPr/>
+        <p:nvPr/>
+      </p:nvGrpSpPr>
+      <p:grpSpPr>
+        <a:xfrm>
+          <a:off x="0" y="0"/>
+          <a:ext cx="0" cy="0"/>
+          <a:chOff x="0" y="0"/>
+          <a:chExt cx="0" cy="0"/>
+        </a:xfrm>
+      </p:grpSpPr>
+      <p:sp>
+        <p:nvSpPr>
+          <p:cNvPr id="2" name="Title 1"/>
+          <p:cNvSpPr>
+            <a:spLocks noGrp="1"/>
+          </p:cNvSpPr>
+          <p:nvPr>
+            <p:ph type="title"/>
+          </p:nvPr>
+        </p:nvSpPr>
+        <p:spPr/>
+        <p:txBody>
+          <a:bodyPr>
+            <a:normAutofit/>
+          </a:bodyPr>
+          <a:lstStyle/>
+          <a:p>
+            <a:r>
+              <a:rPr lang="ru-RU" dirty="0" smtClean="0"/>
+              <a:t>Типы данных</a:t>
+            </a:r>
+            <a:br>
+              <a:rPr lang="ru-RU" dirty="0" smtClean="0"/>
+            </a:br>
+            <a:r>
+              <a:rPr lang="ru-RU" dirty="0" smtClean="0"/>
+              <a:t>------------------------------------------------------------</a:t>
+            </a:r>
+            <a:endParaRPr lang="en-US" dirty="0"/>
+          </a:p>
+        </p:txBody>
+      </p:sp>
+      <p:sp>
+        <p:nvSpPr>
+          <p:cNvPr id="3" name="Content Placeholder 2"/>
+          <p:cNvSpPr>
+            <a:spLocks noGrp="1"/>
+          </p:cNvSpPr>
+          <p:nvPr>
+            <p:ph idx="1"/>
+          </p:nvPr>
+        </p:nvSpPr>
+        <p:spPr/>
+        <p:txBody>
+          <a:bodyPr anchor="ctr"/>
+          <a:lstStyle/>
+          <a:p>
+            <a:pPr marL="0" indent="0" algn="ctr">
+              <a:buNone/>
+            </a:pPr>
+            <a:r>
+              <a:rPr lang="ru-RU" sz="5400" dirty="0" err="1" smtClean="0"/>
+              <a:t>Демо</a:t>
+            </a:r>
+            <a:endParaRPr lang="en-US" dirty="0"/>
+          </a:p>
+        </p:txBody>
+      </p:sp>
+      <p:sp>
+        <p:nvSpPr>
+          <p:cNvPr id="5" name="TextBox 4"/>
+          <p:cNvSpPr txBox="1"/>
+          <p:nvPr/>
+        </p:nvSpPr>
+        <p:spPr>
+          <a:xfrm>
+            <a:off x="5154075" y="6365875"/>
+            <a:ext cx="1968809" cy="430887"/>
+          </a:xfrm>
+          <a:prstGeom prst="rect">
+            <a:avLst/>
+          </a:prstGeom>
+          <a:noFill/>
+        </p:spPr>
+        <p:txBody>
+          <a:bodyPr wrap="none" rtlCol="0">
+            <a:spAutoFit/>
+          </a:bodyPr>
+          <a:lstStyle/>
+          <a:p>
+            <a:r>
+              <a:rPr lang="en-US" sz="1100" dirty="0" smtClean="0">
+                <a:solidFill>
+                  <a:schemeClr val="accent2">
+                    <a:lumMod val="75000"/>
+                  </a:schemeClr>
+                </a:solidFill>
+                <a:latin typeface="Lucida Console" charset="0"/>
+                <a:ea typeface="Lucida Console" charset="0"/>
+                <a:cs typeface="Lucida Console" charset="0"/>
+              </a:rPr>
+              <a:t>Files: </a:t>
+            </a:r>
+            <a:r>
+              <a:rPr lang="en-US" sz="1100" dirty="0" err="1" smtClean="0">
+                <a:solidFill>
+                  <a:schemeClr val="accent2">
+                    <a:lumMod val="75000"/>
+                  </a:schemeClr>
+                </a:solidFill>
+                <a:latin typeface="Lucida Console" charset="0"/>
+                <a:ea typeface="Lucida Console" charset="0"/>
+                <a:cs typeface="Lucida Console" charset="0"/>
+              </a:rPr>
+              <a:t>types.c</a:t>
+            </a:r>
+            <a:endParaRPr lang="en-US" sz="1100" dirty="0" smtClean="0">
+              <a:solidFill>
+                <a:schemeClr val="accent2">
+                  <a:lumMod val="75000"/>
+                </a:schemeClr>
+              </a:solidFill>
+              <a:latin typeface="Lucida Console" charset="0"/>
+              <a:ea typeface="Lucida Console" charset="0"/>
+              <a:cs typeface="Lucida Console" charset="0"/>
+            </a:endParaRPr>
+          </a:p>
+          <a:p>
+            <a:r>
+              <a:rPr lang="en-US" sz="1100" dirty="0" smtClean="0">
+                <a:solidFill>
+                  <a:schemeClr val="accent2">
+                    <a:lumMod val="75000"/>
+                  </a:schemeClr>
+                </a:solidFill>
+                <a:latin typeface="Lucida Console" charset="0"/>
+                <a:ea typeface="Lucida Console" charset="0"/>
+                <a:cs typeface="Lucida Console" charset="0"/>
+              </a:rPr>
+              <a:t>       </a:t>
+            </a:r>
+            <a:r>
+              <a:rPr lang="en-US" sz="1100" dirty="0" err="1" smtClean="0">
+                <a:solidFill>
+                  <a:schemeClr val="accent2">
+                    <a:lumMod val="75000"/>
+                  </a:schemeClr>
+                </a:solidFill>
+                <a:latin typeface="Lucida Console" charset="0"/>
+                <a:ea typeface="Lucida Console" charset="0"/>
+                <a:cs typeface="Lucida Console" charset="0"/>
+              </a:rPr>
+              <a:t>sizeof_types.c</a:t>
+            </a:r>
+            <a:endParaRPr lang="en-US" sz="1100" dirty="0">
+              <a:solidFill>
+                <a:schemeClr val="accent2">
+                  <a:lumMod val="75000"/>
+                </a:schemeClr>
+              </a:solidFill>
+              <a:latin typeface="Lucida Console" charset="0"/>
+              <a:ea typeface="Lucida Console" charset="0"/>
+              <a:cs typeface="Lucida Console" charset="0"/>
+            </a:endParaRPr>
+          </a:p>
+        </p:txBody>
+      </p:sp>
+    </p:spTree>
+    <p:extLst>
+      <p:ext uri="{BB962C8B-B14F-4D97-AF65-F5344CB8AC3E}">
+        <p14:creationId xmlns:p14="http://schemas.microsoft.com/office/powerpoint/2010/main" val="1602021397"/>
+      </p:ext>
+    </p:extLst>
+  </p:cSld>
+  <p:clrMapOvr>
+    <a:masterClrMapping/>
+  </p:clrMapOvr>
+  <mc:AlternateContent xmlns:mc="http://schemas.openxmlformats.org/markup-compatibility/2006" xmlns:p14="http://schemas.microsoft.com/office/powerpoint/2010/main">
+    <mc:Choice Requires="p14">
+      <p:transition p14:dur="0"/>
+    </mc:Choice>
+    <mc:Fallback xmlns="">
+      <p:transition/>
+    </mc:Fallback>
+  </mc:AlternateContent>
+  <p:timing>
+    <p:tnLst>
+      <p:par>
+        <p:cTn id="1" dur="indefinite" restart="never" nodeType="tmRoot"/>
+      </p:par>
+    </p:tnLst>
+  </p:timing>
+</p:sld>
+</file>
+
+<file path=ppt/slides/slide11.xml><?xml version="1.0" encoding="utf-8"?>
 <p:sld xmlns:a="http://schemas.openxmlformats.org/drawingml/2006/main" xmlns:r="http://schemas.openxmlformats.org/officeDocument/2006/relationships" xmlns:p="http://schemas.openxmlformats.org/presentationml/2006/main">
   <p:cSld>
     <p:spTree>
@@ -5600,7 +5891,7 @@
 </p:sld>
 </file>
 
-<file path=ppt/slides/slide11.xml><?xml version="1.0" encoding="utf-8"?>
+<file path=ppt/slides/slide12.xml><?xml version="1.0" encoding="utf-8"?>
 <p:sld xmlns:a="http://schemas.openxmlformats.org/drawingml/2006/main" xmlns:r="http://schemas.openxmlformats.org/officeDocument/2006/relationships" xmlns:p="http://schemas.openxmlformats.org/presentationml/2006/main">
   <p:cSld>
     <p:spTree>
@@ -6028,208 +6319,6 @@
 </p:sld>
 </file>
 
-<file path=ppt/slides/slide12.xml><?xml version="1.0" encoding="utf-8"?>
-<p:sld xmlns:a="http://schemas.openxmlformats.org/drawingml/2006/main" xmlns:r="http://schemas.openxmlformats.org/officeDocument/2006/relationships" xmlns:p="http://schemas.openxmlformats.org/presentationml/2006/main">
-  <p:cSld>
-    <p:spTree>
-      <p:nvGrpSpPr>
-        <p:cNvPr id="1" name=""/>
-        <p:cNvGrpSpPr/>
-        <p:nvPr/>
-      </p:nvGrpSpPr>
-      <p:grpSpPr>
-        <a:xfrm>
-          <a:off x="0" y="0"/>
-          <a:ext cx="0" cy="0"/>
-          <a:chOff x="0" y="0"/>
-          <a:chExt cx="0" cy="0"/>
-        </a:xfrm>
-      </p:grpSpPr>
-      <p:sp>
-        <p:nvSpPr>
-          <p:cNvPr id="2" name="Title 1"/>
-          <p:cNvSpPr>
-            <a:spLocks noGrp="1"/>
-          </p:cNvSpPr>
-          <p:nvPr>
-            <p:ph type="title"/>
-          </p:nvPr>
-        </p:nvSpPr>
-        <p:spPr/>
-        <p:txBody>
-          <a:bodyPr>
-            <a:normAutofit/>
-          </a:bodyPr>
-          <a:lstStyle/>
-          <a:p>
-            <a:r>
-              <a:rPr lang="ru-RU" dirty="0" smtClean="0"/>
-              <a:t>Типы данных</a:t>
-            </a:r>
-            <a:br>
-              <a:rPr lang="ru-RU" dirty="0" smtClean="0"/>
-            </a:br>
-            <a:r>
-              <a:rPr lang="ru-RU" dirty="0" smtClean="0"/>
-              <a:t>------------------------------------------------------------</a:t>
-            </a:r>
-            <a:endParaRPr lang="en-US" dirty="0"/>
-          </a:p>
-        </p:txBody>
-      </p:sp>
-      <p:sp>
-        <p:nvSpPr>
-          <p:cNvPr id="3" name="Content Placeholder 2"/>
-          <p:cNvSpPr>
-            <a:spLocks noGrp="1"/>
-          </p:cNvSpPr>
-          <p:nvPr>
-            <p:ph idx="1"/>
-          </p:nvPr>
-        </p:nvSpPr>
-        <p:spPr/>
-        <p:txBody>
-          <a:bodyPr anchor="ctr"/>
-          <a:lstStyle/>
-          <a:p>
-            <a:pPr marL="0" indent="0" algn="ctr">
-              <a:buNone/>
-            </a:pPr>
-            <a:r>
-              <a:rPr lang="ru-RU" sz="5400" dirty="0" err="1" smtClean="0"/>
-              <a:t>Демо</a:t>
-            </a:r>
-            <a:endParaRPr lang="en-US" dirty="0"/>
-          </a:p>
-        </p:txBody>
-      </p:sp>
-      <p:sp>
-        <p:nvSpPr>
-          <p:cNvPr id="5" name="TextBox 4"/>
-          <p:cNvSpPr txBox="1"/>
-          <p:nvPr/>
-        </p:nvSpPr>
-        <p:spPr>
-          <a:xfrm>
-            <a:off x="5154075" y="6365875"/>
-            <a:ext cx="1968809" cy="430887"/>
-          </a:xfrm>
-          <a:prstGeom prst="rect">
-            <a:avLst/>
-          </a:prstGeom>
-          <a:noFill/>
-        </p:spPr>
-        <p:txBody>
-          <a:bodyPr wrap="none" rtlCol="0">
-            <a:spAutoFit/>
-          </a:bodyPr>
-          <a:lstStyle/>
-          <a:p>
-            <a:r>
-              <a:rPr lang="en-US" sz="1100" dirty="0" smtClean="0">
-                <a:solidFill>
-                  <a:schemeClr val="accent2">
-                    <a:lumMod val="75000"/>
-                  </a:schemeClr>
-                </a:solidFill>
-                <a:latin typeface="Lucida Console" charset="0"/>
-                <a:ea typeface="Lucida Console" charset="0"/>
-                <a:cs typeface="Lucida Console" charset="0"/>
-              </a:rPr>
-              <a:t>Files: </a:t>
-            </a:r>
-            <a:r>
-              <a:rPr lang="en-US" sz="1100" dirty="0" err="1" smtClean="0">
-                <a:solidFill>
-                  <a:schemeClr val="accent2">
-                    <a:lumMod val="75000"/>
-                  </a:schemeClr>
-                </a:solidFill>
-                <a:latin typeface="Lucida Console" charset="0"/>
-                <a:ea typeface="Lucida Console" charset="0"/>
-                <a:cs typeface="Lucida Console" charset="0"/>
-              </a:rPr>
-              <a:t>types.c</a:t>
-            </a:r>
-            <a:endParaRPr lang="en-US" sz="1100" dirty="0" smtClean="0">
-              <a:solidFill>
-                <a:schemeClr val="accent2">
-                  <a:lumMod val="75000"/>
-                </a:schemeClr>
-              </a:solidFill>
-              <a:latin typeface="Lucida Console" charset="0"/>
-              <a:ea typeface="Lucida Console" charset="0"/>
-              <a:cs typeface="Lucida Console" charset="0"/>
-            </a:endParaRPr>
-          </a:p>
-          <a:p>
-            <a:r>
-              <a:rPr lang="en-US" sz="1100" dirty="0" smtClean="0">
-                <a:solidFill>
-                  <a:schemeClr val="accent2">
-                    <a:lumMod val="75000"/>
-                  </a:schemeClr>
-                </a:solidFill>
-                <a:latin typeface="Lucida Console" charset="0"/>
-                <a:ea typeface="Lucida Console" charset="0"/>
-                <a:cs typeface="Lucida Console" charset="0"/>
-              </a:rPr>
-              <a:t>       </a:t>
-            </a:r>
-            <a:r>
-              <a:rPr lang="en-US" sz="1100" dirty="0" err="1" smtClean="0">
-                <a:solidFill>
-                  <a:schemeClr val="accent2">
-                    <a:lumMod val="75000"/>
-                  </a:schemeClr>
-                </a:solidFill>
-                <a:latin typeface="Lucida Console" charset="0"/>
-                <a:ea typeface="Lucida Console" charset="0"/>
-                <a:cs typeface="Lucida Console" charset="0"/>
-              </a:rPr>
-              <a:t>sizeof_types.c</a:t>
-            </a:r>
-            <a:endParaRPr lang="en-US" sz="1100" dirty="0">
-              <a:solidFill>
-                <a:schemeClr val="accent2">
-                  <a:lumMod val="75000"/>
-                </a:schemeClr>
-              </a:solidFill>
-              <a:latin typeface="Lucida Console" charset="0"/>
-              <a:ea typeface="Lucida Console" charset="0"/>
-              <a:cs typeface="Lucida Console" charset="0"/>
-            </a:endParaRPr>
-          </a:p>
-        </p:txBody>
-      </p:sp>
-    </p:spTree>
-    <p:extLst>
-      <p:ext uri="{BB962C8B-B14F-4D97-AF65-F5344CB8AC3E}">
-        <p14:creationId xmlns:p14="http://schemas.microsoft.com/office/powerpoint/2010/main" val="1601528605"/>
-      </p:ext>
-    </p:extLst>
-  </p:cSld>
-  <p:clrMapOvr>
-    <a:masterClrMapping/>
-  </p:clrMapOvr>
-  <mc:AlternateContent xmlns:mc="http://schemas.openxmlformats.org/markup-compatibility/2006" xmlns:p14="http://schemas.microsoft.com/office/powerpoint/2010/main">
-    <mc:Choice Requires="p14">
-      <p:transition p14:dur="0"/>
-    </mc:Choice>
-    <mc:Fallback xmlns="">
-      <p:transition/>
-    </mc:Fallback>
-  </mc:AlternateContent>
-  <p:timing>
-    <p:tnLst>
-      <p:par>
-        <p:cTn id="1" dur="indefinite" restart="never" nodeType="tmRoot"/>
-      </p:par>
-    </p:tnLst>
-  </p:timing>
-</p:sld>
-</file>
-
 <file path=ppt/slides/slide13.xml><?xml version="1.0" encoding="utf-8"?>
 <p:sld xmlns:a="http://schemas.openxmlformats.org/drawingml/2006/main" xmlns:r="http://schemas.openxmlformats.org/officeDocument/2006/relationships" xmlns:p="http://schemas.openxmlformats.org/presentationml/2006/main">
   <p:cSld>
@@ -6268,6 +6357,208 @@
               <a:rPr lang="ru-RU" dirty="0" smtClean="0"/>
               <a:t>Типы данных</a:t>
             </a:r>
+            <a:br>
+              <a:rPr lang="ru-RU" dirty="0" smtClean="0"/>
+            </a:br>
+            <a:r>
+              <a:rPr lang="ru-RU" dirty="0" smtClean="0"/>
+              <a:t>------------------------------------------------------------</a:t>
+            </a:r>
+            <a:endParaRPr lang="en-US" dirty="0"/>
+          </a:p>
+        </p:txBody>
+      </p:sp>
+      <p:sp>
+        <p:nvSpPr>
+          <p:cNvPr id="3" name="Content Placeholder 2"/>
+          <p:cNvSpPr>
+            <a:spLocks noGrp="1"/>
+          </p:cNvSpPr>
+          <p:nvPr>
+            <p:ph idx="1"/>
+          </p:nvPr>
+        </p:nvSpPr>
+        <p:spPr/>
+        <p:txBody>
+          <a:bodyPr anchor="ctr"/>
+          <a:lstStyle/>
+          <a:p>
+            <a:pPr marL="0" indent="0" algn="ctr">
+              <a:buNone/>
+            </a:pPr>
+            <a:r>
+              <a:rPr lang="ru-RU" sz="5400" dirty="0" err="1" smtClean="0"/>
+              <a:t>Демо</a:t>
+            </a:r>
+            <a:endParaRPr lang="en-US" dirty="0"/>
+          </a:p>
+        </p:txBody>
+      </p:sp>
+      <p:sp>
+        <p:nvSpPr>
+          <p:cNvPr id="5" name="TextBox 4"/>
+          <p:cNvSpPr txBox="1"/>
+          <p:nvPr/>
+        </p:nvSpPr>
+        <p:spPr>
+          <a:xfrm>
+            <a:off x="5154075" y="6365875"/>
+            <a:ext cx="1968809" cy="430887"/>
+          </a:xfrm>
+          <a:prstGeom prst="rect">
+            <a:avLst/>
+          </a:prstGeom>
+          <a:noFill/>
+        </p:spPr>
+        <p:txBody>
+          <a:bodyPr wrap="none" rtlCol="0">
+            <a:spAutoFit/>
+          </a:bodyPr>
+          <a:lstStyle/>
+          <a:p>
+            <a:r>
+              <a:rPr lang="en-US" sz="1100" dirty="0" smtClean="0">
+                <a:solidFill>
+                  <a:schemeClr val="accent2">
+                    <a:lumMod val="75000"/>
+                  </a:schemeClr>
+                </a:solidFill>
+                <a:latin typeface="Lucida Console" charset="0"/>
+                <a:ea typeface="Lucida Console" charset="0"/>
+                <a:cs typeface="Lucida Console" charset="0"/>
+              </a:rPr>
+              <a:t>Files: </a:t>
+            </a:r>
+            <a:r>
+              <a:rPr lang="en-US" sz="1100" dirty="0" err="1" smtClean="0">
+                <a:solidFill>
+                  <a:schemeClr val="accent2">
+                    <a:lumMod val="75000"/>
+                  </a:schemeClr>
+                </a:solidFill>
+                <a:latin typeface="Lucida Console" charset="0"/>
+                <a:ea typeface="Lucida Console" charset="0"/>
+                <a:cs typeface="Lucida Console" charset="0"/>
+              </a:rPr>
+              <a:t>types.c</a:t>
+            </a:r>
+            <a:endParaRPr lang="en-US" sz="1100" dirty="0" smtClean="0">
+              <a:solidFill>
+                <a:schemeClr val="accent2">
+                  <a:lumMod val="75000"/>
+                </a:schemeClr>
+              </a:solidFill>
+              <a:latin typeface="Lucida Console" charset="0"/>
+              <a:ea typeface="Lucida Console" charset="0"/>
+              <a:cs typeface="Lucida Console" charset="0"/>
+            </a:endParaRPr>
+          </a:p>
+          <a:p>
+            <a:r>
+              <a:rPr lang="en-US" sz="1100" dirty="0" smtClean="0">
+                <a:solidFill>
+                  <a:schemeClr val="accent2">
+                    <a:lumMod val="75000"/>
+                  </a:schemeClr>
+                </a:solidFill>
+                <a:latin typeface="Lucida Console" charset="0"/>
+                <a:ea typeface="Lucida Console" charset="0"/>
+                <a:cs typeface="Lucida Console" charset="0"/>
+              </a:rPr>
+              <a:t>       </a:t>
+            </a:r>
+            <a:r>
+              <a:rPr lang="en-US" sz="1100" dirty="0" err="1" smtClean="0">
+                <a:solidFill>
+                  <a:schemeClr val="accent2">
+                    <a:lumMod val="75000"/>
+                  </a:schemeClr>
+                </a:solidFill>
+                <a:latin typeface="Lucida Console" charset="0"/>
+                <a:ea typeface="Lucida Console" charset="0"/>
+                <a:cs typeface="Lucida Console" charset="0"/>
+              </a:rPr>
+              <a:t>sizeof_types.c</a:t>
+            </a:r>
+            <a:endParaRPr lang="en-US" sz="1100" dirty="0">
+              <a:solidFill>
+                <a:schemeClr val="accent2">
+                  <a:lumMod val="75000"/>
+                </a:schemeClr>
+              </a:solidFill>
+              <a:latin typeface="Lucida Console" charset="0"/>
+              <a:ea typeface="Lucida Console" charset="0"/>
+              <a:cs typeface="Lucida Console" charset="0"/>
+            </a:endParaRPr>
+          </a:p>
+        </p:txBody>
+      </p:sp>
+    </p:spTree>
+    <p:extLst>
+      <p:ext uri="{BB962C8B-B14F-4D97-AF65-F5344CB8AC3E}">
+        <p14:creationId xmlns:p14="http://schemas.microsoft.com/office/powerpoint/2010/main" val="1601528605"/>
+      </p:ext>
+    </p:extLst>
+  </p:cSld>
+  <p:clrMapOvr>
+    <a:masterClrMapping/>
+  </p:clrMapOvr>
+  <mc:AlternateContent xmlns:mc="http://schemas.openxmlformats.org/markup-compatibility/2006" xmlns:p14="http://schemas.microsoft.com/office/powerpoint/2010/main">
+    <mc:Choice Requires="p14">
+      <p:transition p14:dur="0"/>
+    </mc:Choice>
+    <mc:Fallback xmlns="">
+      <p:transition/>
+    </mc:Fallback>
+  </mc:AlternateContent>
+  <p:timing>
+    <p:tnLst>
+      <p:par>
+        <p:cTn id="1" dur="indefinite" restart="never" nodeType="tmRoot"/>
+      </p:par>
+    </p:tnLst>
+  </p:timing>
+</p:sld>
+</file>
+
+<file path=ppt/slides/slide14.xml><?xml version="1.0" encoding="utf-8"?>
+<p:sld xmlns:a="http://schemas.openxmlformats.org/drawingml/2006/main" xmlns:r="http://schemas.openxmlformats.org/officeDocument/2006/relationships" xmlns:p="http://schemas.openxmlformats.org/presentationml/2006/main">
+  <p:cSld>
+    <p:spTree>
+      <p:nvGrpSpPr>
+        <p:cNvPr id="1" name=""/>
+        <p:cNvGrpSpPr/>
+        <p:nvPr/>
+      </p:nvGrpSpPr>
+      <p:grpSpPr>
+        <a:xfrm>
+          <a:off x="0" y="0"/>
+          <a:ext cx="0" cy="0"/>
+          <a:chOff x="0" y="0"/>
+          <a:chExt cx="0" cy="0"/>
+        </a:xfrm>
+      </p:grpSpPr>
+      <p:sp>
+        <p:nvSpPr>
+          <p:cNvPr id="2" name="Title 1"/>
+          <p:cNvSpPr>
+            <a:spLocks noGrp="1"/>
+          </p:cNvSpPr>
+          <p:nvPr>
+            <p:ph type="title"/>
+          </p:nvPr>
+        </p:nvSpPr>
+        <p:spPr/>
+        <p:txBody>
+          <a:bodyPr>
+            <a:normAutofit/>
+          </a:bodyPr>
+          <a:lstStyle/>
+          <a:p>
+            <a:r>
+              <a:rPr lang="ru-RU" dirty="0" smtClean="0"/>
+              <a:t>Типы данных</a:t>
+            </a:r>
             <a:r>
               <a:rPr lang="en-US" dirty="0" smtClean="0"/>
               <a:t>::</a:t>
@@ -6547,7 +6838,7 @@
 </p:sld>
 </file>
 
-<file path=ppt/slides/slide14.xml><?xml version="1.0" encoding="utf-8"?>
+<file path=ppt/slides/slide15.xml><?xml version="1.0" encoding="utf-8"?>
 <p:sld xmlns:a="http://schemas.openxmlformats.org/drawingml/2006/main" xmlns:r="http://schemas.openxmlformats.org/officeDocument/2006/relationships" xmlns:p="http://schemas.openxmlformats.org/presentationml/2006/main">
   <p:cSld>
     <p:spTree>
@@ -7650,7 +7941,7 @@
 </p:sld>
 </file>
 
-<file path=ppt/slides/slide15.xml><?xml version="1.0" encoding="utf-8"?>
+<file path=ppt/slides/slide16.xml><?xml version="1.0" encoding="utf-8"?>
 <p:sld xmlns:a="http://schemas.openxmlformats.org/drawingml/2006/main" xmlns:r="http://schemas.openxmlformats.org/officeDocument/2006/relationships" xmlns:p="http://schemas.openxmlformats.org/presentationml/2006/main">
   <p:cSld>
     <p:spTree>
@@ -8351,7 +8642,7 @@
 </p:sld>
 </file>
 
-<file path=ppt/slides/slide16.xml><?xml version="1.0" encoding="utf-8"?>
+<file path=ppt/slides/slide17.xml><?xml version="1.0" encoding="utf-8"?>
 <p:sld xmlns:a="http://schemas.openxmlformats.org/drawingml/2006/main" xmlns:r="http://schemas.openxmlformats.org/officeDocument/2006/relationships" xmlns:p="http://schemas.openxmlformats.org/presentationml/2006/main">
   <p:cSld>
     <p:spTree>
@@ -10192,7 +10483,7 @@
 </p:sld>
 </file>
 
-<file path=ppt/slides/slide17.xml><?xml version="1.0" encoding="utf-8"?>
+<file path=ppt/slides/slide18.xml><?xml version="1.0" encoding="utf-8"?>
 <p:sld xmlns:a="http://schemas.openxmlformats.org/drawingml/2006/main" xmlns:r="http://schemas.openxmlformats.org/officeDocument/2006/relationships" xmlns:p="http://schemas.openxmlformats.org/presentationml/2006/main">
   <p:cSld>
     <p:spTree>
@@ -10440,7 +10731,7 @@
 </p:sld>
 </file>
 
-<file path=ppt/slides/slide18.xml><?xml version="1.0" encoding="utf-8"?>
+<file path=ppt/slides/slide19.xml><?xml version="1.0" encoding="utf-8"?>
 <p:sld xmlns:a="http://schemas.openxmlformats.org/drawingml/2006/main" xmlns:r="http://schemas.openxmlformats.org/officeDocument/2006/relationships" xmlns:p="http://schemas.openxmlformats.org/presentationml/2006/main">
   <p:cSld>
     <p:spTree>
@@ -11208,7 +11499,356 @@
 </p:sld>
 </file>
 
-<file path=ppt/slides/slide19.xml><?xml version="1.0" encoding="utf-8"?>
+<file path=ppt/slides/slide2.xml><?xml version="1.0" encoding="utf-8"?>
+<p:sld xmlns:a="http://schemas.openxmlformats.org/drawingml/2006/main" xmlns:r="http://schemas.openxmlformats.org/officeDocument/2006/relationships" xmlns:p="http://schemas.openxmlformats.org/presentationml/2006/main">
+  <p:cSld>
+    <p:spTree>
+      <p:nvGrpSpPr>
+        <p:cNvPr id="1" name=""/>
+        <p:cNvGrpSpPr/>
+        <p:nvPr/>
+      </p:nvGrpSpPr>
+      <p:grpSpPr>
+        <a:xfrm>
+          <a:off x="0" y="0"/>
+          <a:ext cx="0" cy="0"/>
+          <a:chOff x="0" y="0"/>
+          <a:chExt cx="0" cy="0"/>
+        </a:xfrm>
+      </p:grpSpPr>
+      <p:sp>
+        <p:nvSpPr>
+          <p:cNvPr id="2" name="Title 1"/>
+          <p:cNvSpPr>
+            <a:spLocks noGrp="1"/>
+          </p:cNvSpPr>
+          <p:nvPr>
+            <p:ph type="title"/>
+          </p:nvPr>
+        </p:nvSpPr>
+        <p:spPr/>
+        <p:txBody>
+          <a:bodyPr>
+            <a:normAutofit/>
+          </a:bodyPr>
+          <a:lstStyle/>
+          <a:p>
+            <a:r>
+              <a:rPr lang="ru-RU" dirty="0" smtClean="0"/>
+              <a:t>О курсе</a:t>
+            </a:r>
+            <a:br>
+              <a:rPr lang="ru-RU" dirty="0" smtClean="0"/>
+            </a:br>
+            <a:r>
+              <a:rPr lang="ru-RU" dirty="0" smtClean="0"/>
+              <a:t>------------------------------------------------------------</a:t>
+            </a:r>
+            <a:endParaRPr lang="en-US" dirty="0"/>
+          </a:p>
+        </p:txBody>
+      </p:sp>
+      <p:sp>
+        <p:nvSpPr>
+          <p:cNvPr id="4" name="TextBox 3"/>
+          <p:cNvSpPr txBox="1"/>
+          <p:nvPr/>
+        </p:nvSpPr>
+        <p:spPr>
+          <a:xfrm>
+            <a:off x="2975626" y="2966367"/>
+            <a:ext cx="6191054" cy="923330"/>
+          </a:xfrm>
+          <a:prstGeom prst="rect">
+            <a:avLst/>
+          </a:prstGeom>
+          <a:noFill/>
+        </p:spPr>
+        <p:txBody>
+          <a:bodyPr wrap="none" rtlCol="0">
+            <a:spAutoFit/>
+          </a:bodyPr>
+          <a:lstStyle/>
+          <a:p>
+            <a:pPr marL="342900" indent="-342900">
+              <a:buFont typeface="Wingdings" charset="2"/>
+              <a:buChar char="§"/>
+            </a:pPr>
+            <a:r>
+              <a:rPr lang="ru-RU" dirty="0" smtClean="0"/>
+              <a:t>Курс по языку С с акцентом на практическое применение</a:t>
+            </a:r>
+          </a:p>
+          <a:p>
+            <a:pPr marL="342900" indent="-342900">
+              <a:buFont typeface="Wingdings" charset="2"/>
+              <a:buChar char="§"/>
+            </a:pPr>
+            <a:r>
+              <a:rPr lang="ru-RU" dirty="0"/>
+              <a:t>7</a:t>
+            </a:r>
+            <a:r>
+              <a:rPr lang="ru-RU" dirty="0" smtClean="0"/>
+              <a:t> лекций, 7 заданий после лекции, </a:t>
+            </a:r>
+            <a:r>
+              <a:rPr lang="ru-RU" dirty="0"/>
+              <a:t>7</a:t>
+            </a:r>
+            <a:r>
+              <a:rPr lang="ru-RU" dirty="0" smtClean="0"/>
+              <a:t> </a:t>
+            </a:r>
+            <a:r>
+              <a:rPr lang="ru-RU" dirty="0" err="1" smtClean="0"/>
+              <a:t>домашек</a:t>
+            </a:r>
+            <a:endParaRPr lang="ru-RU" dirty="0" smtClean="0"/>
+          </a:p>
+          <a:p>
+            <a:pPr marL="342900" indent="-342900">
+              <a:buFont typeface="Wingdings" charset="2"/>
+              <a:buChar char="§"/>
+            </a:pPr>
+            <a:r>
+              <a:rPr lang="ru-RU" dirty="0" smtClean="0"/>
+              <a:t>В конце курса большое задание</a:t>
+            </a:r>
+            <a:endParaRPr lang="en-US" dirty="0"/>
+          </a:p>
+        </p:txBody>
+      </p:sp>
+    </p:spTree>
+    <p:extLst>
+      <p:ext uri="{BB962C8B-B14F-4D97-AF65-F5344CB8AC3E}">
+        <p14:creationId xmlns:p14="http://schemas.microsoft.com/office/powerpoint/2010/main" val="229933561"/>
+      </p:ext>
+    </p:extLst>
+  </p:cSld>
+  <p:clrMapOvr>
+    <a:masterClrMapping/>
+  </p:clrMapOvr>
+  <p:timing>
+    <p:tnLst>
+      <p:par>
+        <p:cTn id="1" dur="indefinite" restart="never" nodeType="tmRoot">
+          <p:childTnLst>
+            <p:seq concurrent="1" nextAc="seek">
+              <p:cTn id="2" dur="indefinite" nodeType="mainSeq">
+                <p:childTnLst>
+                  <p:par>
+                    <p:cTn id="3" fill="hold">
+                      <p:stCondLst>
+                        <p:cond delay="indefinite"/>
+                        <p:cond evt="onBegin" delay="0">
+                          <p:tn val="2"/>
+                        </p:cond>
+                      </p:stCondLst>
+                      <p:childTnLst>
+                        <p:par>
+                          <p:cTn id="4" fill="hold">
+                            <p:stCondLst>
+                              <p:cond delay="0"/>
+                            </p:stCondLst>
+                            <p:childTnLst>
+                              <p:par>
+                                <p:cTn id="5" presetID="10" presetClass="entr" presetSubtype="0" fill="hold" nodeType="withEffect">
+                                  <p:stCondLst>
+                                    <p:cond delay="0"/>
+                                  </p:stCondLst>
+                                  <p:childTnLst>
+                                    <p:set>
+                                      <p:cBhvr>
+                                        <p:cTn id="6" dur="1" fill="hold">
+                                          <p:stCondLst>
+                                            <p:cond delay="0"/>
+                                          </p:stCondLst>
+                                        </p:cTn>
+                                        <p:tgtEl>
+                                          <p:spTgt spid="4">
+                                            <p:txEl>
+                                              <p:pRg st="0" end="0"/>
+                                            </p:txEl>
+                                          </p:spTgt>
+                                        </p:tgtEl>
+                                        <p:attrNameLst>
+                                          <p:attrName>style.visibility</p:attrName>
+                                        </p:attrNameLst>
+                                      </p:cBhvr>
+                                      <p:to>
+                                        <p:strVal val="visible"/>
+                                      </p:to>
+                                    </p:set>
+                                    <p:animEffect transition="in" filter="fade">
+                                      <p:cBhvr>
+                                        <p:cTn id="7" dur="200"/>
+                                        <p:tgtEl>
+                                          <p:spTgt spid="4">
+                                            <p:txEl>
+                                              <p:pRg st="0" end="0"/>
+                                            </p:txEl>
+                                          </p:spTgt>
+                                        </p:tgtEl>
+                                      </p:cBhvr>
+                                    </p:animEffect>
+                                  </p:childTnLst>
+                                </p:cTn>
+                              </p:par>
+                            </p:childTnLst>
+                          </p:cTn>
+                        </p:par>
+                      </p:childTnLst>
+                    </p:cTn>
+                  </p:par>
+                  <p:par>
+                    <p:cTn id="8" fill="hold">
+                      <p:stCondLst>
+                        <p:cond delay="indefinite"/>
+                      </p:stCondLst>
+                      <p:childTnLst>
+                        <p:par>
+                          <p:cTn id="9" fill="hold">
+                            <p:stCondLst>
+                              <p:cond delay="0"/>
+                            </p:stCondLst>
+                            <p:childTnLst>
+                              <p:par>
+                                <p:cTn id="10" presetID="10" presetClass="entr" presetSubtype="0" fill="hold" nodeType="clickEffect">
+                                  <p:stCondLst>
+                                    <p:cond delay="0"/>
+                                  </p:stCondLst>
+                                  <p:childTnLst>
+                                    <p:set>
+                                      <p:cBhvr>
+                                        <p:cTn id="11" dur="1" fill="hold">
+                                          <p:stCondLst>
+                                            <p:cond delay="0"/>
+                                          </p:stCondLst>
+                                        </p:cTn>
+                                        <p:tgtEl>
+                                          <p:spTgt spid="4">
+                                            <p:txEl>
+                                              <p:pRg st="1" end="1"/>
+                                            </p:txEl>
+                                          </p:spTgt>
+                                        </p:tgtEl>
+                                        <p:attrNameLst>
+                                          <p:attrName>style.visibility</p:attrName>
+                                        </p:attrNameLst>
+                                      </p:cBhvr>
+                                      <p:to>
+                                        <p:strVal val="visible"/>
+                                      </p:to>
+                                    </p:set>
+                                    <p:animEffect transition="in" filter="fade">
+                                      <p:cBhvr>
+                                        <p:cTn id="12" dur="200"/>
+                                        <p:tgtEl>
+                                          <p:spTgt spid="4">
+                                            <p:txEl>
+                                              <p:pRg st="1" end="1"/>
+                                            </p:txEl>
+                                          </p:spTgt>
+                                        </p:tgtEl>
+                                      </p:cBhvr>
+                                    </p:animEffect>
+                                  </p:childTnLst>
+                                </p:cTn>
+                              </p:par>
+                            </p:childTnLst>
+                          </p:cTn>
+                        </p:par>
+                      </p:childTnLst>
+                    </p:cTn>
+                  </p:par>
+                  <p:par>
+                    <p:cTn id="13" fill="hold">
+                      <p:stCondLst>
+                        <p:cond delay="indefinite"/>
+                      </p:stCondLst>
+                      <p:childTnLst>
+                        <p:par>
+                          <p:cTn id="14" fill="hold">
+                            <p:stCondLst>
+                              <p:cond delay="0"/>
+                            </p:stCondLst>
+                            <p:childTnLst>
+                              <p:par>
+                                <p:cTn id="15" presetID="10" presetClass="entr" presetSubtype="0" fill="hold" nodeType="clickEffect">
+                                  <p:stCondLst>
+                                    <p:cond delay="0"/>
+                                  </p:stCondLst>
+                                  <p:childTnLst>
+                                    <p:set>
+                                      <p:cBhvr>
+                                        <p:cTn id="16" dur="1" fill="hold">
+                                          <p:stCondLst>
+                                            <p:cond delay="0"/>
+                                          </p:stCondLst>
+                                        </p:cTn>
+                                        <p:tgtEl>
+                                          <p:spTgt spid="4">
+                                            <p:txEl>
+                                              <p:pRg st="2" end="2"/>
+                                            </p:txEl>
+                                          </p:spTgt>
+                                        </p:tgtEl>
+                                        <p:attrNameLst>
+                                          <p:attrName>style.visibility</p:attrName>
+                                        </p:attrNameLst>
+                                      </p:cBhvr>
+                                      <p:to>
+                                        <p:strVal val="visible"/>
+                                      </p:to>
+                                    </p:set>
+                                    <p:animEffect transition="in" filter="fade">
+                                      <p:cBhvr>
+                                        <p:cTn id="17" dur="200"/>
+                                        <p:tgtEl>
+                                          <p:spTgt spid="4">
+                                            <p:txEl>
+                                              <p:pRg st="2" end="2"/>
+                                            </p:txEl>
+                                          </p:spTgt>
+                                        </p:tgtEl>
+                                      </p:cBhvr>
+                                    </p:animEffect>
+                                  </p:childTnLst>
+                                </p:cTn>
+                              </p:par>
+                            </p:childTnLst>
+                          </p:cTn>
+                        </p:par>
+                      </p:childTnLst>
+                    </p:cTn>
+                  </p:par>
+                </p:childTnLst>
+              </p:cTn>
+              <p:prevCondLst>
+                <p:cond evt="onPrev" delay="0">
+                  <p:tgtEl>
+                    <p:sldTgt/>
+                  </p:tgtEl>
+                </p:cond>
+              </p:prevCondLst>
+              <p:nextCondLst>
+                <p:cond evt="onNext" delay="0">
+                  <p:tgtEl>
+                    <p:sldTgt/>
+                  </p:tgtEl>
+                </p:cond>
+              </p:nextCondLst>
+            </p:seq>
+          </p:childTnLst>
+        </p:cTn>
+      </p:par>
+    </p:tnLst>
+  </p:timing>
+</p:sld>
+</file>
+
+<file path=ppt/slides/slide20.xml><?xml version="1.0" encoding="utf-8"?>
 <p:sld xmlns:a="http://schemas.openxmlformats.org/drawingml/2006/main" xmlns:r="http://schemas.openxmlformats.org/officeDocument/2006/relationships" xmlns:p="http://schemas.openxmlformats.org/presentationml/2006/main">
   <p:cSld>
     <p:spTree>
@@ -12950,344 +13590,7 @@
 </p:sld>
 </file>
 
-<file path=ppt/slides/slide2.xml><?xml version="1.0" encoding="utf-8"?>
-<p:sld xmlns:a="http://schemas.openxmlformats.org/drawingml/2006/main" xmlns:r="http://schemas.openxmlformats.org/officeDocument/2006/relationships" xmlns:p="http://schemas.openxmlformats.org/presentationml/2006/main">
-  <p:cSld>
-    <p:spTree>
-      <p:nvGrpSpPr>
-        <p:cNvPr id="1" name=""/>
-        <p:cNvGrpSpPr/>
-        <p:nvPr/>
-      </p:nvGrpSpPr>
-      <p:grpSpPr>
-        <a:xfrm>
-          <a:off x="0" y="0"/>
-          <a:ext cx="0" cy="0"/>
-          <a:chOff x="0" y="0"/>
-          <a:chExt cx="0" cy="0"/>
-        </a:xfrm>
-      </p:grpSpPr>
-      <p:sp>
-        <p:nvSpPr>
-          <p:cNvPr id="2" name="Title 1"/>
-          <p:cNvSpPr>
-            <a:spLocks noGrp="1"/>
-          </p:cNvSpPr>
-          <p:nvPr>
-            <p:ph type="title"/>
-          </p:nvPr>
-        </p:nvSpPr>
-        <p:spPr/>
-        <p:txBody>
-          <a:bodyPr>
-            <a:normAutofit/>
-          </a:bodyPr>
-          <a:lstStyle/>
-          <a:p>
-            <a:r>
-              <a:rPr lang="ru-RU" dirty="0" smtClean="0"/>
-              <a:t>О курсе</a:t>
-            </a:r>
-            <a:br>
-              <a:rPr lang="ru-RU" dirty="0" smtClean="0"/>
-            </a:br>
-            <a:r>
-              <a:rPr lang="ru-RU" dirty="0" smtClean="0"/>
-              <a:t>------------------------------------------------------------</a:t>
-            </a:r>
-            <a:endParaRPr lang="en-US" dirty="0"/>
-          </a:p>
-        </p:txBody>
-      </p:sp>
-      <p:sp>
-        <p:nvSpPr>
-          <p:cNvPr id="4" name="TextBox 3"/>
-          <p:cNvSpPr txBox="1"/>
-          <p:nvPr/>
-        </p:nvSpPr>
-        <p:spPr>
-          <a:xfrm>
-            <a:off x="2975626" y="2966367"/>
-            <a:ext cx="6191054" cy="923330"/>
-          </a:xfrm>
-          <a:prstGeom prst="rect">
-            <a:avLst/>
-          </a:prstGeom>
-          <a:noFill/>
-        </p:spPr>
-        <p:txBody>
-          <a:bodyPr wrap="none" rtlCol="0">
-            <a:spAutoFit/>
-          </a:bodyPr>
-          <a:lstStyle/>
-          <a:p>
-            <a:pPr marL="342900" indent="-342900">
-              <a:buFont typeface="Wingdings" charset="2"/>
-              <a:buChar char="§"/>
-            </a:pPr>
-            <a:r>
-              <a:rPr lang="ru-RU" dirty="0" smtClean="0"/>
-              <a:t>Курс по языку С с акцентом на практическое применение</a:t>
-            </a:r>
-          </a:p>
-          <a:p>
-            <a:pPr marL="342900" indent="-342900">
-              <a:buFont typeface="Wingdings" charset="2"/>
-              <a:buChar char="§"/>
-            </a:pPr>
-            <a:r>
-              <a:rPr lang="ru-RU" dirty="0" smtClean="0"/>
-              <a:t>10 лекций, 10 заданий после лекции, 10 </a:t>
-            </a:r>
-            <a:r>
-              <a:rPr lang="ru-RU" dirty="0" err="1" smtClean="0"/>
-              <a:t>домашек</a:t>
-            </a:r>
-            <a:endParaRPr lang="ru-RU" dirty="0" smtClean="0"/>
-          </a:p>
-          <a:p>
-            <a:pPr marL="342900" indent="-342900">
-              <a:buFont typeface="Wingdings" charset="2"/>
-              <a:buChar char="§"/>
-            </a:pPr>
-            <a:r>
-              <a:rPr lang="ru-RU" dirty="0" smtClean="0"/>
-              <a:t>В конце курса большое задание</a:t>
-            </a:r>
-            <a:endParaRPr lang="en-US" dirty="0"/>
-          </a:p>
-        </p:txBody>
-      </p:sp>
-    </p:spTree>
-    <p:extLst>
-      <p:ext uri="{BB962C8B-B14F-4D97-AF65-F5344CB8AC3E}">
-        <p14:creationId xmlns:p14="http://schemas.microsoft.com/office/powerpoint/2010/main" val="229933561"/>
-      </p:ext>
-    </p:extLst>
-  </p:cSld>
-  <p:clrMapOvr>
-    <a:masterClrMapping/>
-  </p:clrMapOvr>
-  <p:timing>
-    <p:tnLst>
-      <p:par>
-        <p:cTn id="1" dur="indefinite" restart="never" nodeType="tmRoot">
-          <p:childTnLst>
-            <p:seq concurrent="1" nextAc="seek">
-              <p:cTn id="2" dur="indefinite" nodeType="mainSeq">
-                <p:childTnLst>
-                  <p:par>
-                    <p:cTn id="3" fill="hold">
-                      <p:stCondLst>
-                        <p:cond delay="indefinite"/>
-                        <p:cond evt="onBegin" delay="0">
-                          <p:tn val="2"/>
-                        </p:cond>
-                      </p:stCondLst>
-                      <p:childTnLst>
-                        <p:par>
-                          <p:cTn id="4" fill="hold">
-                            <p:stCondLst>
-                              <p:cond delay="0"/>
-                            </p:stCondLst>
-                            <p:childTnLst>
-                              <p:par>
-                                <p:cTn id="5" presetID="10" presetClass="entr" presetSubtype="0" fill="hold" nodeType="withEffect">
-                                  <p:stCondLst>
-                                    <p:cond delay="0"/>
-                                  </p:stCondLst>
-                                  <p:childTnLst>
-                                    <p:set>
-                                      <p:cBhvr>
-                                        <p:cTn id="6" dur="1" fill="hold">
-                                          <p:stCondLst>
-                                            <p:cond delay="0"/>
-                                          </p:stCondLst>
-                                        </p:cTn>
-                                        <p:tgtEl>
-                                          <p:spTgt spid="4">
-                                            <p:txEl>
-                                              <p:pRg st="0" end="0"/>
-                                            </p:txEl>
-                                          </p:spTgt>
-                                        </p:tgtEl>
-                                        <p:attrNameLst>
-                                          <p:attrName>style.visibility</p:attrName>
-                                        </p:attrNameLst>
-                                      </p:cBhvr>
-                                      <p:to>
-                                        <p:strVal val="visible"/>
-                                      </p:to>
-                                    </p:set>
-                                    <p:animEffect transition="in" filter="fade">
-                                      <p:cBhvr>
-                                        <p:cTn id="7" dur="200"/>
-                                        <p:tgtEl>
-                                          <p:spTgt spid="4">
-                                            <p:txEl>
-                                              <p:pRg st="0" end="0"/>
-                                            </p:txEl>
-                                          </p:spTgt>
-                                        </p:tgtEl>
-                                      </p:cBhvr>
-                                    </p:animEffect>
-                                  </p:childTnLst>
-                                </p:cTn>
-                              </p:par>
-                            </p:childTnLst>
-                          </p:cTn>
-                        </p:par>
-                      </p:childTnLst>
-                    </p:cTn>
-                  </p:par>
-                  <p:par>
-                    <p:cTn id="8" fill="hold">
-                      <p:stCondLst>
-                        <p:cond delay="indefinite"/>
-                      </p:stCondLst>
-                      <p:childTnLst>
-                        <p:par>
-                          <p:cTn id="9" fill="hold">
-                            <p:stCondLst>
-                              <p:cond delay="0"/>
-                            </p:stCondLst>
-                            <p:childTnLst>
-                              <p:par>
-                                <p:cTn id="10" presetID="10" presetClass="entr" presetSubtype="0" fill="hold" nodeType="clickEffect">
-                                  <p:stCondLst>
-                                    <p:cond delay="0"/>
-                                  </p:stCondLst>
-                                  <p:childTnLst>
-                                    <p:set>
-                                      <p:cBhvr>
-                                        <p:cTn id="11" dur="1" fill="hold">
-                                          <p:stCondLst>
-                                            <p:cond delay="0"/>
-                                          </p:stCondLst>
-                                        </p:cTn>
-                                        <p:tgtEl>
-                                          <p:spTgt spid="4">
-                                            <p:txEl>
-                                              <p:pRg st="1" end="1"/>
-                                            </p:txEl>
-                                          </p:spTgt>
-                                        </p:tgtEl>
-                                        <p:attrNameLst>
-                                          <p:attrName>style.visibility</p:attrName>
-                                        </p:attrNameLst>
-                                      </p:cBhvr>
-                                      <p:to>
-                                        <p:strVal val="visible"/>
-                                      </p:to>
-                                    </p:set>
-                                    <p:animEffect transition="in" filter="fade">
-                                      <p:cBhvr>
-                                        <p:cTn id="12" dur="200"/>
-                                        <p:tgtEl>
-                                          <p:spTgt spid="4">
-                                            <p:txEl>
-                                              <p:pRg st="1" end="1"/>
-                                            </p:txEl>
-                                          </p:spTgt>
-                                        </p:tgtEl>
-                                      </p:cBhvr>
-                                    </p:animEffect>
-                                  </p:childTnLst>
-                                </p:cTn>
-                              </p:par>
-                            </p:childTnLst>
-                          </p:cTn>
-                        </p:par>
-                      </p:childTnLst>
-                    </p:cTn>
-                  </p:par>
-                  <p:par>
-                    <p:cTn id="13" fill="hold">
-                      <p:stCondLst>
-                        <p:cond delay="indefinite"/>
-                      </p:stCondLst>
-                      <p:childTnLst>
-                        <p:par>
-                          <p:cTn id="14" fill="hold">
-                            <p:stCondLst>
-                              <p:cond delay="0"/>
-                            </p:stCondLst>
-                            <p:childTnLst>
-                              <p:par>
-                                <p:cTn id="15" presetID="10" presetClass="entr" presetSubtype="0" fill="hold" nodeType="clickEffect">
-                                  <p:stCondLst>
-                                    <p:cond delay="0"/>
-                                  </p:stCondLst>
-                                  <p:childTnLst>
-                                    <p:set>
-                                      <p:cBhvr>
-                                        <p:cTn id="16" dur="1" fill="hold">
-                                          <p:stCondLst>
-                                            <p:cond delay="0"/>
-                                          </p:stCondLst>
-                                        </p:cTn>
-                                        <p:tgtEl>
-                                          <p:spTgt spid="4">
-                                            <p:txEl>
-                                              <p:pRg st="2" end="2"/>
-                                            </p:txEl>
-                                          </p:spTgt>
-                                        </p:tgtEl>
-                                        <p:attrNameLst>
-                                          <p:attrName>style.visibility</p:attrName>
-                                        </p:attrNameLst>
-                                      </p:cBhvr>
-                                      <p:to>
-                                        <p:strVal val="visible"/>
-                                      </p:to>
-                                    </p:set>
-                                    <p:animEffect transition="in" filter="fade">
-                                      <p:cBhvr>
-                                        <p:cTn id="17" dur="200"/>
-                                        <p:tgtEl>
-                                          <p:spTgt spid="4">
-                                            <p:txEl>
-                                              <p:pRg st="2" end="2"/>
-                                            </p:txEl>
-                                          </p:spTgt>
-                                        </p:tgtEl>
-                                      </p:cBhvr>
-                                    </p:animEffect>
-                                  </p:childTnLst>
-                                </p:cTn>
-                              </p:par>
-                            </p:childTnLst>
-                          </p:cTn>
-                        </p:par>
-                      </p:childTnLst>
-                    </p:cTn>
-                  </p:par>
-                </p:childTnLst>
-              </p:cTn>
-              <p:prevCondLst>
-                <p:cond evt="onPrev" delay="0">
-                  <p:tgtEl>
-                    <p:sldTgt/>
-                  </p:tgtEl>
-                </p:cond>
-              </p:prevCondLst>
-              <p:nextCondLst>
-                <p:cond evt="onNext" delay="0">
-                  <p:tgtEl>
-                    <p:sldTgt/>
-                  </p:tgtEl>
-                </p:cond>
-              </p:nextCondLst>
-            </p:seq>
-          </p:childTnLst>
-        </p:cTn>
-      </p:par>
-    </p:tnLst>
-  </p:timing>
-</p:sld>
-</file>
-
-<file path=ppt/slides/slide20.xml><?xml version="1.0" encoding="utf-8"?>
+<file path=ppt/slides/slide21.xml><?xml version="1.0" encoding="utf-8"?>
 <p:sld xmlns:a="http://schemas.openxmlformats.org/drawingml/2006/main" xmlns:r="http://schemas.openxmlformats.org/officeDocument/2006/relationships" xmlns:p="http://schemas.openxmlformats.org/presentationml/2006/main">
   <p:cSld>
     <p:spTree>
@@ -15062,7 +15365,7 @@
 </p:sld>
 </file>
 
-<file path=ppt/slides/slide21.xml><?xml version="1.0" encoding="utf-8"?>
+<file path=ppt/slides/slide22.xml><?xml version="1.0" encoding="utf-8"?>
 <p:sld xmlns:a="http://schemas.openxmlformats.org/drawingml/2006/main" xmlns:r="http://schemas.openxmlformats.org/officeDocument/2006/relationships" xmlns:p="http://schemas.openxmlformats.org/presentationml/2006/main">
   <p:cSld>
     <p:spTree>
@@ -16828,7 +17131,7 @@
 </p:sld>
 </file>
 
-<file path=ppt/slides/slide22.xml><?xml version="1.0" encoding="utf-8"?>
+<file path=ppt/slides/slide23.xml><?xml version="1.0" encoding="utf-8"?>
 <p:sld xmlns:a="http://schemas.openxmlformats.org/drawingml/2006/main" xmlns:r="http://schemas.openxmlformats.org/officeDocument/2006/relationships" xmlns:p="http://schemas.openxmlformats.org/presentationml/2006/main">
   <p:cSld>
     <p:spTree>
@@ -18338,7 +18641,7 @@
 </p:sld>
 </file>
 
-<file path=ppt/slides/slide23.xml><?xml version="1.0" encoding="utf-8"?>
+<file path=ppt/slides/slide24.xml><?xml version="1.0" encoding="utf-8"?>
 <p:sld xmlns:a="http://schemas.openxmlformats.org/drawingml/2006/main" xmlns:r="http://schemas.openxmlformats.org/officeDocument/2006/relationships" xmlns:p="http://schemas.openxmlformats.org/presentationml/2006/main">
   <p:cSld>
     <p:spTree>
@@ -19629,7 +19932,7 @@
 </p:sld>
 </file>
 
-<file path=ppt/slides/slide24.xml><?xml version="1.0" encoding="utf-8"?>
+<file path=ppt/slides/slide25.xml><?xml version="1.0" encoding="utf-8"?>
 <p:sld xmlns:a="http://schemas.openxmlformats.org/drawingml/2006/main" xmlns:r="http://schemas.openxmlformats.org/officeDocument/2006/relationships" xmlns:p="http://schemas.openxmlformats.org/presentationml/2006/main">
   <p:cSld>
     <p:spTree>
@@ -19811,7 +20114,7 @@
 </p:sld>
 </file>
 
-<file path=ppt/slides/slide25.xml><?xml version="1.0" encoding="utf-8"?>
+<file path=ppt/slides/slide26.xml><?xml version="1.0" encoding="utf-8"?>
 <p:sld xmlns:a="http://schemas.openxmlformats.org/drawingml/2006/main" xmlns:r="http://schemas.openxmlformats.org/officeDocument/2006/relationships" xmlns:p="http://schemas.openxmlformats.org/presentationml/2006/main">
   <p:cSld>
     <p:spTree>
@@ -20565,570 +20868,6 @@
 </p:sld>
 </file>
 
-<file path=ppt/slides/slide26.xml><?xml version="1.0" encoding="utf-8"?>
-<p:sld xmlns:a="http://schemas.openxmlformats.org/drawingml/2006/main" xmlns:r="http://schemas.openxmlformats.org/officeDocument/2006/relationships" xmlns:p="http://schemas.openxmlformats.org/presentationml/2006/main">
-  <p:cSld>
-    <p:spTree>
-      <p:nvGrpSpPr>
-        <p:cNvPr id="1" name=""/>
-        <p:cNvGrpSpPr/>
-        <p:nvPr/>
-      </p:nvGrpSpPr>
-      <p:grpSpPr>
-        <a:xfrm>
-          <a:off x="0" y="0"/>
-          <a:ext cx="0" cy="0"/>
-          <a:chOff x="0" y="0"/>
-          <a:chExt cx="0" cy="0"/>
-        </a:xfrm>
-      </p:grpSpPr>
-      <p:sp>
-        <p:nvSpPr>
-          <p:cNvPr id="2" name="Title 1"/>
-          <p:cNvSpPr>
-            <a:spLocks noGrp="1"/>
-          </p:cNvSpPr>
-          <p:nvPr>
-            <p:ph type="title"/>
-          </p:nvPr>
-        </p:nvSpPr>
-        <p:spPr/>
-        <p:txBody>
-          <a:bodyPr/>
-          <a:lstStyle/>
-          <a:p>
-            <a:r>
-              <a:rPr lang="ru-RU" dirty="0"/>
-              <a:t>Операторы</a:t>
-            </a:r>
-            <a:r>
-              <a:rPr lang="en-US" dirty="0"/>
-              <a:t>::</a:t>
-            </a:r>
-            <a:r>
-              <a:rPr lang="ru-RU" dirty="0"/>
-              <a:t>Приведение типа</a:t>
-            </a:r>
-            <a:r>
-              <a:rPr lang="en-US" dirty="0"/>
-              <a:t/>
-            </a:r>
-            <a:br>
-              <a:rPr lang="en-US" dirty="0"/>
-            </a:br>
-            <a:r>
-              <a:rPr lang="en-US" dirty="0"/>
-              <a:t>------------------------------------------------------------</a:t>
-            </a:r>
-          </a:p>
-        </p:txBody>
-      </p:sp>
-      <p:sp>
-        <p:nvSpPr>
-          <p:cNvPr id="6" name="TextBox 5"/>
-          <p:cNvSpPr txBox="1"/>
-          <p:nvPr/>
-        </p:nvSpPr>
-        <p:spPr>
-          <a:xfrm>
-            <a:off x="2900516" y="2035277"/>
-            <a:ext cx="784189" cy="369332"/>
-          </a:xfrm>
-          <a:prstGeom prst="rect">
-            <a:avLst/>
-          </a:prstGeom>
-          <a:noFill/>
-        </p:spPr>
-        <p:txBody>
-          <a:bodyPr wrap="none" rtlCol="0">
-            <a:spAutoFit/>
-          </a:bodyPr>
-          <a:lstStyle/>
-          <a:p>
-            <a:r>
-              <a:rPr lang="ru-RU" dirty="0" smtClean="0"/>
-              <a:t>Явное</a:t>
-            </a:r>
-            <a:endParaRPr lang="en-US" dirty="0"/>
-          </a:p>
-        </p:txBody>
-      </p:sp>
-      <p:sp>
-        <p:nvSpPr>
-          <p:cNvPr id="7" name="TextBox 6"/>
-          <p:cNvSpPr txBox="1"/>
-          <p:nvPr/>
-        </p:nvSpPr>
-        <p:spPr>
-          <a:xfrm>
-            <a:off x="8249264" y="2035277"/>
-            <a:ext cx="1024639" cy="369332"/>
-          </a:xfrm>
-          <a:prstGeom prst="rect">
-            <a:avLst/>
-          </a:prstGeom>
-          <a:noFill/>
-        </p:spPr>
-        <p:txBody>
-          <a:bodyPr wrap="none" rtlCol="0">
-            <a:spAutoFit/>
-          </a:bodyPr>
-          <a:lstStyle/>
-          <a:p>
-            <a:r>
-              <a:rPr lang="ru-RU" smtClean="0"/>
-              <a:t>Неявное</a:t>
-            </a:r>
-            <a:endParaRPr lang="en-US" dirty="0"/>
-          </a:p>
-        </p:txBody>
-      </p:sp>
-      <p:sp>
-        <p:nvSpPr>
-          <p:cNvPr id="8" name="TextBox 7"/>
-          <p:cNvSpPr txBox="1"/>
-          <p:nvPr/>
-        </p:nvSpPr>
-        <p:spPr>
-          <a:xfrm>
-            <a:off x="5950768" y="2219943"/>
-            <a:ext cx="290464" cy="3970318"/>
-          </a:xfrm>
-          <a:prstGeom prst="rect">
-            <a:avLst/>
-          </a:prstGeom>
-          <a:noFill/>
-        </p:spPr>
-        <p:txBody>
-          <a:bodyPr wrap="none" rtlCol="0">
-            <a:spAutoFit/>
-          </a:bodyPr>
-          <a:lstStyle/>
-          <a:p>
-            <a:r>
-              <a:rPr lang="en-US" dirty="0" smtClean="0"/>
-              <a:t>|</a:t>
-            </a:r>
-          </a:p>
-          <a:p>
-            <a:r>
-              <a:rPr lang="en-US" dirty="0" smtClean="0"/>
-              <a:t>|</a:t>
-            </a:r>
-          </a:p>
-          <a:p>
-            <a:r>
-              <a:rPr lang="en-US" dirty="0" smtClean="0"/>
-              <a:t>|</a:t>
-            </a:r>
-          </a:p>
-          <a:p>
-            <a:r>
-              <a:rPr lang="en-US" dirty="0" smtClean="0"/>
-              <a:t>|</a:t>
-            </a:r>
-          </a:p>
-          <a:p>
-            <a:r>
-              <a:rPr lang="en-US" dirty="0" smtClean="0"/>
-              <a:t>|</a:t>
-            </a:r>
-          </a:p>
-          <a:p>
-            <a:r>
-              <a:rPr lang="en-US" dirty="0" smtClean="0"/>
-              <a:t>|</a:t>
-            </a:r>
-          </a:p>
-          <a:p>
-            <a:r>
-              <a:rPr lang="en-US" dirty="0" smtClean="0"/>
-              <a:t>|</a:t>
-            </a:r>
-          </a:p>
-          <a:p>
-            <a:r>
-              <a:rPr lang="en-US" dirty="0" smtClean="0"/>
-              <a:t>|</a:t>
-            </a:r>
-          </a:p>
-          <a:p>
-            <a:r>
-              <a:rPr lang="en-US" dirty="0" smtClean="0"/>
-              <a:t>|</a:t>
-            </a:r>
-          </a:p>
-          <a:p>
-            <a:r>
-              <a:rPr lang="en-US" dirty="0" smtClean="0"/>
-              <a:t>|</a:t>
-            </a:r>
-          </a:p>
-          <a:p>
-            <a:r>
-              <a:rPr lang="en-US" dirty="0" smtClean="0"/>
-              <a:t>|</a:t>
-            </a:r>
-          </a:p>
-          <a:p>
-            <a:r>
-              <a:rPr lang="en-US" dirty="0" smtClean="0"/>
-              <a:t>|</a:t>
-            </a:r>
-          </a:p>
-          <a:p>
-            <a:r>
-              <a:rPr lang="en-US" dirty="0" smtClean="0"/>
-              <a:t>|</a:t>
-            </a:r>
-          </a:p>
-          <a:p>
-            <a:r>
-              <a:rPr lang="en-US" dirty="0"/>
-              <a:t>|</a:t>
-            </a:r>
-          </a:p>
-        </p:txBody>
-      </p:sp>
-      <p:sp>
-        <p:nvSpPr>
-          <p:cNvPr id="9" name="TextBox 8"/>
-          <p:cNvSpPr txBox="1"/>
-          <p:nvPr/>
-        </p:nvSpPr>
-        <p:spPr>
-          <a:xfrm>
-            <a:off x="1247819" y="3244646"/>
-            <a:ext cx="4089581" cy="1477328"/>
-          </a:xfrm>
-          <a:prstGeom prst="rect">
-            <a:avLst/>
-          </a:prstGeom>
-          <a:noFill/>
-        </p:spPr>
-        <p:txBody>
-          <a:bodyPr wrap="none" rtlCol="0">
-            <a:spAutoFit/>
-          </a:bodyPr>
-          <a:lstStyle/>
-          <a:p>
-            <a:r>
-              <a:rPr lang="en-US" dirty="0" smtClean="0">
-                <a:solidFill>
-                  <a:schemeClr val="accent2">
-                    <a:lumMod val="75000"/>
-                  </a:schemeClr>
-                </a:solidFill>
-                <a:latin typeface="Lucida Console" charset="0"/>
-                <a:ea typeface="Lucida Console" charset="0"/>
-                <a:cs typeface="Lucida Console" charset="0"/>
-              </a:rPr>
-              <a:t>char</a:t>
-            </a:r>
-            <a:r>
-              <a:rPr lang="en-US" dirty="0" smtClean="0">
-                <a:latin typeface="Lucida Console" charset="0"/>
-                <a:ea typeface="Lucida Console" charset="0"/>
-                <a:cs typeface="Lucida Console" charset="0"/>
-              </a:rPr>
-              <a:t> symbol = ‘a’;</a:t>
-            </a:r>
-          </a:p>
-          <a:p>
-            <a:endParaRPr lang="en-US" dirty="0">
-              <a:latin typeface="Lucida Console" charset="0"/>
-              <a:ea typeface="Lucida Console" charset="0"/>
-              <a:cs typeface="Lucida Console" charset="0"/>
-            </a:endParaRPr>
-          </a:p>
-          <a:p>
-            <a:r>
-              <a:rPr lang="en-US" dirty="0" err="1" smtClean="0">
-                <a:solidFill>
-                  <a:schemeClr val="accent2">
-                    <a:lumMod val="75000"/>
-                  </a:schemeClr>
-                </a:solidFill>
-                <a:latin typeface="Lucida Console" charset="0"/>
-                <a:ea typeface="Lucida Console" charset="0"/>
-                <a:cs typeface="Lucida Console" charset="0"/>
-              </a:rPr>
-              <a:t>int</a:t>
-            </a:r>
-            <a:r>
-              <a:rPr lang="en-US" dirty="0" smtClean="0">
-                <a:solidFill>
-                  <a:schemeClr val="accent2">
-                    <a:lumMod val="75000"/>
-                  </a:schemeClr>
-                </a:solidFill>
-                <a:latin typeface="Lucida Console" charset="0"/>
-                <a:ea typeface="Lucida Console" charset="0"/>
-                <a:cs typeface="Lucida Console" charset="0"/>
-              </a:rPr>
-              <a:t> </a:t>
-            </a:r>
-            <a:r>
-              <a:rPr lang="en-US" dirty="0" smtClean="0">
-                <a:latin typeface="Lucida Console" charset="0"/>
-                <a:ea typeface="Lucida Console" charset="0"/>
-                <a:cs typeface="Lucida Console" charset="0"/>
-              </a:rPr>
-              <a:t>code = (</a:t>
-            </a:r>
-            <a:r>
-              <a:rPr lang="en-US" dirty="0" err="1" smtClean="0">
-                <a:solidFill>
-                  <a:schemeClr val="accent2">
-                    <a:lumMod val="75000"/>
-                  </a:schemeClr>
-                </a:solidFill>
-                <a:latin typeface="Lucida Console" charset="0"/>
-                <a:ea typeface="Lucida Console" charset="0"/>
-                <a:cs typeface="Lucida Console" charset="0"/>
-              </a:rPr>
-              <a:t>int</a:t>
-            </a:r>
-            <a:r>
-              <a:rPr lang="en-US" dirty="0" smtClean="0">
-                <a:latin typeface="Lucida Console" charset="0"/>
-                <a:ea typeface="Lucida Console" charset="0"/>
-                <a:cs typeface="Lucida Console" charset="0"/>
-              </a:rPr>
-              <a:t>) symbol;</a:t>
-            </a:r>
-          </a:p>
-          <a:p>
-            <a:endParaRPr lang="en-US" dirty="0">
-              <a:latin typeface="Lucida Console" charset="0"/>
-              <a:ea typeface="Lucida Console" charset="0"/>
-              <a:cs typeface="Lucida Console" charset="0"/>
-            </a:endParaRPr>
-          </a:p>
-          <a:p>
-            <a:r>
-              <a:rPr lang="en-US" dirty="0" smtClean="0">
-                <a:solidFill>
-                  <a:schemeClr val="accent2">
-                    <a:lumMod val="75000"/>
-                  </a:schemeClr>
-                </a:solidFill>
-                <a:latin typeface="Lucida Console" charset="0"/>
-                <a:ea typeface="Lucida Console" charset="0"/>
-                <a:cs typeface="Lucida Console" charset="0"/>
-              </a:rPr>
-              <a:t>double</a:t>
-            </a:r>
-            <a:r>
-              <a:rPr lang="en-US" dirty="0" smtClean="0">
-                <a:latin typeface="Lucida Console" charset="0"/>
-                <a:ea typeface="Lucida Console" charset="0"/>
-                <a:cs typeface="Lucida Console" charset="0"/>
-              </a:rPr>
-              <a:t> code = (</a:t>
-            </a:r>
-            <a:r>
-              <a:rPr lang="en-US" dirty="0" smtClean="0">
-                <a:solidFill>
-                  <a:schemeClr val="accent2">
-                    <a:lumMod val="75000"/>
-                  </a:schemeClr>
-                </a:solidFill>
-                <a:latin typeface="Lucida Console" charset="0"/>
-                <a:ea typeface="Lucida Console" charset="0"/>
-                <a:cs typeface="Lucida Console" charset="0"/>
-              </a:rPr>
-              <a:t>double</a:t>
-            </a:r>
-            <a:r>
-              <a:rPr lang="en-US" dirty="0" smtClean="0">
-                <a:latin typeface="Lucida Console" charset="0"/>
-                <a:ea typeface="Lucida Console" charset="0"/>
-                <a:cs typeface="Lucida Console" charset="0"/>
-              </a:rPr>
-              <a:t>) code;</a:t>
-            </a:r>
-            <a:endParaRPr lang="en-US" dirty="0">
-              <a:latin typeface="Lucida Console" charset="0"/>
-              <a:ea typeface="Lucida Console" charset="0"/>
-              <a:cs typeface="Lucida Console" charset="0"/>
-            </a:endParaRPr>
-          </a:p>
-        </p:txBody>
-      </p:sp>
-      <p:sp>
-        <p:nvSpPr>
-          <p:cNvPr id="10" name="TextBox 9"/>
-          <p:cNvSpPr txBox="1"/>
-          <p:nvPr/>
-        </p:nvSpPr>
-        <p:spPr>
-          <a:xfrm>
-            <a:off x="7422259" y="3244646"/>
-            <a:ext cx="3113353" cy="1477328"/>
-          </a:xfrm>
-          <a:prstGeom prst="rect">
-            <a:avLst/>
-          </a:prstGeom>
-          <a:noFill/>
-        </p:spPr>
-        <p:txBody>
-          <a:bodyPr wrap="none" rtlCol="0">
-            <a:spAutoFit/>
-          </a:bodyPr>
-          <a:lstStyle/>
-          <a:p>
-            <a:r>
-              <a:rPr lang="en-US" dirty="0" err="1" smtClean="0">
-                <a:solidFill>
-                  <a:schemeClr val="accent2">
-                    <a:lumMod val="75000"/>
-                  </a:schemeClr>
-                </a:solidFill>
-                <a:latin typeface="Lucida Console" charset="0"/>
-                <a:ea typeface="Lucida Console" charset="0"/>
-                <a:cs typeface="Lucida Console" charset="0"/>
-              </a:rPr>
-              <a:t>int</a:t>
-            </a:r>
-            <a:r>
-              <a:rPr lang="en-US" dirty="0" smtClean="0">
-                <a:solidFill>
-                  <a:schemeClr val="accent2">
-                    <a:lumMod val="75000"/>
-                  </a:schemeClr>
-                </a:solidFill>
-                <a:latin typeface="Lucida Console" charset="0"/>
-                <a:ea typeface="Lucida Console" charset="0"/>
-                <a:cs typeface="Lucida Console" charset="0"/>
-              </a:rPr>
-              <a:t> </a:t>
-            </a:r>
-            <a:r>
-              <a:rPr lang="en-US" dirty="0" smtClean="0">
-                <a:latin typeface="Lucida Console" charset="0"/>
-                <a:ea typeface="Lucida Console" charset="0"/>
-                <a:cs typeface="Lucida Console" charset="0"/>
-              </a:rPr>
-              <a:t>code = ‘a’;</a:t>
-            </a:r>
-          </a:p>
-          <a:p>
-            <a:endParaRPr lang="en-US" dirty="0" smtClean="0">
-              <a:latin typeface="Lucida Console" charset="0"/>
-              <a:ea typeface="Lucida Console" charset="0"/>
-              <a:cs typeface="Lucida Console" charset="0"/>
-            </a:endParaRPr>
-          </a:p>
-          <a:p>
-            <a:r>
-              <a:rPr lang="en-US" dirty="0" err="1" smtClean="0">
-                <a:solidFill>
-                  <a:schemeClr val="accent2">
-                    <a:lumMod val="75000"/>
-                  </a:schemeClr>
-                </a:solidFill>
-                <a:latin typeface="Lucida Console" charset="0"/>
-                <a:ea typeface="Lucida Console" charset="0"/>
-                <a:cs typeface="Lucida Console" charset="0"/>
-              </a:rPr>
-              <a:t>int</a:t>
-            </a:r>
-            <a:r>
-              <a:rPr lang="en-US" dirty="0" smtClean="0">
-                <a:solidFill>
-                  <a:schemeClr val="accent2">
-                    <a:lumMod val="75000"/>
-                  </a:schemeClr>
-                </a:solidFill>
-                <a:latin typeface="Lucida Console" charset="0"/>
-                <a:ea typeface="Lucida Console" charset="0"/>
-                <a:cs typeface="Lucida Console" charset="0"/>
-              </a:rPr>
-              <a:t> </a:t>
-            </a:r>
-            <a:r>
-              <a:rPr lang="en-US" dirty="0" smtClean="0">
-                <a:latin typeface="Lucida Console" charset="0"/>
-                <a:ea typeface="Lucida Console" charset="0"/>
-                <a:cs typeface="Lucida Console" charset="0"/>
-              </a:rPr>
-              <a:t>result = 2.5 * 3;</a:t>
-            </a:r>
-          </a:p>
-          <a:p>
-            <a:endParaRPr lang="en-US" dirty="0">
-              <a:latin typeface="Lucida Console" charset="0"/>
-              <a:ea typeface="Lucida Console" charset="0"/>
-              <a:cs typeface="Lucida Console" charset="0"/>
-            </a:endParaRPr>
-          </a:p>
-          <a:p>
-            <a:r>
-              <a:rPr lang="en-US" dirty="0" smtClean="0">
-                <a:solidFill>
-                  <a:schemeClr val="accent2">
-                    <a:lumMod val="75000"/>
-                  </a:schemeClr>
-                </a:solidFill>
-                <a:latin typeface="Lucida Console" charset="0"/>
-                <a:ea typeface="Lucida Console" charset="0"/>
-                <a:cs typeface="Lucida Console" charset="0"/>
-              </a:rPr>
-              <a:t>unsigned</a:t>
-            </a:r>
-            <a:r>
-              <a:rPr lang="en-US" dirty="0" smtClean="0">
-                <a:latin typeface="Lucida Console" charset="0"/>
-                <a:ea typeface="Lucida Console" charset="0"/>
-                <a:cs typeface="Lucida Console" charset="0"/>
-              </a:rPr>
-              <a:t> </a:t>
-            </a:r>
-            <a:r>
-              <a:rPr lang="en-US" dirty="0" err="1" smtClean="0">
-                <a:latin typeface="Lucida Console" charset="0"/>
-                <a:ea typeface="Lucida Console" charset="0"/>
-                <a:cs typeface="Lucida Console" charset="0"/>
-              </a:rPr>
-              <a:t>i</a:t>
-            </a:r>
-            <a:r>
-              <a:rPr lang="en-US" dirty="0" smtClean="0">
-                <a:latin typeface="Lucida Console" charset="0"/>
-                <a:ea typeface="Lucida Console" charset="0"/>
-                <a:cs typeface="Lucida Console" charset="0"/>
-              </a:rPr>
-              <a:t> = -1;</a:t>
-            </a:r>
-            <a:endParaRPr lang="en-US" dirty="0">
-              <a:latin typeface="Lucida Console" charset="0"/>
-              <a:ea typeface="Lucida Console" charset="0"/>
-              <a:cs typeface="Lucida Console" charset="0"/>
-            </a:endParaRPr>
-          </a:p>
-        </p:txBody>
-      </p:sp>
-    </p:spTree>
-    <p:extLst>
-      <p:ext uri="{BB962C8B-B14F-4D97-AF65-F5344CB8AC3E}">
-        <p14:creationId xmlns:p14="http://schemas.microsoft.com/office/powerpoint/2010/main" val="2029267129"/>
-      </p:ext>
-    </p:extLst>
-  </p:cSld>
-  <p:clrMapOvr>
-    <a:masterClrMapping/>
-  </p:clrMapOvr>
-  <p:timing>
-    <p:tnLst>
-      <p:par>
-        <p:cTn id="1" dur="indefinite" restart="never" nodeType="tmRoot"/>
-      </p:par>
-    </p:tnLst>
-  </p:timing>
-</p:sld>
-</file>
-
 <file path=ppt/slides/slide27.xml><?xml version="1.0" encoding="utf-8"?>
 <p:sld xmlns:a="http://schemas.openxmlformats.org/drawingml/2006/main" xmlns:r="http://schemas.openxmlformats.org/officeDocument/2006/relationships" xmlns:p="http://schemas.openxmlformats.org/presentationml/2006/main">
   <p:cSld>
@@ -21189,6 +20928,570 @@
       </p:sp>
       <p:sp>
         <p:nvSpPr>
+          <p:cNvPr id="6" name="TextBox 5"/>
+          <p:cNvSpPr txBox="1"/>
+          <p:nvPr/>
+        </p:nvSpPr>
+        <p:spPr>
+          <a:xfrm>
+            <a:off x="2900516" y="2035277"/>
+            <a:ext cx="784189" cy="369332"/>
+          </a:xfrm>
+          <a:prstGeom prst="rect">
+            <a:avLst/>
+          </a:prstGeom>
+          <a:noFill/>
+        </p:spPr>
+        <p:txBody>
+          <a:bodyPr wrap="none" rtlCol="0">
+            <a:spAutoFit/>
+          </a:bodyPr>
+          <a:lstStyle/>
+          <a:p>
+            <a:r>
+              <a:rPr lang="ru-RU" dirty="0" smtClean="0"/>
+              <a:t>Явное</a:t>
+            </a:r>
+            <a:endParaRPr lang="en-US" dirty="0"/>
+          </a:p>
+        </p:txBody>
+      </p:sp>
+      <p:sp>
+        <p:nvSpPr>
+          <p:cNvPr id="7" name="TextBox 6"/>
+          <p:cNvSpPr txBox="1"/>
+          <p:nvPr/>
+        </p:nvSpPr>
+        <p:spPr>
+          <a:xfrm>
+            <a:off x="8249264" y="2035277"/>
+            <a:ext cx="1024639" cy="369332"/>
+          </a:xfrm>
+          <a:prstGeom prst="rect">
+            <a:avLst/>
+          </a:prstGeom>
+          <a:noFill/>
+        </p:spPr>
+        <p:txBody>
+          <a:bodyPr wrap="none" rtlCol="0">
+            <a:spAutoFit/>
+          </a:bodyPr>
+          <a:lstStyle/>
+          <a:p>
+            <a:r>
+              <a:rPr lang="ru-RU" smtClean="0"/>
+              <a:t>Неявное</a:t>
+            </a:r>
+            <a:endParaRPr lang="en-US" dirty="0"/>
+          </a:p>
+        </p:txBody>
+      </p:sp>
+      <p:sp>
+        <p:nvSpPr>
+          <p:cNvPr id="8" name="TextBox 7"/>
+          <p:cNvSpPr txBox="1"/>
+          <p:nvPr/>
+        </p:nvSpPr>
+        <p:spPr>
+          <a:xfrm>
+            <a:off x="5950768" y="2219943"/>
+            <a:ext cx="290464" cy="3970318"/>
+          </a:xfrm>
+          <a:prstGeom prst="rect">
+            <a:avLst/>
+          </a:prstGeom>
+          <a:noFill/>
+        </p:spPr>
+        <p:txBody>
+          <a:bodyPr wrap="none" rtlCol="0">
+            <a:spAutoFit/>
+          </a:bodyPr>
+          <a:lstStyle/>
+          <a:p>
+            <a:r>
+              <a:rPr lang="en-US" dirty="0" smtClean="0"/>
+              <a:t>|</a:t>
+            </a:r>
+          </a:p>
+          <a:p>
+            <a:r>
+              <a:rPr lang="en-US" dirty="0" smtClean="0"/>
+              <a:t>|</a:t>
+            </a:r>
+          </a:p>
+          <a:p>
+            <a:r>
+              <a:rPr lang="en-US" dirty="0" smtClean="0"/>
+              <a:t>|</a:t>
+            </a:r>
+          </a:p>
+          <a:p>
+            <a:r>
+              <a:rPr lang="en-US" dirty="0" smtClean="0"/>
+              <a:t>|</a:t>
+            </a:r>
+          </a:p>
+          <a:p>
+            <a:r>
+              <a:rPr lang="en-US" dirty="0" smtClean="0"/>
+              <a:t>|</a:t>
+            </a:r>
+          </a:p>
+          <a:p>
+            <a:r>
+              <a:rPr lang="en-US" dirty="0" smtClean="0"/>
+              <a:t>|</a:t>
+            </a:r>
+          </a:p>
+          <a:p>
+            <a:r>
+              <a:rPr lang="en-US" dirty="0" smtClean="0"/>
+              <a:t>|</a:t>
+            </a:r>
+          </a:p>
+          <a:p>
+            <a:r>
+              <a:rPr lang="en-US" dirty="0" smtClean="0"/>
+              <a:t>|</a:t>
+            </a:r>
+          </a:p>
+          <a:p>
+            <a:r>
+              <a:rPr lang="en-US" dirty="0" smtClean="0"/>
+              <a:t>|</a:t>
+            </a:r>
+          </a:p>
+          <a:p>
+            <a:r>
+              <a:rPr lang="en-US" dirty="0" smtClean="0"/>
+              <a:t>|</a:t>
+            </a:r>
+          </a:p>
+          <a:p>
+            <a:r>
+              <a:rPr lang="en-US" dirty="0" smtClean="0"/>
+              <a:t>|</a:t>
+            </a:r>
+          </a:p>
+          <a:p>
+            <a:r>
+              <a:rPr lang="en-US" dirty="0" smtClean="0"/>
+              <a:t>|</a:t>
+            </a:r>
+          </a:p>
+          <a:p>
+            <a:r>
+              <a:rPr lang="en-US" dirty="0" smtClean="0"/>
+              <a:t>|</a:t>
+            </a:r>
+          </a:p>
+          <a:p>
+            <a:r>
+              <a:rPr lang="en-US" dirty="0"/>
+              <a:t>|</a:t>
+            </a:r>
+          </a:p>
+        </p:txBody>
+      </p:sp>
+      <p:sp>
+        <p:nvSpPr>
+          <p:cNvPr id="9" name="TextBox 8"/>
+          <p:cNvSpPr txBox="1"/>
+          <p:nvPr/>
+        </p:nvSpPr>
+        <p:spPr>
+          <a:xfrm>
+            <a:off x="1247819" y="3244646"/>
+            <a:ext cx="4089581" cy="1477328"/>
+          </a:xfrm>
+          <a:prstGeom prst="rect">
+            <a:avLst/>
+          </a:prstGeom>
+          <a:noFill/>
+        </p:spPr>
+        <p:txBody>
+          <a:bodyPr wrap="none" rtlCol="0">
+            <a:spAutoFit/>
+          </a:bodyPr>
+          <a:lstStyle/>
+          <a:p>
+            <a:r>
+              <a:rPr lang="en-US" dirty="0" smtClean="0">
+                <a:solidFill>
+                  <a:schemeClr val="accent2">
+                    <a:lumMod val="75000"/>
+                  </a:schemeClr>
+                </a:solidFill>
+                <a:latin typeface="Lucida Console" charset="0"/>
+                <a:ea typeface="Lucida Console" charset="0"/>
+                <a:cs typeface="Lucida Console" charset="0"/>
+              </a:rPr>
+              <a:t>char</a:t>
+            </a:r>
+            <a:r>
+              <a:rPr lang="en-US" dirty="0" smtClean="0">
+                <a:latin typeface="Lucida Console" charset="0"/>
+                <a:ea typeface="Lucida Console" charset="0"/>
+                <a:cs typeface="Lucida Console" charset="0"/>
+              </a:rPr>
+              <a:t> symbol = ‘a’;</a:t>
+            </a:r>
+          </a:p>
+          <a:p>
+            <a:endParaRPr lang="en-US" dirty="0">
+              <a:latin typeface="Lucida Console" charset="0"/>
+              <a:ea typeface="Lucida Console" charset="0"/>
+              <a:cs typeface="Lucida Console" charset="0"/>
+            </a:endParaRPr>
+          </a:p>
+          <a:p>
+            <a:r>
+              <a:rPr lang="en-US" dirty="0" err="1" smtClean="0">
+                <a:solidFill>
+                  <a:schemeClr val="accent2">
+                    <a:lumMod val="75000"/>
+                  </a:schemeClr>
+                </a:solidFill>
+                <a:latin typeface="Lucida Console" charset="0"/>
+                <a:ea typeface="Lucida Console" charset="0"/>
+                <a:cs typeface="Lucida Console" charset="0"/>
+              </a:rPr>
+              <a:t>int</a:t>
+            </a:r>
+            <a:r>
+              <a:rPr lang="en-US" dirty="0" smtClean="0">
+                <a:solidFill>
+                  <a:schemeClr val="accent2">
+                    <a:lumMod val="75000"/>
+                  </a:schemeClr>
+                </a:solidFill>
+                <a:latin typeface="Lucida Console" charset="0"/>
+                <a:ea typeface="Lucida Console" charset="0"/>
+                <a:cs typeface="Lucida Console" charset="0"/>
+              </a:rPr>
+              <a:t> </a:t>
+            </a:r>
+            <a:r>
+              <a:rPr lang="en-US" dirty="0" smtClean="0">
+                <a:latin typeface="Lucida Console" charset="0"/>
+                <a:ea typeface="Lucida Console" charset="0"/>
+                <a:cs typeface="Lucida Console" charset="0"/>
+              </a:rPr>
+              <a:t>code = (</a:t>
+            </a:r>
+            <a:r>
+              <a:rPr lang="en-US" dirty="0" err="1" smtClean="0">
+                <a:solidFill>
+                  <a:schemeClr val="accent2">
+                    <a:lumMod val="75000"/>
+                  </a:schemeClr>
+                </a:solidFill>
+                <a:latin typeface="Lucida Console" charset="0"/>
+                <a:ea typeface="Lucida Console" charset="0"/>
+                <a:cs typeface="Lucida Console" charset="0"/>
+              </a:rPr>
+              <a:t>int</a:t>
+            </a:r>
+            <a:r>
+              <a:rPr lang="en-US" dirty="0" smtClean="0">
+                <a:latin typeface="Lucida Console" charset="0"/>
+                <a:ea typeface="Lucida Console" charset="0"/>
+                <a:cs typeface="Lucida Console" charset="0"/>
+              </a:rPr>
+              <a:t>) symbol;</a:t>
+            </a:r>
+          </a:p>
+          <a:p>
+            <a:endParaRPr lang="en-US" dirty="0">
+              <a:latin typeface="Lucida Console" charset="0"/>
+              <a:ea typeface="Lucida Console" charset="0"/>
+              <a:cs typeface="Lucida Console" charset="0"/>
+            </a:endParaRPr>
+          </a:p>
+          <a:p>
+            <a:r>
+              <a:rPr lang="en-US" dirty="0" smtClean="0">
+                <a:solidFill>
+                  <a:schemeClr val="accent2">
+                    <a:lumMod val="75000"/>
+                  </a:schemeClr>
+                </a:solidFill>
+                <a:latin typeface="Lucida Console" charset="0"/>
+                <a:ea typeface="Lucida Console" charset="0"/>
+                <a:cs typeface="Lucida Console" charset="0"/>
+              </a:rPr>
+              <a:t>double</a:t>
+            </a:r>
+            <a:r>
+              <a:rPr lang="en-US" dirty="0" smtClean="0">
+                <a:latin typeface="Lucida Console" charset="0"/>
+                <a:ea typeface="Lucida Console" charset="0"/>
+                <a:cs typeface="Lucida Console" charset="0"/>
+              </a:rPr>
+              <a:t> code = (</a:t>
+            </a:r>
+            <a:r>
+              <a:rPr lang="en-US" dirty="0" smtClean="0">
+                <a:solidFill>
+                  <a:schemeClr val="accent2">
+                    <a:lumMod val="75000"/>
+                  </a:schemeClr>
+                </a:solidFill>
+                <a:latin typeface="Lucida Console" charset="0"/>
+                <a:ea typeface="Lucida Console" charset="0"/>
+                <a:cs typeface="Lucida Console" charset="0"/>
+              </a:rPr>
+              <a:t>double</a:t>
+            </a:r>
+            <a:r>
+              <a:rPr lang="en-US" dirty="0" smtClean="0">
+                <a:latin typeface="Lucida Console" charset="0"/>
+                <a:ea typeface="Lucida Console" charset="0"/>
+                <a:cs typeface="Lucida Console" charset="0"/>
+              </a:rPr>
+              <a:t>) code;</a:t>
+            </a:r>
+            <a:endParaRPr lang="en-US" dirty="0">
+              <a:latin typeface="Lucida Console" charset="0"/>
+              <a:ea typeface="Lucida Console" charset="0"/>
+              <a:cs typeface="Lucida Console" charset="0"/>
+            </a:endParaRPr>
+          </a:p>
+        </p:txBody>
+      </p:sp>
+      <p:sp>
+        <p:nvSpPr>
+          <p:cNvPr id="10" name="TextBox 9"/>
+          <p:cNvSpPr txBox="1"/>
+          <p:nvPr/>
+        </p:nvSpPr>
+        <p:spPr>
+          <a:xfrm>
+            <a:off x="7422259" y="3244646"/>
+            <a:ext cx="3113353" cy="1477328"/>
+          </a:xfrm>
+          <a:prstGeom prst="rect">
+            <a:avLst/>
+          </a:prstGeom>
+          <a:noFill/>
+        </p:spPr>
+        <p:txBody>
+          <a:bodyPr wrap="none" rtlCol="0">
+            <a:spAutoFit/>
+          </a:bodyPr>
+          <a:lstStyle/>
+          <a:p>
+            <a:r>
+              <a:rPr lang="en-US" dirty="0" err="1" smtClean="0">
+                <a:solidFill>
+                  <a:schemeClr val="accent2">
+                    <a:lumMod val="75000"/>
+                  </a:schemeClr>
+                </a:solidFill>
+                <a:latin typeface="Lucida Console" charset="0"/>
+                <a:ea typeface="Lucida Console" charset="0"/>
+                <a:cs typeface="Lucida Console" charset="0"/>
+              </a:rPr>
+              <a:t>int</a:t>
+            </a:r>
+            <a:r>
+              <a:rPr lang="en-US" dirty="0" smtClean="0">
+                <a:solidFill>
+                  <a:schemeClr val="accent2">
+                    <a:lumMod val="75000"/>
+                  </a:schemeClr>
+                </a:solidFill>
+                <a:latin typeface="Lucida Console" charset="0"/>
+                <a:ea typeface="Lucida Console" charset="0"/>
+                <a:cs typeface="Lucida Console" charset="0"/>
+              </a:rPr>
+              <a:t> </a:t>
+            </a:r>
+            <a:r>
+              <a:rPr lang="en-US" dirty="0" smtClean="0">
+                <a:latin typeface="Lucida Console" charset="0"/>
+                <a:ea typeface="Lucida Console" charset="0"/>
+                <a:cs typeface="Lucida Console" charset="0"/>
+              </a:rPr>
+              <a:t>code = ‘a’;</a:t>
+            </a:r>
+          </a:p>
+          <a:p>
+            <a:endParaRPr lang="en-US" dirty="0" smtClean="0">
+              <a:latin typeface="Lucida Console" charset="0"/>
+              <a:ea typeface="Lucida Console" charset="0"/>
+              <a:cs typeface="Lucida Console" charset="0"/>
+            </a:endParaRPr>
+          </a:p>
+          <a:p>
+            <a:r>
+              <a:rPr lang="en-US" dirty="0" err="1" smtClean="0">
+                <a:solidFill>
+                  <a:schemeClr val="accent2">
+                    <a:lumMod val="75000"/>
+                  </a:schemeClr>
+                </a:solidFill>
+                <a:latin typeface="Lucida Console" charset="0"/>
+                <a:ea typeface="Lucida Console" charset="0"/>
+                <a:cs typeface="Lucida Console" charset="0"/>
+              </a:rPr>
+              <a:t>int</a:t>
+            </a:r>
+            <a:r>
+              <a:rPr lang="en-US" dirty="0" smtClean="0">
+                <a:solidFill>
+                  <a:schemeClr val="accent2">
+                    <a:lumMod val="75000"/>
+                  </a:schemeClr>
+                </a:solidFill>
+                <a:latin typeface="Lucida Console" charset="0"/>
+                <a:ea typeface="Lucida Console" charset="0"/>
+                <a:cs typeface="Lucida Console" charset="0"/>
+              </a:rPr>
+              <a:t> </a:t>
+            </a:r>
+            <a:r>
+              <a:rPr lang="en-US" dirty="0" smtClean="0">
+                <a:latin typeface="Lucida Console" charset="0"/>
+                <a:ea typeface="Lucida Console" charset="0"/>
+                <a:cs typeface="Lucida Console" charset="0"/>
+              </a:rPr>
+              <a:t>result = 2.5 * 3;</a:t>
+            </a:r>
+          </a:p>
+          <a:p>
+            <a:endParaRPr lang="en-US" dirty="0">
+              <a:latin typeface="Lucida Console" charset="0"/>
+              <a:ea typeface="Lucida Console" charset="0"/>
+              <a:cs typeface="Lucida Console" charset="0"/>
+            </a:endParaRPr>
+          </a:p>
+          <a:p>
+            <a:r>
+              <a:rPr lang="en-US" dirty="0" smtClean="0">
+                <a:solidFill>
+                  <a:schemeClr val="accent2">
+                    <a:lumMod val="75000"/>
+                  </a:schemeClr>
+                </a:solidFill>
+                <a:latin typeface="Lucida Console" charset="0"/>
+                <a:ea typeface="Lucida Console" charset="0"/>
+                <a:cs typeface="Lucida Console" charset="0"/>
+              </a:rPr>
+              <a:t>unsigned</a:t>
+            </a:r>
+            <a:r>
+              <a:rPr lang="en-US" dirty="0" smtClean="0">
+                <a:latin typeface="Lucida Console" charset="0"/>
+                <a:ea typeface="Lucida Console" charset="0"/>
+                <a:cs typeface="Lucida Console" charset="0"/>
+              </a:rPr>
+              <a:t> </a:t>
+            </a:r>
+            <a:r>
+              <a:rPr lang="en-US" dirty="0" err="1" smtClean="0">
+                <a:latin typeface="Lucida Console" charset="0"/>
+                <a:ea typeface="Lucida Console" charset="0"/>
+                <a:cs typeface="Lucida Console" charset="0"/>
+              </a:rPr>
+              <a:t>i</a:t>
+            </a:r>
+            <a:r>
+              <a:rPr lang="en-US" dirty="0" smtClean="0">
+                <a:latin typeface="Lucida Console" charset="0"/>
+                <a:ea typeface="Lucida Console" charset="0"/>
+                <a:cs typeface="Lucida Console" charset="0"/>
+              </a:rPr>
+              <a:t> = -1;</a:t>
+            </a:r>
+            <a:endParaRPr lang="en-US" dirty="0">
+              <a:latin typeface="Lucida Console" charset="0"/>
+              <a:ea typeface="Lucida Console" charset="0"/>
+              <a:cs typeface="Lucida Console" charset="0"/>
+            </a:endParaRPr>
+          </a:p>
+        </p:txBody>
+      </p:sp>
+    </p:spTree>
+    <p:extLst>
+      <p:ext uri="{BB962C8B-B14F-4D97-AF65-F5344CB8AC3E}">
+        <p14:creationId xmlns:p14="http://schemas.microsoft.com/office/powerpoint/2010/main" val="2029267129"/>
+      </p:ext>
+    </p:extLst>
+  </p:cSld>
+  <p:clrMapOvr>
+    <a:masterClrMapping/>
+  </p:clrMapOvr>
+  <p:timing>
+    <p:tnLst>
+      <p:par>
+        <p:cTn id="1" dur="indefinite" restart="never" nodeType="tmRoot"/>
+      </p:par>
+    </p:tnLst>
+  </p:timing>
+</p:sld>
+</file>
+
+<file path=ppt/slides/slide28.xml><?xml version="1.0" encoding="utf-8"?>
+<p:sld xmlns:a="http://schemas.openxmlformats.org/drawingml/2006/main" xmlns:r="http://schemas.openxmlformats.org/officeDocument/2006/relationships" xmlns:p="http://schemas.openxmlformats.org/presentationml/2006/main">
+  <p:cSld>
+    <p:spTree>
+      <p:nvGrpSpPr>
+        <p:cNvPr id="1" name=""/>
+        <p:cNvGrpSpPr/>
+        <p:nvPr/>
+      </p:nvGrpSpPr>
+      <p:grpSpPr>
+        <a:xfrm>
+          <a:off x="0" y="0"/>
+          <a:ext cx="0" cy="0"/>
+          <a:chOff x="0" y="0"/>
+          <a:chExt cx="0" cy="0"/>
+        </a:xfrm>
+      </p:grpSpPr>
+      <p:sp>
+        <p:nvSpPr>
+          <p:cNvPr id="2" name="Title 1"/>
+          <p:cNvSpPr>
+            <a:spLocks noGrp="1"/>
+          </p:cNvSpPr>
+          <p:nvPr>
+            <p:ph type="title"/>
+          </p:nvPr>
+        </p:nvSpPr>
+        <p:spPr/>
+        <p:txBody>
+          <a:bodyPr/>
+          <a:lstStyle/>
+          <a:p>
+            <a:r>
+              <a:rPr lang="ru-RU" dirty="0"/>
+              <a:t>Операторы</a:t>
+            </a:r>
+            <a:r>
+              <a:rPr lang="en-US" dirty="0"/>
+              <a:t>::</a:t>
+            </a:r>
+            <a:r>
+              <a:rPr lang="ru-RU" dirty="0"/>
+              <a:t>Приведение типа</a:t>
+            </a:r>
+            <a:r>
+              <a:rPr lang="en-US" dirty="0"/>
+              <a:t/>
+            </a:r>
+            <a:br>
+              <a:rPr lang="en-US" dirty="0"/>
+            </a:br>
+            <a:r>
+              <a:rPr lang="en-US" dirty="0"/>
+              <a:t>------------------------------------------------------------</a:t>
+            </a:r>
+          </a:p>
+        </p:txBody>
+      </p:sp>
+      <p:sp>
+        <p:nvSpPr>
           <p:cNvPr id="11" name="Content Placeholder 2"/>
           <p:cNvSpPr>
             <a:spLocks noGrp="1"/>
@@ -21238,7 +21541,7 @@
 </p:sld>
 </file>
 
-<file path=ppt/slides/slide28.xml><?xml version="1.0" encoding="utf-8"?>
+<file path=ppt/slides/slide29.xml><?xml version="1.0" encoding="utf-8"?>
 <p:sld xmlns:a="http://schemas.openxmlformats.org/drawingml/2006/main" xmlns:r="http://schemas.openxmlformats.org/officeDocument/2006/relationships" xmlns:p="http://schemas.openxmlformats.org/presentationml/2006/main">
   <p:cSld>
     <p:spTree>
@@ -21830,247 +22133,6 @@
 </p:sld>
 </file>
 
-<file path=ppt/slides/slide29.xml><?xml version="1.0" encoding="utf-8"?>
-<p:sld xmlns:a="http://schemas.openxmlformats.org/drawingml/2006/main" xmlns:r="http://schemas.openxmlformats.org/officeDocument/2006/relationships" xmlns:p="http://schemas.openxmlformats.org/presentationml/2006/main">
-  <p:cSld>
-    <p:spTree>
-      <p:nvGrpSpPr>
-        <p:cNvPr id="1" name=""/>
-        <p:cNvGrpSpPr/>
-        <p:nvPr/>
-      </p:nvGrpSpPr>
-      <p:grpSpPr>
-        <a:xfrm>
-          <a:off x="0" y="0"/>
-          <a:ext cx="0" cy="0"/>
-          <a:chOff x="0" y="0"/>
-          <a:chExt cx="0" cy="0"/>
-        </a:xfrm>
-      </p:grpSpPr>
-      <p:sp>
-        <p:nvSpPr>
-          <p:cNvPr id="2" name="Title 1"/>
-          <p:cNvSpPr>
-            <a:spLocks noGrp="1"/>
-          </p:cNvSpPr>
-          <p:nvPr>
-            <p:ph type="title"/>
-          </p:nvPr>
-        </p:nvSpPr>
-        <p:spPr/>
-        <p:txBody>
-          <a:bodyPr>
-            <a:normAutofit/>
-          </a:bodyPr>
-          <a:lstStyle/>
-          <a:p>
-            <a:r>
-              <a:rPr lang="ru-RU" dirty="0" smtClean="0"/>
-              <a:t>Задания</a:t>
-            </a:r>
-            <a:br>
-              <a:rPr lang="ru-RU" dirty="0" smtClean="0"/>
-            </a:br>
-            <a:r>
-              <a:rPr lang="ru-RU" dirty="0" smtClean="0"/>
-              <a:t>------------------------------------------------------------</a:t>
-            </a:r>
-            <a:endParaRPr lang="en-US" dirty="0"/>
-          </a:p>
-        </p:txBody>
-      </p:sp>
-      <p:sp>
-        <p:nvSpPr>
-          <p:cNvPr id="4" name="TextBox 3"/>
-          <p:cNvSpPr txBox="1"/>
-          <p:nvPr/>
-        </p:nvSpPr>
-        <p:spPr>
-          <a:xfrm>
-            <a:off x="2604440" y="3143250"/>
-            <a:ext cx="8477257" cy="1477328"/>
-          </a:xfrm>
-          <a:prstGeom prst="rect">
-            <a:avLst/>
-          </a:prstGeom>
-          <a:noFill/>
-        </p:spPr>
-        <p:txBody>
-          <a:bodyPr wrap="none" rtlCol="0">
-            <a:spAutoFit/>
-          </a:bodyPr>
-          <a:lstStyle/>
-          <a:p>
-            <a:pPr marL="342900" indent="-342900">
-              <a:buAutoNum type="arabicPeriod"/>
-            </a:pPr>
-            <a:r>
-              <a:rPr lang="ru-RU" dirty="0" smtClean="0"/>
-              <a:t>Вывести </a:t>
-            </a:r>
-            <a:r>
-              <a:rPr lang="en-US" dirty="0" smtClean="0"/>
-              <a:t>Hello, &lt;</a:t>
-            </a:r>
-            <a:r>
-              <a:rPr lang="ru-RU" dirty="0" err="1" smtClean="0"/>
-              <a:t>Ваше_Имя</a:t>
-            </a:r>
-            <a:r>
-              <a:rPr lang="en-US" dirty="0" smtClean="0"/>
-              <a:t>&gt;, </a:t>
-            </a:r>
-            <a:r>
-              <a:rPr lang="ru-RU" dirty="0" smtClean="0"/>
-              <a:t>вывести последовательность </a:t>
-            </a:r>
-            <a:r>
-              <a:rPr lang="en-US" dirty="0" smtClean="0"/>
-              <a:t>”\n”</a:t>
-            </a:r>
-            <a:endParaRPr lang="ru-RU" dirty="0" smtClean="0"/>
-          </a:p>
-          <a:p>
-            <a:pPr marL="342900" indent="-342900">
-              <a:buAutoNum type="arabicPeriod"/>
-            </a:pPr>
-            <a:r>
-              <a:rPr lang="ru-RU" dirty="0" smtClean="0"/>
-              <a:t>Вывести любое число типа </a:t>
-            </a:r>
-            <a:r>
-              <a:rPr lang="en-US" dirty="0" err="1" smtClean="0">
-                <a:solidFill>
-                  <a:schemeClr val="accent2">
-                    <a:lumMod val="75000"/>
-                  </a:schemeClr>
-                </a:solidFill>
-              </a:rPr>
-              <a:t>int</a:t>
-            </a:r>
-            <a:r>
-              <a:rPr lang="en-US" dirty="0" smtClean="0">
-                <a:solidFill>
-                  <a:schemeClr val="accent2">
-                    <a:lumMod val="75000"/>
-                  </a:schemeClr>
-                </a:solidFill>
-              </a:rPr>
-              <a:t> </a:t>
-            </a:r>
-            <a:r>
-              <a:rPr lang="ru-RU" dirty="0" smtClean="0"/>
-              <a:t>как </a:t>
-            </a:r>
-            <a:r>
-              <a:rPr lang="en-US" dirty="0" smtClean="0">
-                <a:solidFill>
-                  <a:schemeClr val="accent2">
-                    <a:lumMod val="75000"/>
-                  </a:schemeClr>
-                </a:solidFill>
-              </a:rPr>
-              <a:t>float</a:t>
-            </a:r>
-            <a:r>
-              <a:rPr lang="ru-RU" dirty="0" smtClean="0"/>
-              <a:t>. Вывести число -1 типа </a:t>
-            </a:r>
-            <a:r>
-              <a:rPr lang="en-US" dirty="0" err="1" smtClean="0">
-                <a:solidFill>
-                  <a:schemeClr val="accent2">
-                    <a:lumMod val="75000"/>
-                  </a:schemeClr>
-                </a:solidFill>
-              </a:rPr>
-              <a:t>int</a:t>
-            </a:r>
-            <a:r>
-              <a:rPr lang="en-US" dirty="0" smtClean="0">
-                <a:solidFill>
-                  <a:schemeClr val="accent2">
-                    <a:lumMod val="75000"/>
-                  </a:schemeClr>
-                </a:solidFill>
-              </a:rPr>
-              <a:t> </a:t>
-            </a:r>
-            <a:r>
-              <a:rPr lang="ru-RU" dirty="0" smtClean="0"/>
-              <a:t>как </a:t>
-            </a:r>
-            <a:r>
-              <a:rPr lang="en-US" dirty="0" smtClean="0">
-                <a:solidFill>
-                  <a:schemeClr val="accent2">
-                    <a:lumMod val="75000"/>
-                  </a:schemeClr>
-                </a:solidFill>
-              </a:rPr>
-              <a:t>unsigned</a:t>
-            </a:r>
-            <a:r>
-              <a:rPr lang="en-US" dirty="0" smtClean="0"/>
-              <a:t>.</a:t>
-            </a:r>
-            <a:endParaRPr lang="ru-RU" dirty="0" smtClean="0"/>
-          </a:p>
-          <a:p>
-            <a:pPr marL="342900" indent="-342900">
-              <a:buAutoNum type="arabicPeriod"/>
-            </a:pPr>
-            <a:r>
-              <a:rPr lang="ru-RU" dirty="0"/>
-              <a:t>Узнать сколько занимает байт занимают базовые типы Си на вашей </a:t>
-            </a:r>
-            <a:r>
-              <a:rPr lang="ru-RU" dirty="0" smtClean="0"/>
-              <a:t>ОС</a:t>
-            </a:r>
-            <a:r>
-              <a:rPr lang="en-US" dirty="0"/>
-              <a:t>;</a:t>
-            </a:r>
-            <a:endParaRPr lang="ru-RU" dirty="0" smtClean="0"/>
-          </a:p>
-          <a:p>
-            <a:pPr marL="342900" indent="-342900">
-              <a:buAutoNum type="arabicPeriod"/>
-            </a:pPr>
-            <a:r>
-              <a:rPr lang="ru-RU" dirty="0" smtClean="0"/>
-              <a:t>Написать программу для перевода введенной цифры в символ</a:t>
-            </a:r>
-          </a:p>
-          <a:p>
-            <a:pPr marL="342900" indent="-342900">
-              <a:buAutoNum type="arabicPeriod"/>
-            </a:pPr>
-            <a:endParaRPr lang="en-US" dirty="0"/>
-          </a:p>
-        </p:txBody>
-      </p:sp>
-    </p:spTree>
-    <p:extLst>
-      <p:ext uri="{BB962C8B-B14F-4D97-AF65-F5344CB8AC3E}">
-        <p14:creationId xmlns:p14="http://schemas.microsoft.com/office/powerpoint/2010/main" val="1348688548"/>
-      </p:ext>
-    </p:extLst>
-  </p:cSld>
-  <p:clrMapOvr>
-    <a:masterClrMapping/>
-  </p:clrMapOvr>
-  <p:timing>
-    <p:tnLst>
-      <p:par>
-        <p:cTn id="1" dur="indefinite" restart="never" nodeType="tmRoot"/>
-      </p:par>
-    </p:tnLst>
-  </p:timing>
-</p:sld>
-</file>
-
 <file path=ppt/slides/slide3.xml><?xml version="1.0" encoding="utf-8"?>
 <p:sld xmlns:a="http://schemas.openxmlformats.org/drawingml/2006/main" xmlns:r="http://schemas.openxmlformats.org/officeDocument/2006/relationships" xmlns:p="http://schemas.openxmlformats.org/presentationml/2006/main">
   <p:cSld>
@@ -22340,6 +22402,247 @@
       <p:transition/>
     </mc:Fallback>
   </mc:AlternateContent>
+  <p:timing>
+    <p:tnLst>
+      <p:par>
+        <p:cTn id="1" dur="indefinite" restart="never" nodeType="tmRoot"/>
+      </p:par>
+    </p:tnLst>
+  </p:timing>
+</p:sld>
+</file>
+
+<file path=ppt/slides/slide30.xml><?xml version="1.0" encoding="utf-8"?>
+<p:sld xmlns:a="http://schemas.openxmlformats.org/drawingml/2006/main" xmlns:r="http://schemas.openxmlformats.org/officeDocument/2006/relationships" xmlns:p="http://schemas.openxmlformats.org/presentationml/2006/main">
+  <p:cSld>
+    <p:spTree>
+      <p:nvGrpSpPr>
+        <p:cNvPr id="1" name=""/>
+        <p:cNvGrpSpPr/>
+        <p:nvPr/>
+      </p:nvGrpSpPr>
+      <p:grpSpPr>
+        <a:xfrm>
+          <a:off x="0" y="0"/>
+          <a:ext cx="0" cy="0"/>
+          <a:chOff x="0" y="0"/>
+          <a:chExt cx="0" cy="0"/>
+        </a:xfrm>
+      </p:grpSpPr>
+      <p:sp>
+        <p:nvSpPr>
+          <p:cNvPr id="2" name="Title 1"/>
+          <p:cNvSpPr>
+            <a:spLocks noGrp="1"/>
+          </p:cNvSpPr>
+          <p:nvPr>
+            <p:ph type="title"/>
+          </p:nvPr>
+        </p:nvSpPr>
+        <p:spPr/>
+        <p:txBody>
+          <a:bodyPr>
+            <a:normAutofit/>
+          </a:bodyPr>
+          <a:lstStyle/>
+          <a:p>
+            <a:r>
+              <a:rPr lang="ru-RU" dirty="0" smtClean="0"/>
+              <a:t>Задания</a:t>
+            </a:r>
+            <a:br>
+              <a:rPr lang="ru-RU" dirty="0" smtClean="0"/>
+            </a:br>
+            <a:r>
+              <a:rPr lang="ru-RU" dirty="0" smtClean="0"/>
+              <a:t>------------------------------------------------------------</a:t>
+            </a:r>
+            <a:endParaRPr lang="en-US" dirty="0"/>
+          </a:p>
+        </p:txBody>
+      </p:sp>
+      <p:sp>
+        <p:nvSpPr>
+          <p:cNvPr id="4" name="TextBox 3"/>
+          <p:cNvSpPr txBox="1"/>
+          <p:nvPr/>
+        </p:nvSpPr>
+        <p:spPr>
+          <a:xfrm>
+            <a:off x="2604440" y="3143250"/>
+            <a:ext cx="8477257" cy="1477328"/>
+          </a:xfrm>
+          <a:prstGeom prst="rect">
+            <a:avLst/>
+          </a:prstGeom>
+          <a:noFill/>
+        </p:spPr>
+        <p:txBody>
+          <a:bodyPr wrap="none" rtlCol="0">
+            <a:spAutoFit/>
+          </a:bodyPr>
+          <a:lstStyle/>
+          <a:p>
+            <a:pPr marL="342900" indent="-342900">
+              <a:buAutoNum type="arabicPeriod"/>
+            </a:pPr>
+            <a:r>
+              <a:rPr lang="ru-RU" dirty="0" smtClean="0"/>
+              <a:t>Вывести </a:t>
+            </a:r>
+            <a:r>
+              <a:rPr lang="en-US" dirty="0" smtClean="0"/>
+              <a:t>Hello, &lt;</a:t>
+            </a:r>
+            <a:r>
+              <a:rPr lang="ru-RU" dirty="0" err="1" smtClean="0"/>
+              <a:t>Ваше_Имя</a:t>
+            </a:r>
+            <a:r>
+              <a:rPr lang="en-US" dirty="0" smtClean="0"/>
+              <a:t>&gt;, </a:t>
+            </a:r>
+            <a:r>
+              <a:rPr lang="ru-RU" dirty="0" smtClean="0"/>
+              <a:t>вывести последовательность </a:t>
+            </a:r>
+            <a:r>
+              <a:rPr lang="en-US" dirty="0" smtClean="0"/>
+              <a:t>”\n”</a:t>
+            </a:r>
+            <a:endParaRPr lang="ru-RU" dirty="0" smtClean="0"/>
+          </a:p>
+          <a:p>
+            <a:pPr marL="342900" indent="-342900">
+              <a:buAutoNum type="arabicPeriod"/>
+            </a:pPr>
+            <a:r>
+              <a:rPr lang="ru-RU" dirty="0" smtClean="0"/>
+              <a:t>Вывести любое число типа </a:t>
+            </a:r>
+            <a:r>
+              <a:rPr lang="en-US" dirty="0" err="1" smtClean="0">
+                <a:solidFill>
+                  <a:schemeClr val="accent2">
+                    <a:lumMod val="75000"/>
+                  </a:schemeClr>
+                </a:solidFill>
+              </a:rPr>
+              <a:t>int</a:t>
+            </a:r>
+            <a:r>
+              <a:rPr lang="en-US" dirty="0" smtClean="0">
+                <a:solidFill>
+                  <a:schemeClr val="accent2">
+                    <a:lumMod val="75000"/>
+                  </a:schemeClr>
+                </a:solidFill>
+              </a:rPr>
+              <a:t> </a:t>
+            </a:r>
+            <a:r>
+              <a:rPr lang="ru-RU" dirty="0" smtClean="0"/>
+              <a:t>как </a:t>
+            </a:r>
+            <a:r>
+              <a:rPr lang="en-US" dirty="0" smtClean="0">
+                <a:solidFill>
+                  <a:schemeClr val="accent2">
+                    <a:lumMod val="75000"/>
+                  </a:schemeClr>
+                </a:solidFill>
+              </a:rPr>
+              <a:t>float</a:t>
+            </a:r>
+            <a:r>
+              <a:rPr lang="ru-RU" dirty="0" smtClean="0"/>
+              <a:t>. Вывести число -1 типа </a:t>
+            </a:r>
+            <a:r>
+              <a:rPr lang="en-US" dirty="0" err="1" smtClean="0">
+                <a:solidFill>
+                  <a:schemeClr val="accent2">
+                    <a:lumMod val="75000"/>
+                  </a:schemeClr>
+                </a:solidFill>
+              </a:rPr>
+              <a:t>int</a:t>
+            </a:r>
+            <a:r>
+              <a:rPr lang="en-US" dirty="0" smtClean="0">
+                <a:solidFill>
+                  <a:schemeClr val="accent2">
+                    <a:lumMod val="75000"/>
+                  </a:schemeClr>
+                </a:solidFill>
+              </a:rPr>
+              <a:t> </a:t>
+            </a:r>
+            <a:r>
+              <a:rPr lang="ru-RU" dirty="0" smtClean="0"/>
+              <a:t>как </a:t>
+            </a:r>
+            <a:r>
+              <a:rPr lang="en-US" dirty="0" smtClean="0">
+                <a:solidFill>
+                  <a:schemeClr val="accent2">
+                    <a:lumMod val="75000"/>
+                  </a:schemeClr>
+                </a:solidFill>
+              </a:rPr>
+              <a:t>unsigned</a:t>
+            </a:r>
+            <a:r>
+              <a:rPr lang="en-US" dirty="0" smtClean="0"/>
+              <a:t>.</a:t>
+            </a:r>
+            <a:endParaRPr lang="ru-RU" dirty="0" smtClean="0"/>
+          </a:p>
+          <a:p>
+            <a:pPr marL="342900" indent="-342900">
+              <a:buAutoNum type="arabicPeriod"/>
+            </a:pPr>
+            <a:r>
+              <a:rPr lang="ru-RU" dirty="0"/>
+              <a:t>Узнать сколько занимает байт занимают базовые типы Си на вашей </a:t>
+            </a:r>
+            <a:r>
+              <a:rPr lang="ru-RU" dirty="0" smtClean="0"/>
+              <a:t>ОС</a:t>
+            </a:r>
+            <a:r>
+              <a:rPr lang="en-US" dirty="0"/>
+              <a:t>;</a:t>
+            </a:r>
+            <a:endParaRPr lang="ru-RU" dirty="0" smtClean="0"/>
+          </a:p>
+          <a:p>
+            <a:pPr marL="342900" indent="-342900">
+              <a:buAutoNum type="arabicPeriod"/>
+            </a:pPr>
+            <a:r>
+              <a:rPr lang="ru-RU" dirty="0" smtClean="0"/>
+              <a:t>Написать программу для перевода введенной цифры в символ</a:t>
+            </a:r>
+          </a:p>
+          <a:p>
+            <a:pPr marL="342900" indent="-342900">
+              <a:buAutoNum type="arabicPeriod"/>
+            </a:pPr>
+            <a:endParaRPr lang="en-US" dirty="0"/>
+          </a:p>
+        </p:txBody>
+      </p:sp>
+    </p:spTree>
+    <p:extLst>
+      <p:ext uri="{BB962C8B-B14F-4D97-AF65-F5344CB8AC3E}">
+        <p14:creationId xmlns:p14="http://schemas.microsoft.com/office/powerpoint/2010/main" val="1348688548"/>
+      </p:ext>
+    </p:extLst>
+  </p:cSld>
+  <p:clrMapOvr>
+    <a:masterClrMapping/>
+  </p:clrMapOvr>
   <p:timing>
     <p:tnLst>
       <p:par>
